--- a/lab_docs/PRISM 2014 Poster.pptx
+++ b/lab_docs/PRISM 2014 Poster.pptx
@@ -109,7 +109,7 @@
   </p:defaultTextStyle>
   <p:extLst>
     <p:ext uri="{EFAFB233-063F-42B5-8137-9DF3F51BA10A}">
-      <p15:sldGuideLst xmlns:p15="http://schemas.microsoft.com/office/powerpoint/2012/main">
+      <p15:sldGuideLst xmlns:p15="http://schemas.microsoft.com/office/powerpoint/2012/main" xmlns="">
         <p15:guide id="1" orient="horz" pos="11808">
           <p15:clr>
             <a:srgbClr val="A4A3A4"/>
@@ -209,7 +209,7 @@
             <a:fld id="{2ED31651-4051-C246-8294-EECC65F65378}" type="datetimeFigureOut">
               <a:rPr lang="en-US" smtClean="0"/>
               <a:pPr/>
-              <a:t>7/9/2014</a:t>
+              <a:t>7/10/14</a:t>
             </a:fld>
             <a:endParaRPr lang="en-US"/>
           </a:p>
@@ -745,7 +745,7 @@
             <a:fld id="{81028B0D-4809-CB40-AD2C-19339D999798}" type="datetimeFigureOut">
               <a:rPr lang="en-US" smtClean="0"/>
               <a:pPr/>
-              <a:t>7/9/2014</a:t>
+              <a:t>7/10/14</a:t>
             </a:fld>
             <a:endParaRPr lang="en-US"/>
           </a:p>
@@ -917,7 +917,7 @@
             <a:fld id="{81028B0D-4809-CB40-AD2C-19339D999798}" type="datetimeFigureOut">
               <a:rPr lang="en-US" smtClean="0"/>
               <a:pPr/>
-              <a:t>7/9/2014</a:t>
+              <a:t>7/10/14</a:t>
             </a:fld>
             <a:endParaRPr lang="en-US"/>
           </a:p>
@@ -1099,7 +1099,7 @@
             <a:fld id="{81028B0D-4809-CB40-AD2C-19339D999798}" type="datetimeFigureOut">
               <a:rPr lang="en-US" smtClean="0"/>
               <a:pPr/>
-              <a:t>7/9/2014</a:t>
+              <a:t>7/10/14</a:t>
             </a:fld>
             <a:endParaRPr lang="en-US"/>
           </a:p>
@@ -1271,7 +1271,7 @@
             <a:fld id="{81028B0D-4809-CB40-AD2C-19339D999798}" type="datetimeFigureOut">
               <a:rPr lang="en-US" smtClean="0"/>
               <a:pPr/>
-              <a:t>7/9/2014</a:t>
+              <a:t>7/10/14</a:t>
             </a:fld>
             <a:endParaRPr lang="en-US"/>
           </a:p>
@@ -1519,7 +1519,7 @@
             <a:fld id="{81028B0D-4809-CB40-AD2C-19339D999798}" type="datetimeFigureOut">
               <a:rPr lang="en-US" smtClean="0"/>
               <a:pPr/>
-              <a:t>7/9/2014</a:t>
+              <a:t>7/10/14</a:t>
             </a:fld>
             <a:endParaRPr lang="en-US"/>
           </a:p>
@@ -1809,7 +1809,7 @@
             <a:fld id="{81028B0D-4809-CB40-AD2C-19339D999798}" type="datetimeFigureOut">
               <a:rPr lang="en-US" smtClean="0"/>
               <a:pPr/>
-              <a:t>7/9/2014</a:t>
+              <a:t>7/10/14</a:t>
             </a:fld>
             <a:endParaRPr lang="en-US"/>
           </a:p>
@@ -2233,7 +2233,7 @@
             <a:fld id="{81028B0D-4809-CB40-AD2C-19339D999798}" type="datetimeFigureOut">
               <a:rPr lang="en-US" smtClean="0"/>
               <a:pPr/>
-              <a:t>7/9/2014</a:t>
+              <a:t>7/10/14</a:t>
             </a:fld>
             <a:endParaRPr lang="en-US"/>
           </a:p>
@@ -2353,7 +2353,7 @@
             <a:fld id="{81028B0D-4809-CB40-AD2C-19339D999798}" type="datetimeFigureOut">
               <a:rPr lang="en-US" smtClean="0"/>
               <a:pPr/>
-              <a:t>7/9/2014</a:t>
+              <a:t>7/10/14</a:t>
             </a:fld>
             <a:endParaRPr lang="en-US"/>
           </a:p>
@@ -2450,7 +2450,7 @@
             <a:fld id="{81028B0D-4809-CB40-AD2C-19339D999798}" type="datetimeFigureOut">
               <a:rPr lang="en-US" smtClean="0"/>
               <a:pPr/>
-              <a:t>7/9/2014</a:t>
+              <a:t>7/10/14</a:t>
             </a:fld>
             <a:endParaRPr lang="en-US"/>
           </a:p>
@@ -2729,7 +2729,7 @@
             <a:fld id="{81028B0D-4809-CB40-AD2C-19339D999798}" type="datetimeFigureOut">
               <a:rPr lang="en-US" smtClean="0"/>
               <a:pPr/>
-              <a:t>7/9/2014</a:t>
+              <a:t>7/10/14</a:t>
             </a:fld>
             <a:endParaRPr lang="en-US"/>
           </a:p>
@@ -2984,7 +2984,7 @@
             <a:fld id="{81028B0D-4809-CB40-AD2C-19339D999798}" type="datetimeFigureOut">
               <a:rPr lang="en-US" smtClean="0"/>
               <a:pPr/>
-              <a:t>7/9/2014</a:t>
+              <a:t>7/10/14</a:t>
             </a:fld>
             <a:endParaRPr lang="en-US"/>
           </a:p>
@@ -3199,7 +3199,7 @@
             <a:fld id="{81028B0D-4809-CB40-AD2C-19339D999798}" type="datetimeFigureOut">
               <a:rPr lang="en-US" smtClean="0"/>
               <a:pPr/>
-              <a:t>7/9/2014</a:t>
+              <a:t>7/10/14</a:t>
             </a:fld>
             <a:endParaRPr lang="en-US"/>
           </a:p>
@@ -3591,8 +3591,8 @@
         </p:blipFill>
         <p:spPr>
           <a:xfrm>
-            <a:off x="1082752" y="796524"/>
-            <a:ext cx="3728614" cy="3536169"/>
+            <a:off x="1198334" y="1170895"/>
+            <a:ext cx="2506635" cy="2377260"/>
           </a:xfrm>
           <a:prstGeom prst="rect">
             <a:avLst/>
@@ -3607,10 +3607,10 @@
         </p:nvGrpSpPr>
         <p:grpSpPr>
           <a:xfrm>
-            <a:off x="0" y="901055"/>
-            <a:ext cx="36628099" cy="4163238"/>
-            <a:chOff x="4476622" y="907149"/>
-            <a:chExt cx="39224371" cy="4366323"/>
+            <a:off x="4266495" y="1170895"/>
+            <a:ext cx="28039133" cy="3575352"/>
+            <a:chOff x="9045534" y="1190152"/>
+            <a:chExt cx="30026602" cy="3749760"/>
           </a:xfrm>
         </p:grpSpPr>
         <p:sp>
@@ -3621,7 +3621,7 @@
           </p:nvSpPr>
           <p:spPr>
             <a:xfrm>
-              <a:off x="9120089" y="907149"/>
+              <a:off x="9045534" y="1190152"/>
               <a:ext cx="30026602" cy="2033577"/>
             </a:xfrm>
             <a:prstGeom prst="rect">
@@ -3641,21 +3641,21 @@
                   <a:latin typeface="Helvetica"/>
                   <a:cs typeface="Helvetica"/>
                 </a:rPr>
-                <a:t>THE </a:t>
+                <a:t>THE EFFECTS OF </a:t>
               </a:r>
               <a:r>
                 <a:rPr lang="en-US" sz="6000" dirty="0" smtClean="0">
                   <a:latin typeface="Helvetica"/>
                   <a:cs typeface="Helvetica"/>
                 </a:rPr>
-                <a:t>EFFECTS</a:t>
+                <a:t>LEAF LITTER AND NUTRIENTS ON </a:t>
               </a:r>
               <a:r>
                 <a:rPr lang="en-US" sz="6000" dirty="0" smtClean="0">
                   <a:latin typeface="Helvetica"/>
                   <a:cs typeface="Helvetica"/>
                 </a:rPr>
-                <a:t> OF ALLOCHTHONOUS DETRITUS ON SEDIMENT OXYGEN DEMAND IN A MAN-MADE POND IN CENTRAL VIRGINIA</a:t>
+                <a:t>SEDIMENT OXYGEN DEMAND IN A MAN-MADE POND IN CENTRAL VIRGINIA</a:t>
               </a:r>
               <a:endParaRPr lang="en-US" sz="6000" dirty="0">
                 <a:latin typeface="Helvetica"/>
@@ -3672,10 +3672,10 @@
           </p:nvGrpSpPr>
           <p:grpSpPr>
             <a:xfrm>
-              <a:off x="4476622" y="3223729"/>
-              <a:ext cx="39224371" cy="2049743"/>
-              <a:chOff x="4430210" y="3452329"/>
-              <a:chExt cx="39224371" cy="2049743"/>
+              <a:off x="17567026" y="3223729"/>
+              <a:ext cx="13559328" cy="1716183"/>
+              <a:chOff x="17520614" y="3452329"/>
+              <a:chExt cx="13559328" cy="1716183"/>
             </a:xfrm>
           </p:grpSpPr>
           <p:sp>
@@ -3686,8 +3686,8 @@
             </p:nvSpPr>
             <p:spPr>
               <a:xfrm>
-                <a:off x="4430210" y="3452329"/>
-                <a:ext cx="39224371" cy="968371"/>
+                <a:off x="17520614" y="3452329"/>
+                <a:ext cx="13559328" cy="968371"/>
               </a:xfrm>
               <a:prstGeom prst="rect">
                 <a:avLst/>
@@ -3711,11 +3711,15 @@
                 </a:r>
                 <a:r>
                   <a:rPr lang="en-US" sz="5400" dirty="0" smtClean="0"/>
-                  <a:t>Peters and Dr. </a:t>
+                  <a:t>Peters </a:t>
+                </a:r>
+                <a:r>
+                  <a:rPr lang="en-US" sz="5400" dirty="0" smtClean="0"/>
+                  <a:t>and Kenneth </a:t>
                 </a:r>
                 <a:r>
                   <a:rPr lang="en-US" sz="5400" dirty="0"/>
-                  <a:t>Kenneth Fortino</a:t>
+                  <a:t>Fortino</a:t>
                 </a:r>
               </a:p>
             </p:txBody>
@@ -3728,8 +3732,8 @@
             </p:nvSpPr>
             <p:spPr>
               <a:xfrm>
-                <a:off x="17308544" y="4486409"/>
-                <a:ext cx="13261383" cy="1015663"/>
+                <a:off x="17648552" y="4361537"/>
+                <a:ext cx="13261383" cy="806975"/>
               </a:xfrm>
               <a:prstGeom prst="rect">
                 <a:avLst/>
@@ -3742,19 +3746,20 @@
               </a:bodyPr>
               <a:lstStyle/>
               <a:p>
+                <a:pPr algn="ctr"/>
                 <a:r>
-                  <a:rPr lang="en-US" sz="5700" dirty="0"/>
+                  <a:rPr lang="en-US" sz="4400" dirty="0"/>
                   <a:t>Longwood University, </a:t>
                 </a:r>
                 <a:r>
-                  <a:rPr lang="en-US" sz="5700" dirty="0" smtClean="0"/>
+                  <a:rPr lang="en-US" sz="4400" dirty="0" smtClean="0"/>
                   <a:t>Farmville, </a:t>
                 </a:r>
                 <a:r>
-                  <a:rPr lang="en-US" sz="5700" dirty="0" err="1"/>
+                  <a:rPr lang="en-US" sz="4400" dirty="0" err="1"/>
                   <a:t>Va</a:t>
                 </a:r>
-                <a:endParaRPr lang="en-US" sz="5700" dirty="0"/>
+                <a:endParaRPr lang="en-US" sz="4400" dirty="0"/>
               </a:p>
             </p:txBody>
           </p:sp>
@@ -3982,8 +3987,8 @@
         </p:nvSpPr>
         <p:spPr>
           <a:xfrm>
-            <a:off x="26180645" y="30218270"/>
-            <a:ext cx="9808535" cy="2919574"/>
+            <a:off x="29652051" y="21334741"/>
+            <a:ext cx="6483315" cy="3396627"/>
           </a:xfrm>
           <a:prstGeom prst="rect">
             <a:avLst/>
@@ -3996,19 +4001,23 @@
           </a:bodyPr>
           <a:lstStyle/>
           <a:p>
-            <a:pPr algn="ctr"/>
-            <a:endParaRPr lang="en-US" sz="3800" dirty="0">
-              <a:latin typeface="Helvetica"/>
-              <a:cs typeface="Helvetica"/>
-            </a:endParaRPr>
-          </a:p>
-          <a:p>
+            <a:pPr marL="342900" indent="-342900">
+              <a:buFont typeface="Arial"/>
+              <a:buChar char="•"/>
+            </a:pPr>
+            <a:r>
+              <a:rPr lang="en-US" sz="2300" dirty="0" smtClean="0">
+                <a:latin typeface="Helvetica"/>
+                <a:cs typeface="Helvetica"/>
+              </a:rPr>
+              <a:t>What </a:t>
+            </a:r>
             <a:r>
               <a:rPr lang="en-US" sz="2300" dirty="0">
                 <a:latin typeface="Helvetica"/>
                 <a:cs typeface="Helvetica"/>
               </a:rPr>
-              <a:t>What is the contribution of leaf litter to </a:t>
+              <a:t>is the contribution of leaf litter to </a:t>
             </a:r>
             <a:r>
               <a:rPr lang="en-US" sz="2300" dirty="0" smtClean="0">
@@ -4023,6 +4032,29 @@
                 <a:cs typeface="Helvetica"/>
               </a:rPr>
               <a:t>?</a:t>
+            </a:r>
+          </a:p>
+          <a:p>
+            <a:pPr marL="342900" indent="-342900">
+              <a:buFont typeface="Arial"/>
+              <a:buChar char="•"/>
+            </a:pPr>
+            <a:endParaRPr lang="en-US" sz="2300" dirty="0">
+              <a:latin typeface="Helvetica"/>
+              <a:cs typeface="Helvetica"/>
+            </a:endParaRPr>
+          </a:p>
+          <a:p>
+            <a:pPr marL="342900" indent="-342900">
+              <a:buFont typeface="Arial"/>
+              <a:buChar char="•"/>
+            </a:pPr>
+            <a:r>
+              <a:rPr lang="en-US" sz="2300" dirty="0" err="1" smtClean="0">
+                <a:latin typeface="Helvetica"/>
+                <a:cs typeface="Helvetica"/>
+              </a:rPr>
+              <a:t>th</a:t>
             </a:r>
             <a:endParaRPr lang="en-US" sz="2300" dirty="0">
               <a:latin typeface="Helvetica"/>
@@ -4060,151 +4092,6 @@
           </a:p>
         </p:txBody>
       </p:sp>
-      <p:sp>
-        <p:nvSpPr>
-          <p:cNvPr id="63" name="TextBox 62"/>
-          <p:cNvSpPr txBox="1"/>
-          <p:nvPr/>
-        </p:nvSpPr>
-        <p:spPr>
-          <a:xfrm>
-            <a:off x="26711530" y="12716303"/>
-            <a:ext cx="9862243" cy="6001643"/>
-          </a:xfrm>
-          <a:prstGeom prst="rect">
-            <a:avLst/>
-          </a:prstGeom>
-          <a:noFill/>
-        </p:spPr>
-        <p:txBody>
-          <a:bodyPr wrap="square" rtlCol="0">
-            <a:spAutoFit/>
-          </a:bodyPr>
-          <a:lstStyle/>
-          <a:p>
-            <a:pPr marL="272434" indent="-272434" algn="just">
-              <a:buFont typeface="Arial"/>
-              <a:buChar char="•"/>
-            </a:pPr>
-            <a:r>
-              <a:rPr lang="en-US" sz="2400" dirty="0" smtClean="0">
-                <a:latin typeface="Times"/>
-                <a:cs typeface="Times"/>
-              </a:rPr>
-              <a:t>A factorial design was creating using CPOM and nutrient enrichment treatments</a:t>
-            </a:r>
-          </a:p>
-          <a:p>
-            <a:pPr marL="272434" indent="-272434" algn="just">
-              <a:buFont typeface="Arial"/>
-              <a:buChar char="•"/>
-            </a:pPr>
-            <a:r>
-              <a:rPr lang="en-US" sz="2400" dirty="0" smtClean="0">
-                <a:latin typeface="Times"/>
-                <a:cs typeface="Times"/>
-              </a:rPr>
-              <a:t>Sediment samples were collected 29 May 2014 from Lancer Park Pond using an </a:t>
-            </a:r>
-            <a:r>
-              <a:rPr lang="en-US" sz="2400" dirty="0" err="1" smtClean="0">
-                <a:latin typeface="Times"/>
-                <a:cs typeface="Times"/>
-              </a:rPr>
-              <a:t>eckman</a:t>
-            </a:r>
-            <a:r>
-              <a:rPr lang="en-US" sz="2400" dirty="0" smtClean="0">
-                <a:latin typeface="Times"/>
-                <a:cs typeface="Times"/>
-              </a:rPr>
-              <a:t>-dredge</a:t>
-            </a:r>
-          </a:p>
-          <a:p>
-            <a:pPr marL="272434" indent="-272434" algn="just">
-              <a:buFont typeface="Arial"/>
-              <a:buChar char="•"/>
-            </a:pPr>
-            <a:r>
-              <a:rPr lang="en-US" sz="2400" dirty="0" smtClean="0">
-                <a:latin typeface="Times"/>
-                <a:cs typeface="Times"/>
-              </a:rPr>
-              <a:t>Replacement water samples were collected 9 June 2014 from Lancer Park Pond by submersion at Z=0.5m </a:t>
-            </a:r>
-          </a:p>
-          <a:p>
-            <a:pPr marL="272434" indent="-272434" algn="just">
-              <a:buFont typeface="Arial"/>
-              <a:buChar char="•"/>
-            </a:pPr>
-            <a:r>
-              <a:rPr lang="en-US" sz="2400" dirty="0" smtClean="0">
-                <a:latin typeface="Times"/>
-                <a:cs typeface="Times"/>
-              </a:rPr>
-              <a:t>BOD bottles were loaded with 100ml of sediment slurry and 200ml of replacement water</a:t>
-            </a:r>
-          </a:p>
-          <a:p>
-            <a:pPr marL="272434" indent="-272434" algn="just">
-              <a:buFont typeface="Arial"/>
-              <a:buChar char="•"/>
-            </a:pPr>
-            <a:r>
-              <a:rPr lang="en-US" sz="2400" dirty="0" smtClean="0">
-                <a:latin typeface="Times"/>
-                <a:cs typeface="Times"/>
-              </a:rPr>
-              <a:t>Nutrient enrichment treatments were created by adding 300 micrograms/liter of DIN and 30 micrograms/ liter of DIP to the replacement water</a:t>
-            </a:r>
-          </a:p>
-          <a:p>
-            <a:pPr marL="272434" indent="-272434" algn="just">
-              <a:buFont typeface="Arial"/>
-              <a:buChar char="•"/>
-            </a:pPr>
-            <a:r>
-              <a:rPr lang="en-US" sz="2400" dirty="0" smtClean="0">
-                <a:latin typeface="Times"/>
-                <a:cs typeface="Times"/>
-              </a:rPr>
-              <a:t>The CPOM treatments were created by adding 20 leaf disks of 10 mm diameter to each CPOM treatment bottle</a:t>
-            </a:r>
-          </a:p>
-          <a:p>
-            <a:pPr marL="272434" indent="-272434" algn="just">
-              <a:buFont typeface="Arial"/>
-              <a:buChar char="•"/>
-            </a:pPr>
-            <a:r>
-              <a:rPr lang="en-US" sz="2400" dirty="0" smtClean="0">
-                <a:latin typeface="Times"/>
-                <a:cs typeface="Times"/>
-              </a:rPr>
-              <a:t>Sediment oxygen demand was determined using the Winkler’s Method (Carpenter 1965)</a:t>
-            </a:r>
-            <a:endParaRPr lang="en-US" sz="2400" dirty="0">
-              <a:latin typeface="Times"/>
-              <a:cs typeface="Times"/>
-            </a:endParaRPr>
-          </a:p>
-          <a:p>
-            <a:pPr marL="272434" indent="-272434" algn="just">
-              <a:buFont typeface="Arial"/>
-              <a:buChar char="•"/>
-            </a:pPr>
-            <a:r>
-              <a:rPr lang="en-US" sz="2400" dirty="0" smtClean="0">
-                <a:latin typeface="Times"/>
-                <a:cs typeface="Times"/>
-              </a:rPr>
-              <a:t>The proportion of organic matter in the sediments and CPOM was determined by loss upon ignition.</a:t>
-            </a:r>
-          </a:p>
-        </p:txBody>
-      </p:sp>
       <p:grpSp>
         <p:nvGrpSpPr>
           <p:cNvPr id="3" name="Group 2"/>
@@ -4213,10 +4100,10 @@
         </p:nvGrpSpPr>
         <p:grpSpPr>
           <a:xfrm>
-            <a:off x="101352" y="17960892"/>
-            <a:ext cx="10206635" cy="10621533"/>
-            <a:chOff x="432648" y="17734885"/>
-            <a:chExt cx="11022448" cy="16688041"/>
+            <a:off x="512325" y="18050164"/>
+            <a:ext cx="8832055" cy="10587659"/>
+            <a:chOff x="432648" y="18772863"/>
+            <a:chExt cx="11022448" cy="16031431"/>
           </a:xfrm>
         </p:grpSpPr>
         <p:sp>
@@ -4227,8 +4114,8 @@
           </p:nvSpPr>
           <p:spPr>
             <a:xfrm>
-              <a:off x="1617311" y="27314540"/>
-              <a:ext cx="9194544" cy="7108386"/>
+              <a:off x="1288791" y="27314540"/>
+              <a:ext cx="9523064" cy="7489754"/>
             </a:xfrm>
             <a:prstGeom prst="rect">
               <a:avLst/>
@@ -4290,38 +4177,6 @@
                   <a:cs typeface="Times"/>
                 </a:rPr>
                 <a:t> et al. 1999).</a:t>
-              </a:r>
-            </a:p>
-          </p:txBody>
-        </p:sp>
-        <p:sp>
-          <p:nvSpPr>
-            <p:cNvPr id="26" name="TextBox 25"/>
-            <p:cNvSpPr txBox="1"/>
-            <p:nvPr/>
-          </p:nvSpPr>
-          <p:spPr>
-            <a:xfrm>
-              <a:off x="1173597" y="17734885"/>
-              <a:ext cx="9194544" cy="707886"/>
-            </a:xfrm>
-            <a:prstGeom prst="rect">
-              <a:avLst/>
-            </a:prstGeom>
-            <a:noFill/>
-          </p:spPr>
-          <p:txBody>
-            <a:bodyPr wrap="none" rtlCol="0">
-              <a:spAutoFit/>
-            </a:bodyPr>
-            <a:lstStyle/>
-            <a:p>
-              <a:r>
-                <a:rPr lang="en-US" sz="3800" dirty="0">
-                  <a:latin typeface="Helvetica"/>
-                  <a:cs typeface="Helvetica"/>
-                </a:rPr>
-                <a:t>Leaf litter provides resources for ponds.</a:t>
               </a:r>
             </a:p>
           </p:txBody>
@@ -4379,8 +4234,8 @@
         </p:blipFill>
         <p:spPr>
           <a:xfrm>
-            <a:off x="28450765" y="1263466"/>
-            <a:ext cx="8687734" cy="3924205"/>
+            <a:off x="32410067" y="1305871"/>
+            <a:ext cx="4599973" cy="2077784"/>
           </a:xfrm>
           <a:prstGeom prst="rect">
             <a:avLst/>
@@ -4389,88 +4244,407 @@
       </p:pic>
       <p:grpSp>
         <p:nvGrpSpPr>
-          <p:cNvPr id="14" name="Group 13"/>
+          <p:cNvPr id="64" name="Group 63"/>
           <p:cNvGrpSpPr/>
           <p:nvPr/>
         </p:nvGrpSpPr>
         <p:grpSpPr>
           <a:xfrm>
-            <a:off x="26726017" y="19518596"/>
-            <a:ext cx="9808535" cy="3409446"/>
-            <a:chOff x="469453" y="16201696"/>
-            <a:chExt cx="9348238" cy="4017591"/>
+            <a:off x="9653365" y="29758122"/>
+            <a:ext cx="10033063" cy="7331744"/>
+            <a:chOff x="11014685" y="7146937"/>
+            <a:chExt cx="10890348" cy="7997463"/>
           </a:xfrm>
         </p:grpSpPr>
-        <p:pic>
-          <p:nvPicPr>
-            <p:cNvPr id="16" name="Picture 15"/>
-            <p:cNvPicPr>
-              <a:picLocks noChangeAspect="1"/>
-            </p:cNvPicPr>
+        <p:grpSp>
+          <p:nvGrpSpPr>
+            <p:cNvPr id="14" name="Group 13"/>
+            <p:cNvGrpSpPr/>
             <p:nvPr/>
-          </p:nvPicPr>
-          <p:blipFill>
-            <a:blip r:embed="rId6">
-              <a:extLst>
-                <a:ext uri="{28A0092B-C50C-407E-A947-70E740481C1C}">
-                  <a14:useLocalDpi xmlns:a14="http://schemas.microsoft.com/office/drawing/2010/main" val="0"/>
-                </a:ext>
-              </a:extLst>
-            </a:blip>
-            <a:stretch>
-              <a:fillRect/>
-            </a:stretch>
-          </p:blipFill>
-          <p:spPr>
+          </p:nvGrpSpPr>
+          <p:grpSpPr>
             <a:xfrm>
-              <a:off x="924894" y="16201696"/>
-              <a:ext cx="2931291" cy="2320583"/>
+              <a:off x="11236109" y="11734954"/>
+              <a:ext cx="9808535" cy="3409446"/>
+              <a:chOff x="469453" y="16201696"/>
+              <a:chExt cx="9348238" cy="4017591"/>
             </a:xfrm>
-            <a:prstGeom prst="rect">
-              <a:avLst/>
-            </a:prstGeom>
-          </p:spPr>
-        </p:pic>
-        <p:pic>
-          <p:nvPicPr>
-            <p:cNvPr id="17" name="Picture 16"/>
-            <p:cNvPicPr>
-              <a:picLocks noChangeAspect="1"/>
-            </p:cNvPicPr>
+          </p:grpSpPr>
+          <p:pic>
+            <p:nvPicPr>
+              <p:cNvPr id="16" name="Picture 15"/>
+              <p:cNvPicPr>
+                <a:picLocks noChangeAspect="1"/>
+              </p:cNvPicPr>
+              <p:nvPr/>
+            </p:nvPicPr>
+            <p:blipFill>
+              <a:blip r:embed="rId6">
+                <a:extLst>
+                  <a:ext uri="{28A0092B-C50C-407E-A947-70E740481C1C}">
+                    <a14:useLocalDpi xmlns:a14="http://schemas.microsoft.com/office/drawing/2010/main" val="0"/>
+                  </a:ext>
+                </a:extLst>
+              </a:blip>
+              <a:stretch>
+                <a:fillRect/>
+              </a:stretch>
+            </p:blipFill>
+            <p:spPr>
+              <a:xfrm>
+                <a:off x="924894" y="16201696"/>
+                <a:ext cx="2931291" cy="2320583"/>
+              </a:xfrm>
+              <a:prstGeom prst="rect">
+                <a:avLst/>
+              </a:prstGeom>
+            </p:spPr>
+          </p:pic>
+          <p:pic>
+            <p:nvPicPr>
+              <p:cNvPr id="17" name="Picture 16"/>
+              <p:cNvPicPr>
+                <a:picLocks noChangeAspect="1"/>
+              </p:cNvPicPr>
+              <p:nvPr/>
+            </p:nvPicPr>
+            <p:blipFill>
+              <a:blip r:embed="rId7">
+                <a:extLst>
+                  <a:ext uri="{28A0092B-C50C-407E-A947-70E740481C1C}">
+                    <a14:useLocalDpi xmlns:a14="http://schemas.microsoft.com/office/drawing/2010/main" val="0"/>
+                  </a:ext>
+                </a:extLst>
+              </a:blip>
+              <a:stretch>
+                <a:fillRect/>
+              </a:stretch>
+            </p:blipFill>
+            <p:spPr>
+              <a:xfrm>
+                <a:off x="5659040" y="16201696"/>
+                <a:ext cx="2931291" cy="2320583"/>
+              </a:xfrm>
+              <a:prstGeom prst="rect">
+                <a:avLst/>
+              </a:prstGeom>
+            </p:spPr>
+          </p:pic>
+          <p:sp>
+            <p:nvSpPr>
+              <p:cNvPr id="55" name="TextBox 54"/>
+              <p:cNvSpPr txBox="1"/>
+              <p:nvPr/>
+            </p:nvSpPr>
+            <p:spPr>
+              <a:xfrm>
+                <a:off x="469453" y="19240064"/>
+                <a:ext cx="9348238" cy="979223"/>
+              </a:xfrm>
+              <a:prstGeom prst="rect">
+                <a:avLst/>
+              </a:prstGeom>
+              <a:noFill/>
+            </p:spPr>
+            <p:txBody>
+              <a:bodyPr wrap="square" rtlCol="0">
+                <a:spAutoFit/>
+              </a:bodyPr>
+              <a:lstStyle/>
+              <a:p>
+                <a:r>
+                  <a:rPr lang="en-US" sz="2400" dirty="0" smtClean="0">
+                    <a:latin typeface="Times" panose="02020603050405020304" pitchFamily="18" charset="0"/>
+                    <a:cs typeface="Times" panose="02020603050405020304" pitchFamily="18" charset="0"/>
+                  </a:rPr>
+                  <a:t>Figure </a:t>
+                </a:r>
+                <a:r>
+                  <a:rPr lang="en-US" sz="2400" dirty="0">
+                    <a:latin typeface="Times" panose="02020603050405020304" pitchFamily="18" charset="0"/>
+                    <a:cs typeface="Times" panose="02020603050405020304" pitchFamily="18" charset="0"/>
+                  </a:rPr>
+                  <a:t>2</a:t>
+                </a:r>
+                <a:r>
+                  <a:rPr lang="en-US" sz="2400" dirty="0" smtClean="0">
+                    <a:latin typeface="Times" panose="02020603050405020304" pitchFamily="18" charset="0"/>
+                    <a:cs typeface="Times" panose="02020603050405020304" pitchFamily="18" charset="0"/>
+                  </a:rPr>
+                  <a:t>: </a:t>
+                </a:r>
+                <a:r>
+                  <a:rPr lang="en-US" sz="2400" dirty="0" smtClean="0">
+                    <a:latin typeface="Times" panose="02020603050405020304" pitchFamily="18" charset="0"/>
+                    <a:cs typeface="Times" panose="02020603050405020304" pitchFamily="18" charset="0"/>
+                  </a:rPr>
+                  <a:t>A. An example of a BOD bottle with CPOM present. B. An example of a BOD bottle without CPOM.</a:t>
+                </a:r>
+                <a:endParaRPr lang="en-US" sz="2400" dirty="0">
+                  <a:latin typeface="Times" panose="02020603050405020304" pitchFamily="18" charset="0"/>
+                  <a:cs typeface="Times" panose="02020603050405020304" pitchFamily="18" charset="0"/>
+                </a:endParaRPr>
+              </a:p>
+            </p:txBody>
+          </p:sp>
+          <p:sp>
+            <p:nvSpPr>
+              <p:cNvPr id="56" name="TextBox 55"/>
+              <p:cNvSpPr txBox="1"/>
+              <p:nvPr/>
+            </p:nvSpPr>
+            <p:spPr>
+              <a:xfrm>
+                <a:off x="3233694" y="17938215"/>
+                <a:ext cx="462529" cy="471478"/>
+              </a:xfrm>
+              <a:prstGeom prst="rect">
+                <a:avLst/>
+              </a:prstGeom>
+              <a:noFill/>
+            </p:spPr>
+            <p:txBody>
+              <a:bodyPr wrap="square" rtlCol="0">
+                <a:spAutoFit/>
+              </a:bodyPr>
+              <a:lstStyle/>
+              <a:p>
+                <a:r>
+                  <a:rPr lang="en-US" sz="2000" dirty="0" smtClean="0"/>
+                  <a:t>A</a:t>
+                </a:r>
+                <a:endParaRPr lang="en-US" sz="2000" dirty="0"/>
+              </a:p>
+            </p:txBody>
+          </p:sp>
+          <p:sp>
+            <p:nvSpPr>
+              <p:cNvPr id="73" name="TextBox 72"/>
+              <p:cNvSpPr txBox="1"/>
+              <p:nvPr/>
+            </p:nvSpPr>
+            <p:spPr>
+              <a:xfrm>
+                <a:off x="8084515" y="17994297"/>
+                <a:ext cx="346469" cy="471478"/>
+              </a:xfrm>
+              <a:prstGeom prst="rect">
+                <a:avLst/>
+              </a:prstGeom>
+              <a:noFill/>
+            </p:spPr>
+            <p:txBody>
+              <a:bodyPr wrap="square" rtlCol="0">
+                <a:spAutoFit/>
+              </a:bodyPr>
+              <a:lstStyle/>
+              <a:p>
+                <a:r>
+                  <a:rPr lang="en-US" sz="2000" dirty="0" smtClean="0"/>
+                  <a:t>B</a:t>
+                </a:r>
+                <a:endParaRPr lang="en-US" sz="2000" dirty="0"/>
+              </a:p>
+            </p:txBody>
+          </p:sp>
+        </p:grpSp>
+        <p:grpSp>
+          <p:nvGrpSpPr>
+            <p:cNvPr id="49" name="Group 48"/>
+            <p:cNvGrpSpPr/>
             <p:nvPr/>
-          </p:nvPicPr>
-          <p:blipFill>
-            <a:blip r:embed="rId7">
-              <a:extLst>
-                <a:ext uri="{28A0092B-C50C-407E-A947-70E740481C1C}">
-                  <a14:useLocalDpi xmlns:a14="http://schemas.microsoft.com/office/drawing/2010/main" val="0"/>
-                </a:ext>
-              </a:extLst>
-            </a:blip>
-            <a:stretch>
-              <a:fillRect/>
-            </a:stretch>
-          </p:blipFill>
-          <p:spPr>
+          </p:nvGrpSpPr>
+          <p:grpSpPr>
             <a:xfrm>
-              <a:off x="5659040" y="16201696"/>
-              <a:ext cx="2931291" cy="2320583"/>
+              <a:off x="11014685" y="7146937"/>
+              <a:ext cx="10890348" cy="3932923"/>
+              <a:chOff x="26248152" y="18090567"/>
+              <a:chExt cx="10890348" cy="3932923"/>
             </a:xfrm>
-            <a:prstGeom prst="rect">
-              <a:avLst/>
-            </a:prstGeom>
-          </p:spPr>
-        </p:pic>
+          </p:grpSpPr>
+          <p:pic>
+            <p:nvPicPr>
+              <p:cNvPr id="1029" name="Picture 5"/>
+              <p:cNvPicPr>
+                <a:picLocks noChangeAspect="1" noChangeArrowheads="1"/>
+              </p:cNvPicPr>
+              <p:nvPr/>
+            </p:nvPicPr>
+            <p:blipFill>
+              <a:blip r:embed="rId8"/>
+              <a:srcRect/>
+              <a:stretch>
+                <a:fillRect/>
+              </a:stretch>
+            </p:blipFill>
+            <p:spPr bwMode="auto">
+              <a:xfrm>
+                <a:off x="31464920" y="18090568"/>
+                <a:ext cx="4097090" cy="2436406"/>
+              </a:xfrm>
+              <a:prstGeom prst="rect">
+                <a:avLst/>
+              </a:prstGeom>
+              <a:noFill/>
+              <a:ln w="9525">
+                <a:noFill/>
+                <a:miter lim="800000"/>
+                <a:headEnd/>
+                <a:tailEnd/>
+              </a:ln>
+            </p:spPr>
+          </p:pic>
+          <p:pic>
+            <p:nvPicPr>
+              <p:cNvPr id="20" name="Picture 19"/>
+              <p:cNvPicPr>
+                <a:picLocks noChangeAspect="1"/>
+              </p:cNvPicPr>
+              <p:nvPr/>
+            </p:nvPicPr>
+            <p:blipFill>
+              <a:blip r:embed="rId9">
+                <a:extLst>
+                  <a:ext uri="{28A0092B-C50C-407E-A947-70E740481C1C}">
+                    <a14:useLocalDpi xmlns:a14="http://schemas.microsoft.com/office/drawing/2010/main" val="0"/>
+                  </a:ext>
+                </a:extLst>
+              </a:blip>
+              <a:stretch>
+                <a:fillRect/>
+              </a:stretch>
+            </p:blipFill>
+            <p:spPr>
+              <a:xfrm>
+                <a:off x="26742825" y="18090567"/>
+                <a:ext cx="3513001" cy="2364321"/>
+              </a:xfrm>
+              <a:prstGeom prst="rect">
+                <a:avLst/>
+              </a:prstGeom>
+            </p:spPr>
+          </p:pic>
+          <p:sp>
+            <p:nvSpPr>
+              <p:cNvPr id="47" name="TextBox 46"/>
+              <p:cNvSpPr txBox="1"/>
+              <p:nvPr/>
+            </p:nvSpPr>
+            <p:spPr>
+              <a:xfrm>
+                <a:off x="26248152" y="21192493"/>
+                <a:ext cx="10890348" cy="830997"/>
+              </a:xfrm>
+              <a:prstGeom prst="rect">
+                <a:avLst/>
+              </a:prstGeom>
+              <a:noFill/>
+            </p:spPr>
+            <p:txBody>
+              <a:bodyPr wrap="square" rtlCol="0">
+                <a:spAutoFit/>
+              </a:bodyPr>
+              <a:lstStyle/>
+              <a:p>
+                <a:r>
+                  <a:rPr lang="en-US" sz="2400" dirty="0" smtClean="0">
+                    <a:latin typeface="Times" panose="02020603050405020304" pitchFamily="18" charset="0"/>
+                    <a:cs typeface="Times" panose="02020603050405020304" pitchFamily="18" charset="0"/>
+                  </a:rPr>
+                  <a:t>Figure </a:t>
+                </a:r>
+                <a:r>
+                  <a:rPr lang="en-US" sz="2400" dirty="0">
+                    <a:latin typeface="Times" panose="02020603050405020304" pitchFamily="18" charset="0"/>
+                    <a:cs typeface="Times" panose="02020603050405020304" pitchFamily="18" charset="0"/>
+                  </a:rPr>
+                  <a:t>1</a:t>
+                </a:r>
+                <a:r>
+                  <a:rPr lang="en-US" sz="2400" dirty="0" smtClean="0">
+                    <a:latin typeface="Times" panose="02020603050405020304" pitchFamily="18" charset="0"/>
+                    <a:cs typeface="Times" panose="02020603050405020304" pitchFamily="18" charset="0"/>
+                  </a:rPr>
+                  <a:t>: </a:t>
+                </a:r>
+                <a:r>
+                  <a:rPr lang="en-US" sz="2400" dirty="0" smtClean="0">
+                    <a:latin typeface="Times" panose="02020603050405020304" pitchFamily="18" charset="0"/>
+                    <a:cs typeface="Times" panose="02020603050405020304" pitchFamily="18" charset="0"/>
+                  </a:rPr>
+                  <a:t>Landscape and aerial views of Lancer Park Pond (LPP). LPP is a </a:t>
+                </a:r>
+                <a:r>
+                  <a:rPr lang="en-US" sz="2400" dirty="0" err="1" smtClean="0">
+                    <a:latin typeface="Times" panose="02020603050405020304" pitchFamily="18" charset="0"/>
+                    <a:cs typeface="Times" panose="02020603050405020304" pitchFamily="18" charset="0"/>
+                  </a:rPr>
+                  <a:t>stormwater</a:t>
+                </a:r>
+                <a:r>
+                  <a:rPr lang="en-US" sz="2400" dirty="0" smtClean="0">
+                    <a:latin typeface="Times" panose="02020603050405020304" pitchFamily="18" charset="0"/>
+                    <a:cs typeface="Times" panose="02020603050405020304" pitchFamily="18" charset="0"/>
+                  </a:rPr>
+                  <a:t> pond with a surface area of 0.06 ha and a maximum depth of 1.5m. </a:t>
+                </a:r>
+                <a:endParaRPr lang="en-US" sz="2400" dirty="0">
+                  <a:latin typeface="Times" panose="02020603050405020304" pitchFamily="18" charset="0"/>
+                  <a:cs typeface="Times" panose="02020603050405020304" pitchFamily="18" charset="0"/>
+                </a:endParaRPr>
+              </a:p>
+            </p:txBody>
+          </p:sp>
+        </p:grpSp>
+      </p:grpSp>
+      <p:pic>
+        <p:nvPicPr>
+          <p:cNvPr id="43" name="Picture 42"/>
+          <p:cNvPicPr>
+            <a:picLocks noChangeAspect="1"/>
+          </p:cNvPicPr>
+          <p:nvPr/>
+        </p:nvPicPr>
+        <p:blipFill>
+          <a:blip r:embed="rId10"/>
+          <a:stretch>
+            <a:fillRect/>
+          </a:stretch>
+        </p:blipFill>
+        <p:spPr>
+          <a:xfrm>
+            <a:off x="28729713" y="7648493"/>
+            <a:ext cx="8760687" cy="8760687"/>
+          </a:xfrm>
+          <a:prstGeom prst="rect">
+            <a:avLst/>
+          </a:prstGeom>
+        </p:spPr>
+      </p:pic>
+      <p:grpSp>
+        <p:nvGrpSpPr>
+          <p:cNvPr id="51" name="Group 50"/>
+          <p:cNvGrpSpPr/>
+          <p:nvPr/>
+        </p:nvGrpSpPr>
+        <p:grpSpPr>
+          <a:xfrm>
+            <a:off x="11079918" y="8851355"/>
+            <a:ext cx="8153848" cy="9996881"/>
+            <a:chOff x="10005674" y="5511185"/>
+            <a:chExt cx="8153848" cy="9996881"/>
+          </a:xfrm>
+        </p:grpSpPr>
         <p:sp>
           <p:nvSpPr>
-            <p:cNvPr id="55" name="TextBox 54"/>
+            <p:cNvPr id="27" name="TextBox 26"/>
             <p:cNvSpPr txBox="1"/>
             <p:nvPr/>
           </p:nvSpPr>
           <p:spPr>
             <a:xfrm>
-              <a:off x="469453" y="19240064"/>
-              <a:ext cx="9348238" cy="979223"/>
+              <a:off x="10187584" y="13199742"/>
+              <a:ext cx="7971938" cy="2308324"/>
             </a:xfrm>
             <a:prstGeom prst="rect">
               <a:avLst/>
@@ -4488,21 +4662,126 @@
                   <a:latin typeface="Times" panose="02020603050405020304" pitchFamily="18" charset="0"/>
                   <a:cs typeface="Times" panose="02020603050405020304" pitchFamily="18" charset="0"/>
                 </a:rPr>
-                <a:t>Figure </a:t>
+                <a:t>A </a:t>
               </a:r>
               <a:r>
                 <a:rPr lang="en-US" sz="2400" dirty="0" smtClean="0">
                   <a:latin typeface="Times" panose="02020603050405020304" pitchFamily="18" charset="0"/>
                   <a:cs typeface="Times" panose="02020603050405020304" pitchFamily="18" charset="0"/>
                 </a:rPr>
-                <a:t>6: </a:t>
+                <a:t>comparison of the </a:t>
               </a:r>
               <a:r>
                 <a:rPr lang="en-US" sz="2400" dirty="0" smtClean="0">
                   <a:latin typeface="Times" panose="02020603050405020304" pitchFamily="18" charset="0"/>
                   <a:cs typeface="Times" panose="02020603050405020304" pitchFamily="18" charset="0"/>
                 </a:rPr>
-                <a:t>A. An example of a BOD bottle with CPOM present. B. An example of a BOD bottle without CPOM.</a:t>
+                <a:t>average sediment </a:t>
+              </a:r>
+              <a:r>
+                <a:rPr lang="en-US" sz="2400" dirty="0" smtClean="0">
+                  <a:latin typeface="Times" panose="02020603050405020304" pitchFamily="18" charset="0"/>
+                  <a:cs typeface="Times" panose="02020603050405020304" pitchFamily="18" charset="0"/>
+                </a:rPr>
+                <a:t>oxygen demand </a:t>
+              </a:r>
+              <a:r>
+                <a:rPr lang="en-US" sz="2400" dirty="0" smtClean="0">
+                  <a:latin typeface="Times" panose="02020603050405020304" pitchFamily="18" charset="0"/>
+                  <a:cs typeface="Times" panose="02020603050405020304" pitchFamily="18" charset="0"/>
+                </a:rPr>
+                <a:t>(SOD) in </a:t>
+              </a:r>
+              <a:r>
+                <a:rPr lang="en-US" sz="2400" dirty="0" smtClean="0">
+                  <a:latin typeface="Times" panose="02020603050405020304" pitchFamily="18" charset="0"/>
+                  <a:cs typeface="Times" panose="02020603050405020304" pitchFamily="18" charset="0"/>
+                </a:rPr>
+                <a:t>BOD bottles with </a:t>
+              </a:r>
+              <a:r>
+                <a:rPr lang="en-US" sz="2400" dirty="0" smtClean="0">
+                  <a:latin typeface="Times" panose="02020603050405020304" pitchFamily="18" charset="0"/>
+                  <a:cs typeface="Times" panose="02020603050405020304" pitchFamily="18" charset="0"/>
+                </a:rPr>
+                <a:t> and without leaf litter. Leaf litter </a:t>
+              </a:r>
+              <a:r>
+                <a:rPr lang="en-US" sz="2400" dirty="0" smtClean="0">
+                  <a:latin typeface="Times" panose="02020603050405020304" pitchFamily="18" charset="0"/>
+                  <a:cs typeface="Times" panose="02020603050405020304" pitchFamily="18" charset="0"/>
+                </a:rPr>
+                <a:t>significantly </a:t>
+              </a:r>
+              <a:r>
+                <a:rPr lang="en-US" sz="2400" dirty="0" smtClean="0">
+                  <a:latin typeface="Times" panose="02020603050405020304" pitchFamily="18" charset="0"/>
+                  <a:cs typeface="Times" panose="02020603050405020304" pitchFamily="18" charset="0"/>
+                </a:rPr>
+                <a:t>increases </a:t>
+              </a:r>
+              <a:r>
+                <a:rPr lang="en-US" sz="2400" dirty="0" smtClean="0">
+                  <a:latin typeface="Times" panose="02020603050405020304" pitchFamily="18" charset="0"/>
+                  <a:cs typeface="Times" panose="02020603050405020304" pitchFamily="18" charset="0"/>
+                </a:rPr>
+                <a:t>sediment oxygen demand </a:t>
+              </a:r>
+              <a:r>
+                <a:rPr lang="en-US" sz="2400" dirty="0" smtClean="0">
+                  <a:latin typeface="Times" panose="02020603050405020304" pitchFamily="18" charset="0"/>
+                  <a:cs typeface="Times" panose="02020603050405020304" pitchFamily="18" charset="0"/>
+                </a:rPr>
+                <a:t>in </a:t>
+              </a:r>
+              <a:r>
+                <a:rPr lang="en-US" sz="2400" dirty="0" smtClean="0">
+                  <a:latin typeface="Times" panose="02020603050405020304" pitchFamily="18" charset="0"/>
+                  <a:cs typeface="Times" panose="02020603050405020304" pitchFamily="18" charset="0"/>
+                </a:rPr>
+                <a:t>a </a:t>
+              </a:r>
+              <a:r>
+                <a:rPr lang="en-US" sz="2400" dirty="0" smtClean="0">
+                  <a:latin typeface="Times" panose="02020603050405020304" pitchFamily="18" charset="0"/>
+                  <a:cs typeface="Times" panose="02020603050405020304" pitchFamily="18" charset="0"/>
+                </a:rPr>
+                <a:t>the pond sediments. Note that, </a:t>
+              </a:r>
+              <a:r>
+                <a:rPr lang="en-US" sz="2400" dirty="0" smtClean="0">
+                  <a:latin typeface="Times" panose="02020603050405020304" pitchFamily="18" charset="0"/>
+                  <a:cs typeface="Times" panose="02020603050405020304" pitchFamily="18" charset="0"/>
+                </a:rPr>
+                <a:t>since these results were </a:t>
+              </a:r>
+              <a:r>
+                <a:rPr lang="en-US" sz="2400" dirty="0" smtClean="0">
+                  <a:latin typeface="Times" panose="02020603050405020304" pitchFamily="18" charset="0"/>
+                  <a:cs typeface="Times" panose="02020603050405020304" pitchFamily="18" charset="0"/>
+                </a:rPr>
+                <a:t>normalized by </a:t>
+              </a:r>
+              <a:r>
+                <a:rPr lang="en-US" sz="2400" dirty="0" smtClean="0">
+                  <a:latin typeface="Times" panose="02020603050405020304" pitchFamily="18" charset="0"/>
+                  <a:cs typeface="Times" panose="02020603050405020304" pitchFamily="18" charset="0"/>
+                </a:rPr>
+                <a:t>their organic matter content, </a:t>
+              </a:r>
+              <a:r>
+                <a:rPr lang="en-US" sz="2400" dirty="0" smtClean="0">
+                  <a:latin typeface="Times" panose="02020603050405020304" pitchFamily="18" charset="0"/>
+                  <a:cs typeface="Times" panose="02020603050405020304" pitchFamily="18" charset="0"/>
+                </a:rPr>
+                <a:t>the effect </a:t>
+              </a:r>
+              <a:r>
+                <a:rPr lang="en-US" sz="2400" dirty="0" smtClean="0">
+                  <a:latin typeface="Times" panose="02020603050405020304" pitchFamily="18" charset="0"/>
+                  <a:cs typeface="Times" panose="02020603050405020304" pitchFamily="18" charset="0"/>
+                </a:rPr>
+                <a:t>is not due to the increase in organic matter with the leaf additions.</a:t>
               </a:r>
               <a:endParaRPr lang="en-US" sz="2400" dirty="0">
                 <a:latin typeface="Times" panose="02020603050405020304" pitchFamily="18" charset="0"/>
@@ -4511,16 +4790,55 @@
             </a:p>
           </p:txBody>
         </p:sp>
+        <p:pic>
+          <p:nvPicPr>
+            <p:cNvPr id="44" name="Picture 43"/>
+            <p:cNvPicPr>
+              <a:picLocks noChangeAspect="1"/>
+            </p:cNvPicPr>
+            <p:nvPr/>
+          </p:nvPicPr>
+          <p:blipFill>
+            <a:blip r:embed="rId11"/>
+            <a:stretch>
+              <a:fillRect/>
+            </a:stretch>
+          </p:blipFill>
+          <p:spPr>
+            <a:xfrm>
+              <a:off x="10005674" y="5511185"/>
+              <a:ext cx="7688557" cy="7688557"/>
+            </a:xfrm>
+            <a:prstGeom prst="rect">
+              <a:avLst/>
+            </a:prstGeom>
+          </p:spPr>
+        </p:pic>
+      </p:grpSp>
+      <p:grpSp>
+        <p:nvGrpSpPr>
+          <p:cNvPr id="52" name="Group 51"/>
+          <p:cNvGrpSpPr/>
+          <p:nvPr/>
+        </p:nvGrpSpPr>
+        <p:grpSpPr>
+          <a:xfrm>
+            <a:off x="20430463" y="8669915"/>
+            <a:ext cx="8043116" cy="10159285"/>
+            <a:chOff x="9962629" y="17775644"/>
+            <a:chExt cx="8043116" cy="10159285"/>
+          </a:xfrm>
+        </p:grpSpPr>
         <p:sp>
           <p:nvSpPr>
-            <p:cNvPr id="56" name="TextBox 55"/>
+            <p:cNvPr id="32" name="TextBox 31"/>
             <p:cNvSpPr txBox="1"/>
             <p:nvPr/>
           </p:nvSpPr>
           <p:spPr>
             <a:xfrm>
-              <a:off x="3233695" y="18173954"/>
-              <a:ext cx="622491" cy="471478"/>
+              <a:off x="10022308" y="25626605"/>
+              <a:ext cx="7983437" cy="2308324"/>
             </a:xfrm>
             <a:prstGeom prst="rect">
               <a:avLst/>
@@ -4534,23 +4852,110 @@
             <a:lstStyle/>
             <a:p>
               <a:r>
-                <a:rPr lang="en-US" sz="2000" dirty="0" smtClean="0"/>
-                <a:t>6A</a:t>
-              </a:r>
-              <a:endParaRPr lang="en-US" sz="2000" dirty="0"/>
+                <a:rPr lang="en-US" sz="2400" dirty="0" smtClean="0">
+                  <a:latin typeface="Times" panose="02020603050405020304" pitchFamily="18" charset="0"/>
+                  <a:cs typeface="Times" panose="02020603050405020304" pitchFamily="18" charset="0"/>
+                </a:rPr>
+                <a:t>A </a:t>
+              </a:r>
+              <a:r>
+                <a:rPr lang="en-US" sz="2400" dirty="0">
+                  <a:latin typeface="Times" panose="02020603050405020304" pitchFamily="18" charset="0"/>
+                  <a:cs typeface="Times" panose="02020603050405020304" pitchFamily="18" charset="0"/>
+                </a:rPr>
+                <a:t>comparison of the </a:t>
+              </a:r>
+              <a:r>
+                <a:rPr lang="en-US" sz="2400" dirty="0" smtClean="0">
+                  <a:latin typeface="Times" panose="02020603050405020304" pitchFamily="18" charset="0"/>
+                  <a:cs typeface="Times" panose="02020603050405020304" pitchFamily="18" charset="0"/>
+                </a:rPr>
+                <a:t>average sediment </a:t>
+              </a:r>
+              <a:r>
+                <a:rPr lang="en-US" sz="2400" dirty="0">
+                  <a:latin typeface="Times" panose="02020603050405020304" pitchFamily="18" charset="0"/>
+                  <a:cs typeface="Times" panose="02020603050405020304" pitchFamily="18" charset="0"/>
+                </a:rPr>
+                <a:t>oxygen demand (SOD) in BOD bottles with  and without </a:t>
+              </a:r>
+              <a:r>
+                <a:rPr lang="en-US" sz="2400" dirty="0" smtClean="0">
+                  <a:latin typeface="Times" panose="02020603050405020304" pitchFamily="18" charset="0"/>
+                  <a:cs typeface="Times" panose="02020603050405020304" pitchFamily="18" charset="0"/>
+                </a:rPr>
+                <a:t>nutrient enrichment. Added nutrients significantly </a:t>
+              </a:r>
+              <a:r>
+                <a:rPr lang="en-US" sz="2400" dirty="0">
+                  <a:latin typeface="Times" panose="02020603050405020304" pitchFamily="18" charset="0"/>
+                  <a:cs typeface="Times" panose="02020603050405020304" pitchFamily="18" charset="0"/>
+                </a:rPr>
+                <a:t>increases sediment oxygen demand in a the pond sediments. </a:t>
+              </a:r>
+              <a:r>
+                <a:rPr lang="en-US" sz="2400" dirty="0" smtClean="0">
+                  <a:latin typeface="Times" panose="02020603050405020304" pitchFamily="18" charset="0"/>
+                  <a:cs typeface="Times" panose="02020603050405020304" pitchFamily="18" charset="0"/>
+                </a:rPr>
+                <a:t>There was no significant interaction between leaf litter and nutrients, so the effect of nutrients was independent of the presence of leaf litter.</a:t>
+              </a:r>
+              <a:endParaRPr lang="en-US" sz="2400" dirty="0">
+                <a:latin typeface="Times" panose="02020603050405020304" pitchFamily="18" charset="0"/>
+                <a:cs typeface="Times" panose="02020603050405020304" pitchFamily="18" charset="0"/>
+              </a:endParaRPr>
             </a:p>
           </p:txBody>
         </p:sp>
+        <p:pic>
+          <p:nvPicPr>
+            <p:cNvPr id="45" name="Picture 44"/>
+            <p:cNvPicPr>
+              <a:picLocks noChangeAspect="1"/>
+            </p:cNvPicPr>
+            <p:nvPr/>
+          </p:nvPicPr>
+          <p:blipFill>
+            <a:blip r:embed="rId12"/>
+            <a:stretch>
+              <a:fillRect/>
+            </a:stretch>
+          </p:blipFill>
+          <p:spPr>
+            <a:xfrm>
+              <a:off x="9962629" y="17775644"/>
+              <a:ext cx="7731602" cy="7731602"/>
+            </a:xfrm>
+            <a:prstGeom prst="rect">
+              <a:avLst/>
+            </a:prstGeom>
+          </p:spPr>
+        </p:pic>
+      </p:grpSp>
+      <p:grpSp>
+        <p:nvGrpSpPr>
+          <p:cNvPr id="53" name="Group 52"/>
+          <p:cNvGrpSpPr/>
+          <p:nvPr/>
+        </p:nvGrpSpPr>
+        <p:grpSpPr>
+          <a:xfrm>
+            <a:off x="11079917" y="18050164"/>
+            <a:ext cx="8153848" cy="10587659"/>
+            <a:chOff x="18177764" y="4551075"/>
+            <a:chExt cx="8692609" cy="10587659"/>
+          </a:xfrm>
+        </p:grpSpPr>
         <p:sp>
           <p:nvSpPr>
-            <p:cNvPr id="73" name="TextBox 72"/>
+            <p:cNvPr id="31" name="TextBox 30"/>
             <p:cNvSpPr txBox="1"/>
             <p:nvPr/>
           </p:nvSpPr>
           <p:spPr>
             <a:xfrm>
-              <a:off x="8078813" y="18173954"/>
-              <a:ext cx="511518" cy="471478"/>
+              <a:off x="18371694" y="13199742"/>
+              <a:ext cx="8498679" cy="1938992"/>
             </a:xfrm>
             <a:prstGeom prst="rect">
               <a:avLst/>
@@ -4564,28 +4969,256 @@
             <a:lstStyle/>
             <a:p>
               <a:r>
-                <a:rPr lang="en-US" sz="2000" dirty="0" smtClean="0"/>
-                <a:t>6B</a:t>
-              </a:r>
-              <a:endParaRPr lang="en-US" sz="2000" dirty="0"/>
+                <a:rPr lang="en-US" sz="2400" dirty="0" smtClean="0">
+                  <a:latin typeface="Times" panose="02020603050405020304" pitchFamily="18" charset="0"/>
+                  <a:cs typeface="Times" panose="02020603050405020304" pitchFamily="18" charset="0"/>
+                </a:rPr>
+                <a:t>A </a:t>
+              </a:r>
+              <a:r>
+                <a:rPr lang="en-US" sz="2400" dirty="0" smtClean="0">
+                  <a:latin typeface="Times" panose="02020603050405020304" pitchFamily="18" charset="0"/>
+                  <a:cs typeface="Times" panose="02020603050405020304" pitchFamily="18" charset="0"/>
+                </a:rPr>
+                <a:t>comparison of the </a:t>
+              </a:r>
+              <a:r>
+                <a:rPr lang="en-US" sz="2400" dirty="0" smtClean="0">
+                  <a:latin typeface="Times" panose="02020603050405020304" pitchFamily="18" charset="0"/>
+                  <a:cs typeface="Times" panose="02020603050405020304" pitchFamily="18" charset="0"/>
+                </a:rPr>
+                <a:t>effect of leaf litter on sediment </a:t>
+              </a:r>
+              <a:r>
+                <a:rPr lang="en-US" sz="2400" dirty="0" smtClean="0">
+                  <a:latin typeface="Times" panose="02020603050405020304" pitchFamily="18" charset="0"/>
+                  <a:cs typeface="Times" panose="02020603050405020304" pitchFamily="18" charset="0"/>
+                </a:rPr>
+                <a:t>oxygen demand </a:t>
+              </a:r>
+              <a:r>
+                <a:rPr lang="en-US" sz="2400" dirty="0" smtClean="0">
+                  <a:latin typeface="Times" panose="02020603050405020304" pitchFamily="18" charset="0"/>
+                  <a:cs typeface="Times" panose="02020603050405020304" pitchFamily="18" charset="0"/>
+                </a:rPr>
+                <a:t>(SOD) in </a:t>
+              </a:r>
+              <a:r>
+                <a:rPr lang="en-US" sz="2400" dirty="0" smtClean="0">
+                  <a:latin typeface="Times" panose="02020603050405020304" pitchFamily="18" charset="0"/>
+                  <a:cs typeface="Times" panose="02020603050405020304" pitchFamily="18" charset="0"/>
+                </a:rPr>
+                <a:t>bottles </a:t>
+              </a:r>
+              <a:r>
+                <a:rPr lang="en-US" sz="2400" dirty="0" smtClean="0">
+                  <a:latin typeface="Times" panose="02020603050405020304" pitchFamily="18" charset="0"/>
+                  <a:cs typeface="Times" panose="02020603050405020304" pitchFamily="18" charset="0"/>
+                </a:rPr>
+                <a:t>over time.  The SOD and the effect of leaf litter on SOD was greatest after 2 and 7 days of incubation and declined during the experiment. There was no significant effect of leaf litter </a:t>
+              </a:r>
+              <a:r>
+                <a:rPr lang="en-US" sz="2400" dirty="0" smtClean="0">
+                  <a:latin typeface="Times" panose="02020603050405020304" pitchFamily="18" charset="0"/>
+                  <a:cs typeface="Times" panose="02020603050405020304" pitchFamily="18" charset="0"/>
+                </a:rPr>
+                <a:t>on SOD</a:t>
+              </a:r>
+              <a:r>
+                <a:rPr lang="en-US" sz="2400" dirty="0" smtClean="0">
+                  <a:latin typeface="Times" panose="02020603050405020304" pitchFamily="18" charset="0"/>
+                  <a:cs typeface="Times" panose="02020603050405020304" pitchFamily="18" charset="0"/>
+                </a:rPr>
+                <a:t> after </a:t>
+              </a:r>
+              <a:r>
+                <a:rPr lang="en-US" sz="2400" dirty="0" smtClean="0">
+                  <a:latin typeface="Times" panose="02020603050405020304" pitchFamily="18" charset="0"/>
+                  <a:cs typeface="Times" panose="02020603050405020304" pitchFamily="18" charset="0"/>
+                </a:rPr>
+                <a:t>21 days. </a:t>
+              </a:r>
+              <a:endParaRPr lang="en-US" sz="2400" dirty="0">
+                <a:latin typeface="Times" panose="02020603050405020304" pitchFamily="18" charset="0"/>
+                <a:cs typeface="Times" panose="02020603050405020304" pitchFamily="18" charset="0"/>
+              </a:endParaRPr>
             </a:p>
           </p:txBody>
         </p:sp>
+        <p:pic>
+          <p:nvPicPr>
+            <p:cNvPr id="48" name="Picture 47"/>
+            <p:cNvPicPr>
+              <a:picLocks noChangeAspect="1"/>
+            </p:cNvPicPr>
+            <p:nvPr/>
+          </p:nvPicPr>
+          <p:blipFill>
+            <a:blip r:embed="rId13"/>
+            <a:stretch>
+              <a:fillRect/>
+            </a:stretch>
+          </p:blipFill>
+          <p:spPr>
+            <a:xfrm>
+              <a:off x="18177764" y="4551075"/>
+              <a:ext cx="8692608" cy="8692608"/>
+            </a:xfrm>
+            <a:prstGeom prst="rect">
+              <a:avLst/>
+            </a:prstGeom>
+          </p:spPr>
+        </p:pic>
       </p:grpSp>
-      <p:sp>
-        <p:nvSpPr>
-          <p:cNvPr id="2" name="Rectangle 1"/>
+      <p:grpSp>
+        <p:nvGrpSpPr>
+          <p:cNvPr id="54" name="Group 53"/>
+          <p:cNvGrpSpPr/>
+          <p:nvPr/>
+        </p:nvGrpSpPr>
+        <p:grpSpPr>
+          <a:xfrm>
+            <a:off x="20205673" y="17844776"/>
+            <a:ext cx="8970115" cy="10793047"/>
+            <a:chOff x="17694231" y="16707254"/>
+            <a:chExt cx="8970115" cy="10793047"/>
+          </a:xfrm>
+        </p:grpSpPr>
+        <p:sp>
+          <p:nvSpPr>
+            <p:cNvPr id="35" name="TextBox 34"/>
+            <p:cNvSpPr txBox="1"/>
+            <p:nvPr/>
+          </p:nvSpPr>
+          <p:spPr>
+            <a:xfrm>
+              <a:off x="18745199" y="25561309"/>
+              <a:ext cx="7816319" cy="1938992"/>
+            </a:xfrm>
+            <a:prstGeom prst="rect">
+              <a:avLst/>
+            </a:prstGeom>
+            <a:noFill/>
+          </p:spPr>
+          <p:txBody>
+            <a:bodyPr wrap="square" rtlCol="0">
+              <a:spAutoFit/>
+            </a:bodyPr>
+            <a:lstStyle/>
+            <a:p>
+              <a:r>
+                <a:rPr lang="en-US" sz="2400" dirty="0">
+                  <a:latin typeface="Times" panose="02020603050405020304" pitchFamily="18" charset="0"/>
+                  <a:cs typeface="Times" panose="02020603050405020304" pitchFamily="18" charset="0"/>
+                </a:rPr>
+                <a:t>A comparison of the effect of </a:t>
+              </a:r>
+              <a:r>
+                <a:rPr lang="en-US" sz="2400" dirty="0" smtClean="0">
+                  <a:latin typeface="Times" panose="02020603050405020304" pitchFamily="18" charset="0"/>
+                  <a:cs typeface="Times" panose="02020603050405020304" pitchFamily="18" charset="0"/>
+                </a:rPr>
+                <a:t>added nutrients on </a:t>
+              </a:r>
+              <a:r>
+                <a:rPr lang="en-US" sz="2400" dirty="0">
+                  <a:latin typeface="Times" panose="02020603050405020304" pitchFamily="18" charset="0"/>
+                  <a:cs typeface="Times" panose="02020603050405020304" pitchFamily="18" charset="0"/>
+                </a:rPr>
+                <a:t>sediment oxygen demand (SOD) in bottles over time.  The SOD and the </a:t>
+              </a:r>
+              <a:r>
+                <a:rPr lang="en-US" sz="2400" dirty="0" smtClean="0">
+                  <a:latin typeface="Times" panose="02020603050405020304" pitchFamily="18" charset="0"/>
+                  <a:cs typeface="Times" panose="02020603050405020304" pitchFamily="18" charset="0"/>
+                </a:rPr>
+                <a:t>was </a:t>
+              </a:r>
+              <a:r>
+                <a:rPr lang="en-US" sz="2400" dirty="0">
+                  <a:latin typeface="Times" panose="02020603050405020304" pitchFamily="18" charset="0"/>
+                  <a:cs typeface="Times" panose="02020603050405020304" pitchFamily="18" charset="0"/>
+                </a:rPr>
+                <a:t>greatest after 2 and 7 days of incubation </a:t>
+              </a:r>
+              <a:r>
+                <a:rPr lang="en-US" sz="2400" dirty="0" smtClean="0">
+                  <a:latin typeface="Times" panose="02020603050405020304" pitchFamily="18" charset="0"/>
+                  <a:cs typeface="Times" panose="02020603050405020304" pitchFamily="18" charset="0"/>
+                </a:rPr>
+                <a:t>and declined </a:t>
+              </a:r>
+              <a:r>
+                <a:rPr lang="en-US" sz="2400" dirty="0">
+                  <a:latin typeface="Times" panose="02020603050405020304" pitchFamily="18" charset="0"/>
+                  <a:cs typeface="Times" panose="02020603050405020304" pitchFamily="18" charset="0"/>
+                </a:rPr>
+                <a:t>during the </a:t>
+              </a:r>
+              <a:r>
+                <a:rPr lang="en-US" sz="2400" dirty="0" smtClean="0">
+                  <a:latin typeface="Times" panose="02020603050405020304" pitchFamily="18" charset="0"/>
+                  <a:cs typeface="Times" panose="02020603050405020304" pitchFamily="18" charset="0"/>
+                </a:rPr>
+                <a:t>experiment but the effect of nutrients remains consistent for the 21 days of incubation</a:t>
+              </a:r>
+              <a:r>
+                <a:rPr lang="en-US" sz="2400" dirty="0" smtClean="0">
+                  <a:latin typeface="Times" panose="02020603050405020304" pitchFamily="18" charset="0"/>
+                  <a:cs typeface="Times" panose="02020603050405020304" pitchFamily="18" charset="0"/>
+                </a:rPr>
+                <a:t>. </a:t>
+              </a:r>
+              <a:endParaRPr lang="en-US" sz="2400" dirty="0">
+                <a:latin typeface="Times" panose="02020603050405020304" pitchFamily="18" charset="0"/>
+                <a:cs typeface="Times" panose="02020603050405020304" pitchFamily="18" charset="0"/>
+              </a:endParaRPr>
+            </a:p>
+          </p:txBody>
+        </p:sp>
+        <p:pic>
+          <p:nvPicPr>
+            <p:cNvPr id="50" name="Picture 49"/>
+            <p:cNvPicPr>
+              <a:picLocks noChangeAspect="1"/>
+            </p:cNvPicPr>
+            <p:nvPr/>
+          </p:nvPicPr>
+          <p:blipFill>
+            <a:blip r:embed="rId14"/>
+            <a:stretch>
+              <a:fillRect/>
+            </a:stretch>
+          </p:blipFill>
+          <p:spPr>
+            <a:xfrm>
+              <a:off x="17694231" y="16707254"/>
+              <a:ext cx="8970115" cy="8970115"/>
+            </a:xfrm>
+            <a:prstGeom prst="rect">
+              <a:avLst/>
+            </a:prstGeom>
+          </p:spPr>
+        </p:pic>
+      </p:grpSp>
+      <p:sp>
+        <p:nvSpPr>
+          <p:cNvPr id="59" name="Rectangle 58"/>
           <p:cNvSpPr/>
           <p:nvPr/>
         </p:nvSpPr>
         <p:spPr>
           <a:xfrm>
-            <a:off x="846134" y="5554646"/>
-            <a:ext cx="8229600" cy="1371600"/>
+            <a:off x="29360508" y="19788977"/>
+            <a:ext cx="7066402" cy="977350"/>
           </a:xfrm>
           <a:prstGeom prst="rect">
             <a:avLst/>
           </a:prstGeom>
+          <a:solidFill>
+            <a:schemeClr val="tx2"/>
+          </a:solidFill>
+          <a:effectLst/>
         </p:spPr>
         <p:style>
           <a:lnRef idx="1">
@@ -4607,27 +5240,485 @@
           <a:p>
             <a:pPr algn="ctr"/>
             <a:r>
-              <a:rPr lang="en-US" dirty="0" smtClean="0"/>
-              <a:t>Abstract</a:t>
-            </a:r>
-            <a:endParaRPr lang="en-US" dirty="0"/>
-          </a:p>
-        </p:txBody>
-      </p:sp>
-      <p:sp>
-        <p:nvSpPr>
-          <p:cNvPr id="4" name="Rectangle 3"/>
+              <a:rPr lang="en-US" sz="5400" dirty="0" smtClean="0"/>
+              <a:t>Conclusions</a:t>
+            </a:r>
+            <a:endParaRPr lang="en-US" sz="5400" dirty="0"/>
+          </a:p>
+        </p:txBody>
+      </p:sp>
+      <p:grpSp>
+        <p:nvGrpSpPr>
+          <p:cNvPr id="65" name="Group 64"/>
+          <p:cNvGrpSpPr/>
+          <p:nvPr/>
+        </p:nvGrpSpPr>
+        <p:grpSpPr>
+          <a:xfrm>
+            <a:off x="577489" y="29759501"/>
+            <a:ext cx="8766891" cy="6729609"/>
+            <a:chOff x="11224346" y="5769877"/>
+            <a:chExt cx="7921137" cy="6049175"/>
+          </a:xfrm>
+        </p:grpSpPr>
+        <p:sp>
+          <p:nvSpPr>
+            <p:cNvPr id="63" name="TextBox 62"/>
+            <p:cNvSpPr txBox="1"/>
+            <p:nvPr/>
+          </p:nvSpPr>
+          <p:spPr>
+            <a:xfrm>
+              <a:off x="11224346" y="7294736"/>
+              <a:ext cx="7921137" cy="4524316"/>
+            </a:xfrm>
+            <a:prstGeom prst="rect">
+              <a:avLst/>
+            </a:prstGeom>
+            <a:noFill/>
+          </p:spPr>
+          <p:txBody>
+            <a:bodyPr wrap="square" rtlCol="0">
+              <a:spAutoFit/>
+            </a:bodyPr>
+            <a:lstStyle/>
+            <a:p>
+              <a:pPr marL="272434" indent="-272434" algn="just">
+                <a:buFont typeface="Arial"/>
+                <a:buChar char="•"/>
+              </a:pPr>
+              <a:r>
+                <a:rPr lang="en-US" sz="1800" dirty="0" smtClean="0">
+                  <a:latin typeface="Times"/>
+                  <a:cs typeface="Times"/>
+                </a:rPr>
+                <a:t>The </a:t>
+              </a:r>
+              <a:r>
+                <a:rPr lang="en-US" sz="1800" dirty="0" smtClean="0">
+                  <a:latin typeface="Times"/>
+                  <a:cs typeface="Times"/>
+                </a:rPr>
+                <a:t>combined effect of leaf litter and nutrient enrichment on sediment processes was tested with a complete factorial design</a:t>
+              </a:r>
+              <a:r>
+                <a:rPr lang="en-US" sz="1800" dirty="0" smtClean="0">
+                  <a:latin typeface="Times"/>
+                  <a:cs typeface="Times"/>
+                </a:rPr>
+                <a:t> design.</a:t>
+              </a:r>
+              <a:endParaRPr lang="en-US" sz="1800" dirty="0" smtClean="0">
+                <a:latin typeface="Times"/>
+                <a:cs typeface="Times"/>
+              </a:endParaRPr>
+            </a:p>
+            <a:p>
+              <a:pPr marL="272434" indent="-272434" algn="just">
+                <a:buFont typeface="Arial"/>
+                <a:buChar char="•"/>
+              </a:pPr>
+              <a:r>
+                <a:rPr lang="en-US" sz="1800" dirty="0" smtClean="0">
+                  <a:latin typeface="Times"/>
+                  <a:cs typeface="Times"/>
+                </a:rPr>
+                <a:t>Each BOD bottle received 100 ml of sediment collected from </a:t>
+              </a:r>
+              <a:r>
+                <a:rPr lang="en-US" sz="1800" dirty="0" smtClean="0">
+                  <a:latin typeface="Times"/>
+                  <a:cs typeface="Times"/>
+                </a:rPr>
+                <a:t>Lancer Park Pond </a:t>
+              </a:r>
+              <a:r>
+                <a:rPr lang="en-US" sz="1800" dirty="0" smtClean="0">
+                  <a:latin typeface="Times"/>
+                  <a:cs typeface="Times"/>
+                </a:rPr>
+                <a:t>(Fig. 1) on </a:t>
+              </a:r>
+              <a:r>
+                <a:rPr lang="en-US" sz="1800" dirty="0" smtClean="0">
+                  <a:latin typeface="Times"/>
+                  <a:cs typeface="Times"/>
+                </a:rPr>
+                <a:t>29 </a:t>
+              </a:r>
+              <a:r>
+                <a:rPr lang="en-US" sz="1800" dirty="0">
+                  <a:latin typeface="Times"/>
+                  <a:cs typeface="Times"/>
+                </a:rPr>
+                <a:t>May, 2014 using </a:t>
+              </a:r>
+              <a:r>
+                <a:rPr lang="en-US" sz="1800" dirty="0" smtClean="0">
+                  <a:latin typeface="Times"/>
+                  <a:cs typeface="Times"/>
+                </a:rPr>
+                <a:t>an </a:t>
+              </a:r>
+              <a:r>
+                <a:rPr lang="en-US" sz="1800" dirty="0" err="1">
+                  <a:latin typeface="Times"/>
+                  <a:cs typeface="Times"/>
+                </a:rPr>
+                <a:t>E</a:t>
+              </a:r>
+              <a:r>
+                <a:rPr lang="en-US" sz="1800" dirty="0" err="1" smtClean="0">
+                  <a:latin typeface="Times"/>
+                  <a:cs typeface="Times"/>
+                </a:rPr>
+                <a:t>ckman</a:t>
+              </a:r>
+              <a:r>
+                <a:rPr lang="en-US" sz="1800" dirty="0" smtClean="0">
+                  <a:latin typeface="Times"/>
+                  <a:cs typeface="Times"/>
+                </a:rPr>
+                <a:t>-</a:t>
+              </a:r>
+              <a:r>
+                <a:rPr lang="en-US" sz="1800" dirty="0" smtClean="0">
+                  <a:latin typeface="Times"/>
+                  <a:cs typeface="Times"/>
+                </a:rPr>
+                <a:t>dredge and sieved through 250 </a:t>
+              </a:r>
+              <a:r>
+                <a:rPr lang="en-US" sz="1800" dirty="0" err="1" smtClean="0">
+                  <a:latin typeface="Times"/>
+                  <a:cs typeface="Times"/>
+                </a:rPr>
+                <a:t>μm</a:t>
+              </a:r>
+              <a:r>
+                <a:rPr lang="en-US" sz="1800" dirty="0" smtClean="0">
+                  <a:latin typeface="Times"/>
+                  <a:cs typeface="Times"/>
+                </a:rPr>
+                <a:t> mes</a:t>
+              </a:r>
+              <a:r>
+                <a:rPr lang="en-US" sz="1800" dirty="0" smtClean="0">
+                  <a:latin typeface="Times"/>
+                  <a:cs typeface="Times"/>
+                </a:rPr>
+                <a:t>h.</a:t>
+              </a:r>
+              <a:endParaRPr lang="en-US" sz="1800" dirty="0" smtClean="0">
+                <a:latin typeface="Times"/>
+                <a:cs typeface="Times"/>
+              </a:endParaRPr>
+            </a:p>
+            <a:p>
+              <a:pPr marL="272434" indent="-272434" algn="just">
+                <a:buFont typeface="Arial"/>
+                <a:buChar char="•"/>
+              </a:pPr>
+              <a:r>
+                <a:rPr lang="en-US" sz="1800" dirty="0" smtClean="0">
+                  <a:latin typeface="Times"/>
+                  <a:cs typeface="Times"/>
+                </a:rPr>
+                <a:t>The BOD bottles were then filled with Lancer Park Pond water </a:t>
+              </a:r>
+              <a:r>
+                <a:rPr lang="en-US" sz="1800" dirty="0" smtClean="0">
+                  <a:latin typeface="Times"/>
+                  <a:cs typeface="Times"/>
+                </a:rPr>
+                <a:t>collected </a:t>
+              </a:r>
+              <a:r>
+                <a:rPr lang="en-US" sz="1800" dirty="0" smtClean="0">
+                  <a:latin typeface="Times"/>
+                  <a:cs typeface="Times"/>
+                </a:rPr>
+                <a:t>9 June 2014 </a:t>
+              </a:r>
+              <a:r>
+                <a:rPr lang="en-US" sz="1800" dirty="0" smtClean="0">
+                  <a:latin typeface="Times"/>
+                  <a:cs typeface="Times"/>
+                </a:rPr>
+                <a:t>from 0.5 m.</a:t>
+              </a:r>
+            </a:p>
+            <a:p>
+              <a:pPr marL="272434" indent="-272434" algn="just">
+                <a:buFont typeface="Arial"/>
+                <a:buChar char="•"/>
+              </a:pPr>
+              <a:r>
+                <a:rPr lang="en-US" sz="1800" dirty="0" smtClean="0">
+                  <a:latin typeface="Times"/>
+                  <a:cs typeface="Times"/>
+                </a:rPr>
+                <a:t>Nutrient </a:t>
+              </a:r>
+              <a:r>
+                <a:rPr lang="en-US" sz="1800" dirty="0" smtClean="0">
+                  <a:latin typeface="Times"/>
+                  <a:cs typeface="Times"/>
+                </a:rPr>
+                <a:t>enrichment treatments were created by adding 300 </a:t>
+              </a:r>
+              <a:r>
+                <a:rPr lang="en-US" sz="1800" dirty="0" smtClean="0">
+                  <a:latin typeface="Times"/>
+                  <a:cs typeface="Times"/>
+                </a:rPr>
+                <a:t>μg L</a:t>
+              </a:r>
+              <a:r>
+                <a:rPr lang="en-US" sz="1800" baseline="30000" dirty="0" smtClean="0">
+                  <a:latin typeface="Times"/>
+                  <a:cs typeface="Times"/>
+                </a:rPr>
+                <a:t>-1</a:t>
+              </a:r>
+              <a:r>
+                <a:rPr lang="en-US" sz="1800" dirty="0" smtClean="0">
+                  <a:latin typeface="Times"/>
+                  <a:cs typeface="Times"/>
+                </a:rPr>
+                <a:t> </a:t>
+              </a:r>
+              <a:r>
+                <a:rPr lang="en-US" sz="1800" dirty="0" smtClean="0">
+                  <a:latin typeface="Times"/>
+                  <a:cs typeface="Times"/>
+                </a:rPr>
+                <a:t>of DIN and 30 </a:t>
+              </a:r>
+              <a:r>
+                <a:rPr lang="en-US" sz="1800" dirty="0">
+                  <a:latin typeface="Times"/>
+                  <a:cs typeface="Times"/>
+                </a:rPr>
+                <a:t>μg L</a:t>
+              </a:r>
+              <a:r>
+                <a:rPr lang="en-US" sz="1800" baseline="30000" dirty="0">
+                  <a:latin typeface="Times"/>
+                  <a:cs typeface="Times"/>
+                </a:rPr>
+                <a:t>-1</a:t>
+              </a:r>
+              <a:r>
+                <a:rPr lang="en-US" sz="1800" dirty="0">
+                  <a:latin typeface="Times"/>
+                  <a:cs typeface="Times"/>
+                </a:rPr>
+                <a:t> of </a:t>
+              </a:r>
+              <a:r>
+                <a:rPr lang="en-US" sz="1800" dirty="0" smtClean="0">
+                  <a:latin typeface="Times"/>
+                  <a:cs typeface="Times"/>
+                </a:rPr>
+                <a:t>DIP to the </a:t>
+              </a:r>
+              <a:r>
+                <a:rPr lang="en-US" sz="1800" dirty="0" smtClean="0">
+                  <a:latin typeface="Times"/>
+                  <a:cs typeface="Times"/>
+                </a:rPr>
+                <a:t>overlying</a:t>
+              </a:r>
+              <a:r>
+                <a:rPr lang="en-US" sz="1800" dirty="0" smtClean="0">
+                  <a:latin typeface="Times"/>
+                  <a:cs typeface="Times"/>
+                </a:rPr>
+                <a:t> water.</a:t>
+              </a:r>
+              <a:endParaRPr lang="en-US" sz="1800" dirty="0" smtClean="0">
+                <a:latin typeface="Times"/>
+                <a:cs typeface="Times"/>
+              </a:endParaRPr>
+            </a:p>
+            <a:p>
+              <a:pPr marL="272434" indent="-272434" algn="just">
+                <a:buFont typeface="Arial"/>
+                <a:buChar char="•"/>
+              </a:pPr>
+              <a:r>
+                <a:rPr lang="en-US" sz="1800" dirty="0" smtClean="0">
+                  <a:latin typeface="Times"/>
+                  <a:cs typeface="Times"/>
+                </a:rPr>
+                <a:t>The </a:t>
+              </a:r>
+              <a:r>
+                <a:rPr lang="en-US" sz="1800" dirty="0">
+                  <a:latin typeface="Times"/>
+                  <a:cs typeface="Times"/>
+                </a:rPr>
+                <a:t>l</a:t>
+              </a:r>
+              <a:r>
+                <a:rPr lang="en-US" sz="1800" dirty="0" smtClean="0">
+                  <a:latin typeface="Times"/>
+                  <a:cs typeface="Times"/>
+                </a:rPr>
+                <a:t>eaf litter treatments </a:t>
+              </a:r>
+              <a:r>
+                <a:rPr lang="en-US" sz="1800" dirty="0" smtClean="0">
+                  <a:latin typeface="Times"/>
+                  <a:cs typeface="Times"/>
+                </a:rPr>
+                <a:t>were created by adding 20 leaf disks </a:t>
+              </a:r>
+              <a:r>
+                <a:rPr lang="en-US" sz="1800" dirty="0" smtClean="0">
+                  <a:latin typeface="Times"/>
+                  <a:cs typeface="Times"/>
+                </a:rPr>
+                <a:t>(10 </a:t>
+              </a:r>
+              <a:r>
+                <a:rPr lang="en-US" sz="1800" dirty="0" smtClean="0">
+                  <a:latin typeface="Times"/>
+                  <a:cs typeface="Times"/>
+                </a:rPr>
+                <a:t>mm </a:t>
+              </a:r>
+              <a:r>
+                <a:rPr lang="en-US" sz="1800" dirty="0" smtClean="0">
+                  <a:latin typeface="Times"/>
+                  <a:cs typeface="Times"/>
+                </a:rPr>
+                <a:t>diam.) </a:t>
+              </a:r>
+              <a:r>
+                <a:rPr lang="en-US" sz="1800" dirty="0" smtClean="0">
+                  <a:latin typeface="Times"/>
+                  <a:cs typeface="Times"/>
+                </a:rPr>
+                <a:t>to the BOD </a:t>
+              </a:r>
+              <a:r>
+                <a:rPr lang="en-US" sz="1800" dirty="0" smtClean="0">
+                  <a:latin typeface="Times"/>
+                  <a:cs typeface="Times"/>
+                </a:rPr>
+                <a:t>bottles (Fig. 2)</a:t>
+              </a:r>
+              <a:endParaRPr lang="en-US" sz="1800" dirty="0" smtClean="0">
+                <a:latin typeface="Times"/>
+                <a:cs typeface="Times"/>
+              </a:endParaRPr>
+            </a:p>
+            <a:p>
+              <a:pPr marL="272434" indent="-272434" algn="just">
+                <a:buFont typeface="Arial"/>
+                <a:buChar char="•"/>
+              </a:pPr>
+              <a:r>
+                <a:rPr lang="en-US" sz="1800" dirty="0" smtClean="0">
+                  <a:latin typeface="Times"/>
+                  <a:cs typeface="Times"/>
+                </a:rPr>
+                <a:t>Sediment oxygen demand was determined using the Winkler’s Method (Carpenter 1965</a:t>
+              </a:r>
+              <a:r>
+                <a:rPr lang="en-US" sz="1800" dirty="0" smtClean="0">
+                  <a:latin typeface="Times"/>
+                  <a:cs typeface="Times"/>
+                </a:rPr>
+                <a:t>) on 5 dates.</a:t>
+              </a:r>
+            </a:p>
+            <a:p>
+              <a:pPr marL="272434" indent="-272434" algn="just">
+                <a:buFont typeface="Arial"/>
+                <a:buChar char="•"/>
+              </a:pPr>
+              <a:r>
+                <a:rPr lang="en-US" sz="1800" dirty="0" smtClean="0">
+                  <a:latin typeface="Times"/>
+                  <a:cs typeface="Times"/>
+                </a:rPr>
+                <a:t>The amount of labile organic matter in the overlying water was determined using the ratio of absorbance at 254 and 365 nm from a water sample filtered through a GFF on 5 dates.</a:t>
+              </a:r>
+              <a:endParaRPr lang="en-US" sz="1800" dirty="0">
+                <a:latin typeface="Times"/>
+                <a:cs typeface="Times"/>
+              </a:endParaRPr>
+            </a:p>
+          </p:txBody>
+        </p:sp>
+        <p:sp>
+          <p:nvSpPr>
+            <p:cNvPr id="60" name="Rectangle 59"/>
+            <p:cNvSpPr/>
+            <p:nvPr/>
+          </p:nvSpPr>
+          <p:spPr>
+            <a:xfrm>
+              <a:off x="11785297" y="5769877"/>
+              <a:ext cx="7066402" cy="977350"/>
+            </a:xfrm>
+            <a:prstGeom prst="rect">
+              <a:avLst/>
+            </a:prstGeom>
+            <a:solidFill>
+              <a:schemeClr val="tx2"/>
+            </a:solidFill>
+            <a:effectLst/>
+          </p:spPr>
+          <p:style>
+            <a:lnRef idx="1">
+              <a:schemeClr val="accent1"/>
+            </a:lnRef>
+            <a:fillRef idx="3">
+              <a:schemeClr val="accent1"/>
+            </a:fillRef>
+            <a:effectRef idx="2">
+              <a:schemeClr val="accent1"/>
+            </a:effectRef>
+            <a:fontRef idx="minor">
+              <a:schemeClr val="lt1"/>
+            </a:fontRef>
+          </p:style>
+          <p:txBody>
+            <a:bodyPr rtlCol="0" anchor="ctr"/>
+            <a:lstStyle/>
+            <a:p>
+              <a:pPr algn="ctr"/>
+              <a:r>
+                <a:rPr lang="en-US" sz="5400" dirty="0" smtClean="0"/>
+                <a:t>Methods</a:t>
+              </a:r>
+              <a:endParaRPr lang="en-US" sz="5400" dirty="0"/>
+            </a:p>
+          </p:txBody>
+        </p:sp>
+      </p:grpSp>
+      <p:sp>
+        <p:nvSpPr>
+          <p:cNvPr id="61" name="Rectangle 60"/>
           <p:cNvSpPr/>
           <p:nvPr/>
         </p:nvSpPr>
         <p:spPr>
           <a:xfrm>
-            <a:off x="846134" y="16192773"/>
-            <a:ext cx="8229600" cy="1371600"/>
+            <a:off x="1198334" y="16702316"/>
+            <a:ext cx="7066402" cy="977350"/>
           </a:xfrm>
           <a:prstGeom prst="rect">
             <a:avLst/>
           </a:prstGeom>
+          <a:solidFill>
+            <a:schemeClr val="tx2"/>
+          </a:solidFill>
+          <a:effectLst/>
         </p:spPr>
         <p:style>
           <a:lnRef idx="1">
@@ -4649,27 +5740,31 @@
           <a:p>
             <a:pPr algn="ctr"/>
             <a:r>
-              <a:rPr lang="en-US" dirty="0" smtClean="0"/>
-              <a:t>Background</a:t>
-            </a:r>
-            <a:endParaRPr lang="en-US" dirty="0"/>
-          </a:p>
-        </p:txBody>
-      </p:sp>
-      <p:sp>
-        <p:nvSpPr>
-          <p:cNvPr id="5" name="Rectangle 4"/>
+              <a:rPr lang="en-US" sz="4400" dirty="0" smtClean="0"/>
+              <a:t>Fate of Leaf Litter in Ponds</a:t>
+            </a:r>
+            <a:endParaRPr lang="en-US" sz="4400" dirty="0"/>
+          </a:p>
+        </p:txBody>
+      </p:sp>
+      <p:sp>
+        <p:nvSpPr>
+          <p:cNvPr id="62" name="Rectangle 61"/>
           <p:cNvSpPr/>
           <p:nvPr/>
         </p:nvSpPr>
         <p:spPr>
           <a:xfrm>
-            <a:off x="13558398" y="5664975"/>
-            <a:ext cx="8229600" cy="1371600"/>
+            <a:off x="1364330" y="5769877"/>
+            <a:ext cx="7066402" cy="977350"/>
           </a:xfrm>
           <a:prstGeom prst="rect">
             <a:avLst/>
           </a:prstGeom>
+          <a:solidFill>
+            <a:schemeClr val="tx2"/>
+          </a:solidFill>
+          <a:effectLst/>
         </p:spPr>
         <p:style>
           <a:lnRef idx="1">
@@ -4691,27 +5786,31 @@
           <a:p>
             <a:pPr algn="ctr"/>
             <a:r>
-              <a:rPr lang="en-US" dirty="0" smtClean="0"/>
-              <a:t>Results</a:t>
-            </a:r>
-            <a:endParaRPr lang="en-US" dirty="0"/>
-          </a:p>
-        </p:txBody>
-      </p:sp>
-      <p:sp>
-        <p:nvSpPr>
-          <p:cNvPr id="8" name="Rectangle 7"/>
+              <a:rPr lang="en-US" sz="5400" dirty="0" smtClean="0"/>
+              <a:t>Abstract</a:t>
+            </a:r>
+            <a:endParaRPr lang="en-US" sz="5400" dirty="0"/>
+          </a:p>
+        </p:txBody>
+      </p:sp>
+      <p:sp>
+        <p:nvSpPr>
+          <p:cNvPr id="67" name="Rectangle 66"/>
           <p:cNvSpPr/>
           <p:nvPr/>
         </p:nvSpPr>
         <p:spPr>
           <a:xfrm>
-            <a:off x="27527851" y="10735569"/>
-            <a:ext cx="8229600" cy="1371600"/>
+            <a:off x="11576430" y="7408733"/>
+            <a:ext cx="7066402" cy="977350"/>
           </a:xfrm>
           <a:prstGeom prst="rect">
             <a:avLst/>
           </a:prstGeom>
+          <a:solidFill>
+            <a:schemeClr val="bg1"/>
+          </a:solidFill>
+          <a:effectLst/>
         </p:spPr>
         <p:style>
           <a:lnRef idx="1">
@@ -4733,291 +5832,49 @@
           <a:p>
             <a:pPr algn="ctr"/>
             <a:r>
-              <a:rPr lang="en-US" dirty="0" smtClean="0"/>
-              <a:t>Methods</a:t>
-            </a:r>
-            <a:endParaRPr lang="en-US" dirty="0"/>
-          </a:p>
-        </p:txBody>
-      </p:sp>
-      <p:pic>
-        <p:nvPicPr>
-          <p:cNvPr id="21" name="Picture 20"/>
-          <p:cNvPicPr>
-            <a:picLocks noChangeAspect="1"/>
-          </p:cNvPicPr>
+              <a:rPr lang="en-US" sz="5400" dirty="0" smtClean="0">
+                <a:ln>
+                  <a:solidFill>
+                    <a:schemeClr val="tx2"/>
+                  </a:solidFill>
+                </a:ln>
+                <a:solidFill>
+                  <a:schemeClr val="tx1"/>
+                </a:solidFill>
+              </a:rPr>
+              <a:t>Leaf Litter Effects</a:t>
+            </a:r>
+            <a:endParaRPr lang="en-US" sz="5400" dirty="0">
+              <a:ln>
+                <a:solidFill>
+                  <a:schemeClr val="tx2"/>
+                </a:solidFill>
+              </a:ln>
+              <a:solidFill>
+                <a:schemeClr val="tx1"/>
+              </a:solidFill>
+            </a:endParaRPr>
+          </a:p>
+        </p:txBody>
+      </p:sp>
+      <p:sp>
+        <p:nvSpPr>
+          <p:cNvPr id="69" name="Rectangle 68"/>
+          <p:cNvSpPr/>
           <p:nvPr/>
-        </p:nvPicPr>
-        <p:blipFill>
-          <a:blip r:embed="rId8">
-            <a:extLst>
-              <a:ext uri="{28A0092B-C50C-407E-A947-70E740481C1C}">
-                <a14:useLocalDpi xmlns:a14="http://schemas.microsoft.com/office/drawing/2010/main" val="0"/>
-              </a:ext>
-            </a:extLst>
-          </a:blip>
-          <a:stretch>
-            <a:fillRect/>
-          </a:stretch>
-        </p:blipFill>
+        </p:nvSpPr>
         <p:spPr>
           <a:xfrm>
-            <a:off x="15464690" y="13498114"/>
-            <a:ext cx="6562835" cy="6562835"/>
+            <a:off x="11079918" y="5769876"/>
+            <a:ext cx="25142906" cy="938103"/>
           </a:xfrm>
           <a:prstGeom prst="rect">
             <a:avLst/>
           </a:prstGeom>
-        </p:spPr>
-      </p:pic>
-      <p:pic>
-        <p:nvPicPr>
-          <p:cNvPr id="24" name="Picture 23"/>
-          <p:cNvPicPr>
-            <a:picLocks noChangeAspect="1"/>
-          </p:cNvPicPr>
-          <p:nvPr/>
-        </p:nvPicPr>
-        <p:blipFill>
-          <a:blip r:embed="rId9">
-            <a:extLst>
-              <a:ext uri="{28A0092B-C50C-407E-A947-70E740481C1C}">
-                <a14:useLocalDpi xmlns:a14="http://schemas.microsoft.com/office/drawing/2010/main" val="0"/>
-              </a:ext>
-            </a:extLst>
-          </a:blip>
-          <a:stretch>
-            <a:fillRect/>
-          </a:stretch>
-        </p:blipFill>
-        <p:spPr>
-          <a:xfrm>
-            <a:off x="16385562" y="29210643"/>
-            <a:ext cx="3856973" cy="3856973"/>
-          </a:xfrm>
-          <a:prstGeom prst="rect">
-            <a:avLst/>
-          </a:prstGeom>
-        </p:spPr>
-      </p:pic>
-      <p:sp>
-        <p:nvSpPr>
-          <p:cNvPr id="27" name="TextBox 26"/>
-          <p:cNvSpPr txBox="1"/>
-          <p:nvPr/>
-        </p:nvSpPr>
-        <p:spPr>
-          <a:xfrm>
-            <a:off x="14049823" y="11614408"/>
-            <a:ext cx="9046029" cy="2677656"/>
-          </a:xfrm>
-          <a:prstGeom prst="rect">
-            <a:avLst/>
-          </a:prstGeom>
-          <a:noFill/>
-        </p:spPr>
-        <p:txBody>
-          <a:bodyPr wrap="square" rtlCol="0">
-            <a:spAutoFit/>
-          </a:bodyPr>
-          <a:lstStyle/>
-          <a:p>
-            <a:r>
-              <a:rPr lang="en-US" sz="2400" dirty="0" smtClean="0">
-                <a:latin typeface="Times" panose="02020603050405020304" pitchFamily="18" charset="0"/>
-                <a:cs typeface="Times" panose="02020603050405020304" pitchFamily="18" charset="0"/>
-              </a:rPr>
-              <a:t>Figure 2: A comparison of the sediment oxygen demand in BOD bottles with leaf litter and those without after standardized by the organic matter abundance per bottle. Statistical analyses suggests that CPOM significantly affects sediment oxygen demand (SOD) in a man-made system. In addition, since these results were standardized by their organic matter content, we can see that the type of organic matter is significant.</a:t>
-            </a:r>
-            <a:endParaRPr lang="en-US" sz="2400" dirty="0">
-              <a:latin typeface="Times" panose="02020603050405020304" pitchFamily="18" charset="0"/>
-              <a:cs typeface="Times" panose="02020603050405020304" pitchFamily="18" charset="0"/>
-            </a:endParaRPr>
-          </a:p>
-        </p:txBody>
-      </p:sp>
-      <p:pic>
-        <p:nvPicPr>
-          <p:cNvPr id="29" name="Picture 28"/>
-          <p:cNvPicPr>
-            <a:picLocks noChangeAspect="1"/>
-          </p:cNvPicPr>
-          <p:nvPr/>
-        </p:nvPicPr>
-        <p:blipFill>
-          <a:blip r:embed="rId10">
-            <a:extLst>
-              <a:ext uri="{28A0092B-C50C-407E-A947-70E740481C1C}">
-                <a14:useLocalDpi xmlns:a14="http://schemas.microsoft.com/office/drawing/2010/main" val="0"/>
-              </a:ext>
-            </a:extLst>
-          </a:blip>
-          <a:stretch>
-            <a:fillRect/>
-          </a:stretch>
-        </p:blipFill>
-        <p:spPr>
-          <a:xfrm>
-            <a:off x="15501837" y="6864944"/>
-            <a:ext cx="4969729" cy="4969729"/>
-          </a:xfrm>
-          <a:prstGeom prst="rect">
-            <a:avLst/>
-          </a:prstGeom>
-        </p:spPr>
-      </p:pic>
-      <p:sp>
-        <p:nvSpPr>
-          <p:cNvPr id="31" name="TextBox 30"/>
-          <p:cNvSpPr txBox="1"/>
-          <p:nvPr/>
-        </p:nvSpPr>
-        <p:spPr>
-          <a:xfrm>
-            <a:off x="15006479" y="20002777"/>
-            <a:ext cx="7561600" cy="2677656"/>
-          </a:xfrm>
-          <a:prstGeom prst="rect">
-            <a:avLst/>
-          </a:prstGeom>
-          <a:noFill/>
-        </p:spPr>
-        <p:txBody>
-          <a:bodyPr wrap="square" rtlCol="0">
-            <a:spAutoFit/>
-          </a:bodyPr>
-          <a:lstStyle/>
-          <a:p>
-            <a:r>
-              <a:rPr lang="en-US" sz="2400" dirty="0" smtClean="0">
-                <a:latin typeface="Times" panose="02020603050405020304" pitchFamily="18" charset="0"/>
-                <a:cs typeface="Times" panose="02020603050405020304" pitchFamily="18" charset="0"/>
-              </a:rPr>
-              <a:t>Figure 3: A comparison of the sediment oxygen demand in bottles with leaf litter and those without over the course of the five experiment runs. These results have been standardized by organic matter content in each bottle.  We can see that the bottles containing leaf litter had a spike in SOD on the second run but continued to decline as time went on.</a:t>
-            </a:r>
-            <a:endParaRPr lang="en-US" sz="2400" dirty="0">
-              <a:latin typeface="Times" panose="02020603050405020304" pitchFamily="18" charset="0"/>
-              <a:cs typeface="Times" panose="02020603050405020304" pitchFamily="18" charset="0"/>
-            </a:endParaRPr>
-          </a:p>
-        </p:txBody>
-      </p:sp>
-      <p:sp>
-        <p:nvSpPr>
-          <p:cNvPr id="32" name="TextBox 31"/>
-          <p:cNvSpPr txBox="1"/>
-          <p:nvPr/>
-        </p:nvSpPr>
-        <p:spPr>
-          <a:xfrm>
-            <a:off x="15538629" y="27529992"/>
-            <a:ext cx="7029450" cy="1569660"/>
-          </a:xfrm>
-          <a:prstGeom prst="rect">
-            <a:avLst/>
-          </a:prstGeom>
-          <a:noFill/>
-        </p:spPr>
-        <p:txBody>
-          <a:bodyPr wrap="square" rtlCol="0">
-            <a:spAutoFit/>
-          </a:bodyPr>
-          <a:lstStyle/>
-          <a:p>
-            <a:r>
-              <a:rPr lang="en-US" sz="2400" dirty="0" smtClean="0">
-                <a:latin typeface="Times" panose="02020603050405020304" pitchFamily="18" charset="0"/>
-                <a:cs typeface="Times" panose="02020603050405020304" pitchFamily="18" charset="0"/>
-              </a:rPr>
-              <a:t>Figure 4: A comparison of the SOD in BOD with leaf litter and those without after organic matter standardization. As with the leaf litter, it was found that the nutrient enriched </a:t>
-            </a:r>
-            <a:endParaRPr lang="en-US" sz="2400" dirty="0">
-              <a:latin typeface="Times" panose="02020603050405020304" pitchFamily="18" charset="0"/>
-              <a:cs typeface="Times" panose="02020603050405020304" pitchFamily="18" charset="0"/>
-            </a:endParaRPr>
-          </a:p>
-        </p:txBody>
-      </p:sp>
-      <p:pic>
-        <p:nvPicPr>
-          <p:cNvPr id="34" name="Picture 33"/>
-          <p:cNvPicPr>
-            <a:picLocks noChangeAspect="1"/>
-          </p:cNvPicPr>
-          <p:nvPr/>
-        </p:nvPicPr>
-        <p:blipFill>
-          <a:blip r:embed="rId11">
-            <a:extLst>
-              <a:ext uri="{28A0092B-C50C-407E-A947-70E740481C1C}">
-                <a14:useLocalDpi xmlns:a14="http://schemas.microsoft.com/office/drawing/2010/main" val="0"/>
-              </a:ext>
-            </a:extLst>
-          </a:blip>
-          <a:stretch>
-            <a:fillRect/>
-          </a:stretch>
-        </p:blipFill>
-        <p:spPr>
-          <a:xfrm>
-            <a:off x="16501223" y="22365646"/>
-            <a:ext cx="4572000" cy="4572000"/>
-          </a:xfrm>
-          <a:prstGeom prst="rect">
-            <a:avLst/>
-          </a:prstGeom>
-        </p:spPr>
-      </p:pic>
-      <p:sp>
-        <p:nvSpPr>
-          <p:cNvPr id="35" name="TextBox 34"/>
-          <p:cNvSpPr txBox="1"/>
-          <p:nvPr/>
-        </p:nvSpPr>
-        <p:spPr>
-          <a:xfrm>
-            <a:off x="14664679" y="33949212"/>
-            <a:ext cx="7816319" cy="1200329"/>
-          </a:xfrm>
-          <a:prstGeom prst="rect">
-            <a:avLst/>
-          </a:prstGeom>
-          <a:noFill/>
-        </p:spPr>
-        <p:txBody>
-          <a:bodyPr wrap="square" rtlCol="0">
-            <a:spAutoFit/>
-          </a:bodyPr>
-          <a:lstStyle/>
-          <a:p>
-            <a:r>
-              <a:rPr lang="en-US" sz="2400" dirty="0" smtClean="0">
-                <a:latin typeface="Times" panose="02020603050405020304" pitchFamily="18" charset="0"/>
-                <a:cs typeface="Times" panose="02020603050405020304" pitchFamily="18" charset="0"/>
-              </a:rPr>
-              <a:t>Figure 5: A plot of the SOD data collected from BOD bottles with and without nutrient enrichment over the course of the five experiment runs. </a:t>
-            </a:r>
-            <a:endParaRPr lang="en-US" sz="2400" dirty="0">
-              <a:latin typeface="Times" panose="02020603050405020304" pitchFamily="18" charset="0"/>
-              <a:cs typeface="Times" panose="02020603050405020304" pitchFamily="18" charset="0"/>
-            </a:endParaRPr>
-          </a:p>
-        </p:txBody>
-      </p:sp>
-      <p:sp>
-        <p:nvSpPr>
-          <p:cNvPr id="38" name="Rectangle 37"/>
-          <p:cNvSpPr/>
-          <p:nvPr/>
-        </p:nvSpPr>
-        <p:spPr>
-          <a:xfrm>
-            <a:off x="799249" y="29336347"/>
-            <a:ext cx="8229600" cy="1371600"/>
-          </a:xfrm>
-          <a:prstGeom prst="rect">
-            <a:avLst/>
-          </a:prstGeom>
+          <a:solidFill>
+            <a:schemeClr val="tx2"/>
+          </a:solidFill>
+          <a:effectLst/>
         </p:spPr>
         <p:style>
           <a:lnRef idx="1">
@@ -5039,27 +5896,31 @@
           <a:p>
             <a:pPr algn="ctr"/>
             <a:r>
-              <a:rPr lang="en-US" dirty="0" smtClean="0"/>
-              <a:t>Literature Cited</a:t>
-            </a:r>
-            <a:endParaRPr lang="en-US" dirty="0"/>
-          </a:p>
-        </p:txBody>
-      </p:sp>
-      <p:sp>
-        <p:nvSpPr>
-          <p:cNvPr id="41" name="Rectangle 40"/>
+              <a:rPr lang="en-US" sz="5400" dirty="0" smtClean="0"/>
+              <a:t>Results</a:t>
+            </a:r>
+            <a:endParaRPr lang="en-US" sz="5400" dirty="0"/>
+          </a:p>
+        </p:txBody>
+      </p:sp>
+      <p:sp>
+        <p:nvSpPr>
+          <p:cNvPr id="70" name="Rectangle 69"/>
           <p:cNvSpPr/>
           <p:nvPr/>
         </p:nvSpPr>
         <p:spPr>
           <a:xfrm>
-            <a:off x="26539293" y="28090114"/>
-            <a:ext cx="8229600" cy="1371600"/>
+            <a:off x="21088236" y="7379693"/>
+            <a:ext cx="7066402" cy="977350"/>
           </a:xfrm>
           <a:prstGeom prst="rect">
             <a:avLst/>
           </a:prstGeom>
+          <a:solidFill>
+            <a:schemeClr val="bg1"/>
+          </a:solidFill>
+          <a:effectLst/>
         </p:spPr>
         <p:style>
           <a:lnRef idx="1">
@@ -5081,27 +5942,49 @@
           <a:p>
             <a:pPr algn="ctr"/>
             <a:r>
-              <a:rPr lang="en-US" dirty="0" smtClean="0"/>
-              <a:t>Conclusions</a:t>
-            </a:r>
-            <a:endParaRPr lang="en-US" dirty="0"/>
-          </a:p>
-        </p:txBody>
-      </p:sp>
-      <p:sp>
-        <p:nvSpPr>
-          <p:cNvPr id="42" name="Rectangle 41"/>
+              <a:rPr lang="en-US" sz="5400" dirty="0" smtClean="0">
+                <a:ln>
+                  <a:solidFill>
+                    <a:schemeClr val="tx2"/>
+                  </a:solidFill>
+                </a:ln>
+                <a:solidFill>
+                  <a:schemeClr val="tx1"/>
+                </a:solidFill>
+              </a:rPr>
+              <a:t>Nutrient Effects</a:t>
+            </a:r>
+            <a:endParaRPr lang="en-US" sz="5400" dirty="0">
+              <a:ln>
+                <a:solidFill>
+                  <a:schemeClr val="tx2"/>
+                </a:solidFill>
+              </a:ln>
+              <a:solidFill>
+                <a:schemeClr val="tx1"/>
+              </a:solidFill>
+            </a:endParaRPr>
+          </a:p>
+        </p:txBody>
+      </p:sp>
+      <p:sp>
+        <p:nvSpPr>
+          <p:cNvPr id="71" name="Rectangle 70"/>
           <p:cNvSpPr/>
           <p:nvPr/>
         </p:nvSpPr>
         <p:spPr>
           <a:xfrm>
-            <a:off x="787461" y="33470500"/>
-            <a:ext cx="8229600" cy="1369651"/>
+            <a:off x="29360508" y="7340096"/>
+            <a:ext cx="7066402" cy="977350"/>
           </a:xfrm>
           <a:prstGeom prst="rect">
             <a:avLst/>
           </a:prstGeom>
+          <a:solidFill>
+            <a:schemeClr val="bg1"/>
+          </a:solidFill>
+          <a:effectLst/>
         </p:spPr>
         <p:style>
           <a:lnRef idx="1">
@@ -5123,140 +6006,329 @@
           <a:p>
             <a:pPr algn="ctr"/>
             <a:r>
-              <a:rPr lang="en-US" dirty="0" smtClean="0"/>
-              <a:t>Acknowledgments</a:t>
-            </a:r>
-            <a:endParaRPr lang="en-US" dirty="0"/>
-          </a:p>
-        </p:txBody>
-      </p:sp>
-      <p:grpSp>
-        <p:nvGrpSpPr>
-          <p:cNvPr id="49" name="Group 48"/>
-          <p:cNvGrpSpPr/>
+              <a:rPr lang="en-US" sz="5400" dirty="0" smtClean="0">
+                <a:ln>
+                  <a:solidFill>
+                    <a:schemeClr val="tx2"/>
+                  </a:solidFill>
+                </a:ln>
+                <a:solidFill>
+                  <a:schemeClr val="tx1"/>
+                </a:solidFill>
+              </a:rPr>
+              <a:t>Effects on OM Quality</a:t>
+            </a:r>
+            <a:endParaRPr lang="en-US" sz="5400" dirty="0">
+              <a:ln>
+                <a:solidFill>
+                  <a:schemeClr val="tx2"/>
+                </a:solidFill>
+              </a:ln>
+              <a:solidFill>
+                <a:schemeClr val="tx1"/>
+              </a:solidFill>
+            </a:endParaRPr>
+          </a:p>
+        </p:txBody>
+      </p:sp>
+      <p:sp>
+        <p:nvSpPr>
+          <p:cNvPr id="72" name="TextBox 71"/>
+          <p:cNvSpPr txBox="1"/>
           <p:nvPr/>
-        </p:nvGrpSpPr>
-        <p:grpSpPr>
+        </p:nvSpPr>
+        <p:spPr>
           <a:xfrm>
-            <a:off x="26539293" y="23593562"/>
-            <a:ext cx="10890348" cy="3932923"/>
-            <a:chOff x="26248152" y="18090567"/>
-            <a:chExt cx="10890348" cy="3932923"/>
+            <a:off x="28729713" y="16561220"/>
+            <a:ext cx="7983437" cy="1938992"/>
           </a:xfrm>
-        </p:grpSpPr>
-        <p:pic>
-          <p:nvPicPr>
-            <p:cNvPr id="1029" name="Picture 5"/>
-            <p:cNvPicPr>
-              <a:picLocks noChangeAspect="1" noChangeArrowheads="1"/>
-            </p:cNvPicPr>
-            <p:nvPr/>
-          </p:nvPicPr>
-          <p:blipFill>
-            <a:blip r:embed="rId12"/>
-            <a:srcRect/>
-            <a:stretch>
-              <a:fillRect/>
-            </a:stretch>
-          </p:blipFill>
-          <p:spPr bwMode="auto">
-            <a:xfrm>
-              <a:off x="32014486" y="18417376"/>
-              <a:ext cx="3547524" cy="2109597"/>
-            </a:xfrm>
-            <a:prstGeom prst="rect">
-              <a:avLst/>
-            </a:prstGeom>
-            <a:noFill/>
-            <a:ln w="9525">
-              <a:noFill/>
-              <a:miter lim="800000"/>
-              <a:headEnd/>
-              <a:tailEnd/>
-            </a:ln>
-          </p:spPr>
-        </p:pic>
-        <p:pic>
-          <p:nvPicPr>
-            <p:cNvPr id="20" name="Picture 19"/>
-            <p:cNvPicPr>
-              <a:picLocks noChangeAspect="1"/>
-            </p:cNvPicPr>
-            <p:nvPr/>
-          </p:nvPicPr>
-          <p:blipFill>
-            <a:blip r:embed="rId13">
-              <a:extLst>
-                <a:ext uri="{28A0092B-C50C-407E-A947-70E740481C1C}">
-                  <a14:useLocalDpi xmlns:a14="http://schemas.microsoft.com/office/drawing/2010/main" val="0"/>
-                </a:ext>
-              </a:extLst>
-            </a:blip>
-            <a:stretch>
-              <a:fillRect/>
-            </a:stretch>
-          </p:blipFill>
-          <p:spPr>
-            <a:xfrm>
-              <a:off x="26742825" y="18090567"/>
-              <a:ext cx="3513001" cy="2364321"/>
-            </a:xfrm>
-            <a:prstGeom prst="rect">
-              <a:avLst/>
-            </a:prstGeom>
-          </p:spPr>
-        </p:pic>
-        <p:sp>
-          <p:nvSpPr>
-            <p:cNvPr id="47" name="TextBox 46"/>
-            <p:cNvSpPr txBox="1"/>
-            <p:nvPr/>
-          </p:nvSpPr>
-          <p:spPr>
-            <a:xfrm>
-              <a:off x="26248152" y="21192493"/>
-              <a:ext cx="10890348" cy="830997"/>
-            </a:xfrm>
-            <a:prstGeom prst="rect">
-              <a:avLst/>
-            </a:prstGeom>
-            <a:noFill/>
-          </p:spPr>
-          <p:txBody>
-            <a:bodyPr wrap="square" rtlCol="0">
-              <a:spAutoFit/>
-            </a:bodyPr>
-            <a:lstStyle/>
-            <a:p>
-              <a:r>
-                <a:rPr lang="en-US" sz="2400" dirty="0" smtClean="0">
-                  <a:latin typeface="Times" panose="02020603050405020304" pitchFamily="18" charset="0"/>
-                  <a:cs typeface="Times" panose="02020603050405020304" pitchFamily="18" charset="0"/>
-                </a:rPr>
-                <a:t>Figure 7: Landscape and aerial views of Lancer Park Pond (LPP). LPP is a </a:t>
-              </a:r>
-              <a:r>
-                <a:rPr lang="en-US" sz="2400" dirty="0" err="1" smtClean="0">
-                  <a:latin typeface="Times" panose="02020603050405020304" pitchFamily="18" charset="0"/>
-                  <a:cs typeface="Times" panose="02020603050405020304" pitchFamily="18" charset="0"/>
-                </a:rPr>
-                <a:t>stormwater</a:t>
-              </a:r>
-              <a:r>
-                <a:rPr lang="en-US" sz="2400" dirty="0" smtClean="0">
-                  <a:latin typeface="Times" panose="02020603050405020304" pitchFamily="18" charset="0"/>
-                  <a:cs typeface="Times" panose="02020603050405020304" pitchFamily="18" charset="0"/>
-                </a:rPr>
-                <a:t> pond with a surface area of 0.06 ha and a maximum depth of 1.5m. </a:t>
-              </a:r>
-              <a:endParaRPr lang="en-US" sz="2400" dirty="0">
+          <a:prstGeom prst="rect">
+            <a:avLst/>
+          </a:prstGeom>
+          <a:noFill/>
+        </p:spPr>
+        <p:txBody>
+          <a:bodyPr wrap="square" rtlCol="0">
+            <a:spAutoFit/>
+          </a:bodyPr>
+          <a:lstStyle/>
+          <a:p>
+            <a:r>
+              <a:rPr lang="en-US" sz="2400" dirty="0" smtClean="0">
                 <a:latin typeface="Times" panose="02020603050405020304" pitchFamily="18" charset="0"/>
                 <a:cs typeface="Times" panose="02020603050405020304" pitchFamily="18" charset="0"/>
-              </a:endParaRPr>
-            </a:p>
-          </p:txBody>
-        </p:sp>
-      </p:grpSp>
+              </a:rPr>
+              <a:t>A </a:t>
+            </a:r>
+            <a:r>
+              <a:rPr lang="en-US" sz="2400" dirty="0" smtClean="0">
+                <a:latin typeface="Times" panose="02020603050405020304" pitchFamily="18" charset="0"/>
+                <a:cs typeface="Times" panose="02020603050405020304" pitchFamily="18" charset="0"/>
+              </a:rPr>
+              <a:t>comparison of the </a:t>
+            </a:r>
+            <a:r>
+              <a:rPr lang="en-US" sz="2400" dirty="0" smtClean="0">
+                <a:latin typeface="Times" panose="02020603050405020304" pitchFamily="18" charset="0"/>
+                <a:cs typeface="Times" panose="02020603050405020304" pitchFamily="18" charset="0"/>
+              </a:rPr>
+              <a:t>amount of labile dissolved organic matter over time in BOD bottles with and withou</a:t>
+            </a:r>
+            <a:r>
+              <a:rPr lang="en-US" sz="2400" dirty="0" smtClean="0">
+                <a:latin typeface="Times" panose="02020603050405020304" pitchFamily="18" charset="0"/>
+                <a:cs typeface="Times" panose="02020603050405020304" pitchFamily="18" charset="0"/>
+              </a:rPr>
+              <a:t>t leaf litter. The leaf litter resulted in an initial increase in the amount of labile dissolved organic matter but this effect did not persist past the first week of incubation,</a:t>
+            </a:r>
+            <a:endParaRPr lang="en-US" sz="2400" dirty="0">
+              <a:latin typeface="Times" panose="02020603050405020304" pitchFamily="18" charset="0"/>
+              <a:cs typeface="Times" panose="02020603050405020304" pitchFamily="18" charset="0"/>
+            </a:endParaRPr>
+          </a:p>
+        </p:txBody>
+      </p:sp>
+      <p:sp>
+        <p:nvSpPr>
+          <p:cNvPr id="74" name="TextBox 73"/>
+          <p:cNvSpPr txBox="1">
+            <a:spLocks noChangeAspect="1"/>
+          </p:cNvSpPr>
+          <p:nvPr/>
+        </p:nvSpPr>
+        <p:spPr>
+          <a:xfrm>
+            <a:off x="21379779" y="31281489"/>
+            <a:ext cx="6483315" cy="2242465"/>
+          </a:xfrm>
+          <a:prstGeom prst="rect">
+            <a:avLst/>
+          </a:prstGeom>
+          <a:noFill/>
+        </p:spPr>
+        <p:txBody>
+          <a:bodyPr wrap="square" lIns="87179" tIns="43589" rIns="87179" bIns="43589" rtlCol="0">
+            <a:spAutoFit/>
+          </a:bodyPr>
+          <a:lstStyle/>
+          <a:p>
+            <a:r>
+              <a:rPr lang="en-US" sz="2000" dirty="0">
+                <a:latin typeface="Times New Roman"/>
+                <a:cs typeface="Times New Roman"/>
+              </a:rPr>
+              <a:t>Carpenter, J. H., 1965. The Chesapeake Bay Institute technique for the Winkler dissolved oxygen method. Limnology and Oceanography 10:144-143</a:t>
+            </a:r>
+            <a:r>
+              <a:rPr lang="en-US" sz="2000" dirty="0" smtClean="0">
+                <a:latin typeface="Times New Roman"/>
+                <a:cs typeface="Times New Roman"/>
+              </a:rPr>
+              <a:t>.</a:t>
+            </a:r>
+          </a:p>
+          <a:p>
+            <a:endParaRPr lang="en-US" sz="2000" dirty="0" smtClean="0">
+              <a:latin typeface="Times New Roman"/>
+              <a:cs typeface="Times New Roman"/>
+            </a:endParaRPr>
+          </a:p>
+          <a:p>
+            <a:r>
+              <a:rPr lang="en-US" sz="2000" dirty="0" err="1">
+                <a:latin typeface="Times New Roman"/>
+                <a:cs typeface="Times New Roman"/>
+              </a:rPr>
+              <a:t>Gessner</a:t>
+            </a:r>
+            <a:r>
+              <a:rPr lang="en-US" sz="2000" dirty="0">
+                <a:latin typeface="Times New Roman"/>
+                <a:cs typeface="Times New Roman"/>
+              </a:rPr>
+              <a:t>, M. O., </a:t>
+            </a:r>
+            <a:r>
+              <a:rPr lang="en-US" sz="2000" dirty="0" err="1">
+                <a:latin typeface="Times New Roman"/>
+                <a:cs typeface="Times New Roman"/>
+              </a:rPr>
+              <a:t>Chauvet</a:t>
+            </a:r>
+            <a:r>
+              <a:rPr lang="en-US" sz="2000" dirty="0">
+                <a:latin typeface="Times New Roman"/>
+                <a:cs typeface="Times New Roman"/>
+              </a:rPr>
+              <a:t>, E., and Dobson, M. 1999. A perspective on leaf litter breakdown in streams. </a:t>
+            </a:r>
+            <a:r>
+              <a:rPr lang="en-US" sz="2000" dirty="0" err="1">
+                <a:latin typeface="Times New Roman"/>
+                <a:cs typeface="Times New Roman"/>
+              </a:rPr>
+              <a:t>Oikos</a:t>
+            </a:r>
+            <a:r>
+              <a:rPr lang="en-US" sz="2000" dirty="0">
+                <a:latin typeface="Times New Roman"/>
+                <a:cs typeface="Times New Roman"/>
+              </a:rPr>
+              <a:t> 85:377-384. </a:t>
+            </a:r>
+            <a:endParaRPr lang="en-US" sz="2000" dirty="0">
+              <a:latin typeface="Times New Roman"/>
+              <a:cs typeface="Times New Roman"/>
+            </a:endParaRPr>
+          </a:p>
+        </p:txBody>
+      </p:sp>
+      <p:sp>
+        <p:nvSpPr>
+          <p:cNvPr id="75" name="Rectangle 74"/>
+          <p:cNvSpPr/>
+          <p:nvPr/>
+        </p:nvSpPr>
+        <p:spPr>
+          <a:xfrm>
+            <a:off x="21088236" y="29735725"/>
+            <a:ext cx="7066402" cy="977350"/>
+          </a:xfrm>
+          <a:prstGeom prst="rect">
+            <a:avLst/>
+          </a:prstGeom>
+          <a:solidFill>
+            <a:schemeClr val="tx2"/>
+          </a:solidFill>
+          <a:effectLst/>
+        </p:spPr>
+        <p:style>
+          <a:lnRef idx="1">
+            <a:schemeClr val="accent1"/>
+          </a:lnRef>
+          <a:fillRef idx="3">
+            <a:schemeClr val="accent1"/>
+          </a:fillRef>
+          <a:effectRef idx="2">
+            <a:schemeClr val="accent1"/>
+          </a:effectRef>
+          <a:fontRef idx="minor">
+            <a:schemeClr val="lt1"/>
+          </a:fontRef>
+        </p:style>
+        <p:txBody>
+          <a:bodyPr rtlCol="0" anchor="ctr"/>
+          <a:lstStyle/>
+          <a:p>
+            <a:pPr algn="ctr"/>
+            <a:r>
+              <a:rPr lang="en-US" sz="5400" dirty="0" smtClean="0"/>
+              <a:t>Literature Cited</a:t>
+            </a:r>
+            <a:endParaRPr lang="en-US" sz="5400" dirty="0"/>
+          </a:p>
+        </p:txBody>
+      </p:sp>
+      <p:sp>
+        <p:nvSpPr>
+          <p:cNvPr id="76" name="TextBox 75"/>
+          <p:cNvSpPr txBox="1">
+            <a:spLocks noChangeAspect="1"/>
+          </p:cNvSpPr>
+          <p:nvPr/>
+        </p:nvSpPr>
+        <p:spPr>
+          <a:xfrm>
+            <a:off x="29652051" y="31281489"/>
+            <a:ext cx="6483315" cy="2550242"/>
+          </a:xfrm>
+          <a:prstGeom prst="rect">
+            <a:avLst/>
+          </a:prstGeom>
+          <a:noFill/>
+        </p:spPr>
+        <p:txBody>
+          <a:bodyPr wrap="square" lIns="87179" tIns="43589" rIns="87179" bIns="43589" rtlCol="0">
+            <a:spAutoFit/>
+          </a:bodyPr>
+          <a:lstStyle/>
+          <a:p>
+            <a:r>
+              <a:rPr lang="en-US" sz="2000" dirty="0">
+                <a:latin typeface="Times New Roman" pitchFamily="18" charset="0"/>
+                <a:cs typeface="Times New Roman" pitchFamily="18" charset="0"/>
+              </a:rPr>
+              <a:t>We would like to thank Longwood University, the Longwood Real Estate Foundation, the Town of Farmville, and </a:t>
+            </a:r>
+            <a:r>
+              <a:rPr lang="en-US" sz="2000" dirty="0" err="1">
+                <a:latin typeface="Times New Roman" pitchFamily="18" charset="0"/>
+                <a:cs typeface="Times New Roman" pitchFamily="18" charset="0"/>
+              </a:rPr>
+              <a:t>Daulton</a:t>
+            </a:r>
+            <a:r>
+              <a:rPr lang="en-US" sz="2000" dirty="0">
+                <a:latin typeface="Times New Roman" pitchFamily="18" charset="0"/>
+                <a:cs typeface="Times New Roman" pitchFamily="18" charset="0"/>
+              </a:rPr>
+              <a:t> Farm for permission to sample the ponds. We would also like to thank the Longwood University PRISM program, the Longwood University Department of Biological and Environmental Sciences and the Cook Cole College of Arts and Sciences for funding. </a:t>
+            </a:r>
+          </a:p>
+          <a:p>
+            <a:endParaRPr lang="en-US" sz="2000" dirty="0">
+              <a:latin typeface="Times New Roman"/>
+              <a:cs typeface="Times New Roman"/>
+            </a:endParaRPr>
+          </a:p>
+        </p:txBody>
+      </p:sp>
+      <p:sp>
+        <p:nvSpPr>
+          <p:cNvPr id="77" name="Rectangle 76"/>
+          <p:cNvSpPr/>
+          <p:nvPr/>
+        </p:nvSpPr>
+        <p:spPr>
+          <a:xfrm>
+            <a:off x="29360508" y="29735725"/>
+            <a:ext cx="7066402" cy="977350"/>
+          </a:xfrm>
+          <a:prstGeom prst="rect">
+            <a:avLst/>
+          </a:prstGeom>
+          <a:solidFill>
+            <a:schemeClr val="tx2"/>
+          </a:solidFill>
+          <a:effectLst/>
+        </p:spPr>
+        <p:style>
+          <a:lnRef idx="1">
+            <a:schemeClr val="accent1"/>
+          </a:lnRef>
+          <a:fillRef idx="3">
+            <a:schemeClr val="accent1"/>
+          </a:fillRef>
+          <a:effectRef idx="2">
+            <a:schemeClr val="accent1"/>
+          </a:effectRef>
+          <a:fontRef idx="minor">
+            <a:schemeClr val="lt1"/>
+          </a:fontRef>
+        </p:style>
+        <p:txBody>
+          <a:bodyPr rtlCol="0" anchor="ctr"/>
+          <a:lstStyle/>
+          <a:p>
+            <a:pPr algn="ctr"/>
+            <a:r>
+              <a:rPr lang="en-US" sz="5400" dirty="0" smtClean="0"/>
+              <a:t>Acknowledgements </a:t>
+            </a:r>
+            <a:endParaRPr lang="en-US" sz="5400" dirty="0"/>
+          </a:p>
+        </p:txBody>
+      </p:sp>
     </p:spTree>
     <p:extLst>
       <p:ext uri="{BB962C8B-B14F-4D97-AF65-F5344CB8AC3E}">
@@ -5270,7 +6342,7 @@
   <p:timing>
     <p:tnLst>
       <p:par>
-        <p:cTn id="1" dur="indefinite" restart="never" nodeType="tmRoot"/>
+        <p:cTn xmlns:p14="http://schemas.microsoft.com/office/powerpoint/2010/main" id="1" dur="indefinite" restart="never" nodeType="tmRoot"/>
       </p:par>
     </p:tnLst>
   </p:timing>

--- a/lab_docs/PRISM 2014 Poster.pptx
+++ b/lab_docs/PRISM 2014 Poster.pptx
@@ -3773,8 +3773,8 @@
         </p:nvSpPr>
         <p:spPr>
           <a:xfrm>
-            <a:off x="577489" y="7294736"/>
-            <a:ext cx="8766891" cy="8582662"/>
+            <a:off x="1225600" y="7556023"/>
+            <a:ext cx="8251475" cy="6859114"/>
           </a:xfrm>
           <a:prstGeom prst="rect">
             <a:avLst/>
@@ -3789,188 +3789,503 @@
           <a:p>
             <a:pPr algn="just"/>
             <a:r>
-              <a:rPr lang="en-US" sz="2400" dirty="0" smtClean="0">
+              <a:rPr lang="en-US" sz="2000" dirty="0" smtClean="0">
                 <a:latin typeface="Times"/>
                 <a:cs typeface="Times"/>
               </a:rPr>
               <a:t>On </a:t>
             </a:r>
             <a:r>
-              <a:rPr lang="en-US" sz="2400" dirty="0">
+              <a:rPr lang="en-US" sz="2000" dirty="0">
                 <a:latin typeface="Times"/>
                 <a:cs typeface="Times"/>
               </a:rPr>
               <a:t>a global scale, the abundance and surface area of man-made ponds is nearly equal to that of natural ponds (Downing 2007). Despite this, little is known about the </a:t>
             </a:r>
             <a:r>
-              <a:rPr lang="en-US" sz="2400" dirty="0" smtClean="0">
+              <a:rPr lang="en-US" sz="2000" dirty="0" smtClean="0">
                 <a:latin typeface="Times"/>
                 <a:cs typeface="Times"/>
               </a:rPr>
               <a:t>biogeochemical nutrient cycling </a:t>
             </a:r>
             <a:r>
-              <a:rPr lang="en-US" sz="2400" dirty="0">
+              <a:rPr lang="en-US" sz="2000" dirty="0">
                 <a:latin typeface="Times"/>
                 <a:cs typeface="Times"/>
               </a:rPr>
               <a:t>of man-made </a:t>
             </a:r>
             <a:r>
-              <a:rPr lang="en-US" sz="2400" dirty="0" smtClean="0">
+              <a:rPr lang="en-US" sz="2000" dirty="0" smtClean="0">
                 <a:latin typeface="Times"/>
                 <a:cs typeface="Times"/>
               </a:rPr>
               <a:t>ponds. </a:t>
             </a:r>
             <a:r>
-              <a:rPr lang="en-US" sz="2400" dirty="0">
+              <a:rPr lang="en-US" sz="2000" dirty="0">
                 <a:latin typeface="Times"/>
                 <a:cs typeface="Times"/>
               </a:rPr>
               <a:t>Recent research suggests </a:t>
             </a:r>
             <a:r>
-              <a:rPr lang="en-US" sz="2400" dirty="0" smtClean="0">
+              <a:rPr lang="en-US" sz="2000" dirty="0" smtClean="0">
                 <a:latin typeface="Times"/>
                 <a:cs typeface="Times"/>
               </a:rPr>
               <a:t>that leaf litter </a:t>
             </a:r>
             <a:r>
-              <a:rPr lang="en-US" sz="2400" dirty="0">
+              <a:rPr lang="en-US" sz="2000" dirty="0">
                 <a:latin typeface="Times"/>
                 <a:cs typeface="Times"/>
               </a:rPr>
               <a:t>is an important resource in ponds because it is abundant, variable, and decomposes slowly (</a:t>
             </a:r>
             <a:r>
-              <a:rPr lang="en-US" sz="2400" dirty="0" err="1" smtClean="0">
+              <a:rPr lang="en-US" sz="2000" dirty="0" err="1" smtClean="0">
                 <a:latin typeface="Times"/>
                 <a:cs typeface="Times"/>
               </a:rPr>
               <a:t>Fortino</a:t>
             </a:r>
             <a:r>
-              <a:rPr lang="en-US" sz="2400" dirty="0" smtClean="0">
+              <a:rPr lang="en-US" sz="2000" dirty="0" smtClean="0">
                 <a:latin typeface="Times"/>
                 <a:cs typeface="Times"/>
               </a:rPr>
               <a:t> unpublished data). </a:t>
             </a:r>
             <a:r>
-              <a:rPr lang="en-US" sz="2400" dirty="0">
-                <a:latin typeface="Times"/>
-                <a:cs typeface="Times"/>
-              </a:rPr>
-              <a:t>In order to better understand its significance, an experiment was devised that allowed us to simultaneously test the effects of </a:t>
-            </a:r>
-            <a:r>
-              <a:rPr lang="en-US" sz="2400" dirty="0" smtClean="0">
-                <a:latin typeface="Times"/>
-                <a:cs typeface="Times"/>
-              </a:rPr>
-              <a:t>leaf litter on sediment oxygen demand (SOD), and to see if leaf litter alters SOD in a nutrient enriched system. The </a:t>
-            </a:r>
-            <a:r>
-              <a:rPr lang="en-US" sz="2400" dirty="0">
+              <a:rPr lang="en-US" sz="2000" dirty="0">
+                <a:latin typeface="Times"/>
+                <a:cs typeface="Times"/>
+              </a:rPr>
+              <a:t>In order to better understand its significance, </a:t>
+            </a:r>
+            <a:r>
+              <a:rPr lang="en-US" sz="2000" dirty="0" smtClean="0">
+                <a:latin typeface="Times"/>
+                <a:cs typeface="Times"/>
+              </a:rPr>
+              <a:t>we simultaneously tested </a:t>
+            </a:r>
+            <a:r>
+              <a:rPr lang="en-US" sz="2000" dirty="0">
+                <a:latin typeface="Times"/>
+                <a:cs typeface="Times"/>
+              </a:rPr>
+              <a:t>the effects of </a:t>
+            </a:r>
+            <a:r>
+              <a:rPr lang="en-US" sz="2000" dirty="0" smtClean="0">
+                <a:latin typeface="Times"/>
+                <a:cs typeface="Times"/>
+              </a:rPr>
+              <a:t>leaf </a:t>
+            </a:r>
+            <a:r>
+              <a:rPr lang="en-US" sz="2000" dirty="0" smtClean="0">
+                <a:latin typeface="Times"/>
+                <a:cs typeface="Times"/>
+              </a:rPr>
+              <a:t>litter (20, 1 cm </a:t>
+            </a:r>
+            <a:r>
+              <a:rPr lang="en-US" sz="2000" dirty="0" err="1" smtClean="0">
+                <a:latin typeface="Times"/>
+                <a:cs typeface="Times"/>
+              </a:rPr>
+              <a:t>senecent</a:t>
+            </a:r>
+            <a:r>
+              <a:rPr lang="en-US" sz="2000" dirty="0" smtClean="0">
+                <a:latin typeface="Times"/>
+                <a:cs typeface="Times"/>
+              </a:rPr>
+              <a:t> tulip poplar leaf disks) and nutrient enrichment (300 μg L</a:t>
+            </a:r>
+            <a:r>
+              <a:rPr lang="en-US" sz="2000" baseline="30000" dirty="0" smtClean="0">
+                <a:latin typeface="Times"/>
+                <a:cs typeface="Times"/>
+              </a:rPr>
+              <a:t>-1</a:t>
+            </a:r>
+            <a:r>
+              <a:rPr lang="en-US" sz="2000" dirty="0" smtClean="0">
+                <a:latin typeface="Times"/>
+                <a:cs typeface="Times"/>
+              </a:rPr>
+              <a:t> DIN </a:t>
+            </a:r>
+            <a:r>
+              <a:rPr lang="en-US" sz="2000" dirty="0">
+                <a:latin typeface="Times"/>
+                <a:cs typeface="Times"/>
+              </a:rPr>
+              <a:t>+ 30μg L</a:t>
+            </a:r>
+            <a:r>
+              <a:rPr lang="en-US" sz="2000" baseline="30000" dirty="0">
+                <a:latin typeface="Times"/>
+                <a:cs typeface="Times"/>
+              </a:rPr>
+              <a:t>-1</a:t>
+            </a:r>
+            <a:r>
+              <a:rPr lang="en-US" sz="2000" dirty="0">
+                <a:latin typeface="Times"/>
+                <a:cs typeface="Times"/>
+              </a:rPr>
+              <a:t> </a:t>
+            </a:r>
+            <a:r>
+              <a:rPr lang="en-US" sz="2000" dirty="0" smtClean="0">
+                <a:latin typeface="Times"/>
+                <a:cs typeface="Times"/>
+              </a:rPr>
+              <a:t>DIP) on </a:t>
+            </a:r>
+            <a:r>
+              <a:rPr lang="en-US" sz="2000" dirty="0" smtClean="0">
+                <a:latin typeface="Times"/>
+                <a:cs typeface="Times"/>
+              </a:rPr>
+              <a:t>sediment oxygen demand (SOD</a:t>
+            </a:r>
+            <a:r>
+              <a:rPr lang="en-US" sz="2000" dirty="0" smtClean="0">
+                <a:latin typeface="Times"/>
+                <a:cs typeface="Times"/>
+              </a:rPr>
+              <a:t>)</a:t>
+            </a:r>
+            <a:r>
+              <a:rPr lang="en-US" sz="2000" dirty="0">
+                <a:latin typeface="Times"/>
+                <a:cs typeface="Times"/>
+              </a:rPr>
+              <a:t>.</a:t>
+            </a:r>
+            <a:r>
+              <a:rPr lang="en-US" sz="2000" dirty="0" smtClean="0">
+                <a:latin typeface="Times"/>
+                <a:cs typeface="Times"/>
+              </a:rPr>
+              <a:t> </a:t>
+            </a:r>
+            <a:r>
+              <a:rPr lang="en-US" sz="2000" dirty="0" smtClean="0">
+                <a:latin typeface="Times"/>
+                <a:cs typeface="Times"/>
+              </a:rPr>
+              <a:t>The </a:t>
+            </a:r>
+            <a:r>
+              <a:rPr lang="en-US" sz="2000" dirty="0">
                 <a:latin typeface="Times"/>
                 <a:cs typeface="Times"/>
               </a:rPr>
               <a:t>experiment utilized </a:t>
             </a:r>
             <a:r>
-              <a:rPr lang="en-US" sz="2400" dirty="0" smtClean="0">
+              <a:rPr lang="en-US" sz="2000" dirty="0" smtClean="0">
                 <a:latin typeface="Times"/>
                 <a:cs typeface="Times"/>
               </a:rPr>
               <a:t>a complete </a:t>
             </a:r>
             <a:r>
-              <a:rPr lang="en-US" sz="2400" dirty="0">
-                <a:latin typeface="Times"/>
-                <a:cs typeface="Times"/>
-              </a:rPr>
-              <a:t>factorial design, with four BOD bottles for each treatment level. To perform the experiment, sediment samples were collected on 29 May 2014 and water samples on 9 June 2014 from a local, man-made pond, Lancer Park Pond. These samples were placed into 300 ml BOD bottles to mimic a man-made system, and then stored in a cool, dark place between sample runs. It was found that </a:t>
-            </a:r>
-            <a:r>
-              <a:rPr lang="en-US" sz="2400" dirty="0" smtClean="0">
-                <a:latin typeface="Times"/>
-                <a:cs typeface="Times"/>
-              </a:rPr>
-              <a:t>leaf litter, </a:t>
-            </a:r>
-            <a:r>
-              <a:rPr lang="en-US" sz="2400" dirty="0">
-                <a:latin typeface="Times"/>
-                <a:cs typeface="Times"/>
-              </a:rPr>
-              <a:t>and to a lesser degree nutrient enrichment, increased overall sediment oxygen demand in the system. Spectrometry scans revealed that the labile organic matter greatly decreased in the </a:t>
-            </a:r>
-            <a:r>
-              <a:rPr lang="en-US" sz="2400" dirty="0" smtClean="0">
-                <a:latin typeface="Times"/>
-                <a:cs typeface="Times"/>
-              </a:rPr>
-              <a:t>leaf litter treatments, </a:t>
-            </a:r>
-            <a:r>
-              <a:rPr lang="en-US" sz="2400" dirty="0">
-                <a:latin typeface="Times"/>
-                <a:cs typeface="Times"/>
-              </a:rPr>
-              <a:t>eventually </a:t>
-            </a:r>
-            <a:r>
-              <a:rPr lang="en-US" sz="2400" dirty="0" smtClean="0">
-                <a:latin typeface="Times"/>
-                <a:cs typeface="Times"/>
-              </a:rPr>
-              <a:t>stabilizing around the last two samples runs. Based </a:t>
-            </a:r>
-            <a:r>
-              <a:rPr lang="en-US" sz="2400" dirty="0">
-                <a:latin typeface="Times"/>
-                <a:cs typeface="Times"/>
-              </a:rPr>
-              <a:t>on </a:t>
-            </a:r>
-            <a:r>
-              <a:rPr lang="en-US" sz="2400" dirty="0" smtClean="0">
-                <a:latin typeface="Times"/>
-                <a:cs typeface="Times"/>
-              </a:rPr>
-              <a:t>additional </a:t>
-            </a:r>
-            <a:r>
-              <a:rPr lang="en-US" sz="2400" dirty="0">
-                <a:latin typeface="Times"/>
-                <a:cs typeface="Times"/>
-              </a:rPr>
-              <a:t>analyses, we also found </a:t>
-            </a:r>
-            <a:r>
-              <a:rPr lang="en-US" sz="2400" dirty="0" smtClean="0">
-                <a:latin typeface="Times"/>
-                <a:cs typeface="Times"/>
-              </a:rPr>
-              <a:t>evidence suggesting </a:t>
-            </a:r>
-            <a:r>
-              <a:rPr lang="en-US" sz="2400" dirty="0">
-                <a:latin typeface="Times"/>
-                <a:cs typeface="Times"/>
-              </a:rPr>
-              <a:t>that the kind of organic matter introduced to the system was more important than the </a:t>
-            </a:r>
-            <a:r>
-              <a:rPr lang="en-US" sz="2400" dirty="0" smtClean="0">
-                <a:latin typeface="Times"/>
-                <a:cs typeface="Times"/>
-              </a:rPr>
-              <a:t>abundance. </a:t>
-            </a:r>
-            <a:endParaRPr lang="en-US" sz="2400" dirty="0">
+              <a:rPr lang="en-US" sz="2000" dirty="0">
+                <a:latin typeface="Times"/>
+                <a:cs typeface="Times"/>
+              </a:rPr>
+              <a:t>factorial design, with four </a:t>
+            </a:r>
+            <a:r>
+              <a:rPr lang="en-US" sz="2000" dirty="0" smtClean="0">
+                <a:latin typeface="Times"/>
+                <a:cs typeface="Times"/>
+              </a:rPr>
+              <a:t>replicates for </a:t>
+            </a:r>
+            <a:r>
+              <a:rPr lang="en-US" sz="2000" dirty="0">
+                <a:latin typeface="Times"/>
+                <a:cs typeface="Times"/>
+              </a:rPr>
+              <a:t>each treatment </a:t>
+            </a:r>
+            <a:r>
+              <a:rPr lang="en-US" sz="2000" dirty="0" smtClean="0">
+                <a:latin typeface="Times"/>
+                <a:cs typeface="Times"/>
+              </a:rPr>
+              <a:t>combination. The sediment </a:t>
+            </a:r>
+            <a:r>
+              <a:rPr lang="en-US" sz="2000" dirty="0" err="1" smtClean="0">
+                <a:latin typeface="Times"/>
+                <a:cs typeface="Times"/>
+              </a:rPr>
+              <a:t>mesocosms</a:t>
+            </a:r>
+            <a:r>
+              <a:rPr lang="en-US" sz="2000" dirty="0" smtClean="0">
+                <a:latin typeface="Times"/>
+                <a:cs typeface="Times"/>
+              </a:rPr>
+              <a:t> </a:t>
+            </a:r>
+            <a:r>
+              <a:rPr lang="en-US" sz="2000" dirty="0" smtClean="0">
+                <a:latin typeface="Times"/>
+                <a:cs typeface="Times"/>
+              </a:rPr>
+              <a:t>were created in 300 ml BOD bottles using fine (&lt; 250 </a:t>
+            </a:r>
+            <a:r>
+              <a:rPr lang="en-US" sz="2000" dirty="0" err="1" smtClean="0">
+                <a:latin typeface="Times"/>
+                <a:cs typeface="Times"/>
+              </a:rPr>
+              <a:t>μm</a:t>
+            </a:r>
+            <a:r>
+              <a:rPr lang="en-US" sz="2000" dirty="0" smtClean="0">
+                <a:latin typeface="Times"/>
+                <a:cs typeface="Times"/>
+              </a:rPr>
+              <a:t>) </a:t>
+            </a:r>
+            <a:r>
+              <a:rPr lang="en-US" sz="2000" dirty="0" smtClean="0">
+                <a:latin typeface="Times"/>
+                <a:cs typeface="Times"/>
+              </a:rPr>
+              <a:t>sediments and water collected from </a:t>
+            </a:r>
+            <a:r>
+              <a:rPr lang="en-US" sz="2000" dirty="0">
+                <a:latin typeface="Times"/>
+                <a:cs typeface="Times"/>
+              </a:rPr>
+              <a:t>a </a:t>
+            </a:r>
+            <a:r>
+              <a:rPr lang="en-US" sz="2000" dirty="0" smtClean="0">
+                <a:latin typeface="Times"/>
+                <a:cs typeface="Times"/>
+              </a:rPr>
+              <a:t>small man</a:t>
+            </a:r>
+            <a:r>
+              <a:rPr lang="en-US" sz="2000" dirty="0">
+                <a:latin typeface="Times"/>
+                <a:cs typeface="Times"/>
+              </a:rPr>
+              <a:t>-made </a:t>
+            </a:r>
+            <a:r>
+              <a:rPr lang="en-US" sz="2000" dirty="0" smtClean="0">
+                <a:latin typeface="Times"/>
+                <a:cs typeface="Times"/>
+              </a:rPr>
+              <a:t>pond in Farmville, Va. The </a:t>
+            </a:r>
+            <a:r>
+              <a:rPr lang="en-US" sz="2000" dirty="0" err="1" smtClean="0">
+                <a:latin typeface="Times"/>
+                <a:cs typeface="Times"/>
+              </a:rPr>
+              <a:t>mesocsoms</a:t>
+            </a:r>
+            <a:r>
+              <a:rPr lang="en-US" sz="2000" dirty="0" smtClean="0">
+                <a:latin typeface="Times"/>
+                <a:cs typeface="Times"/>
+              </a:rPr>
+              <a:t> were incubated </a:t>
+            </a:r>
+            <a:r>
+              <a:rPr lang="en-US" sz="2000" dirty="0">
+                <a:latin typeface="Times"/>
+                <a:cs typeface="Times"/>
+              </a:rPr>
+              <a:t>in </a:t>
+            </a:r>
+            <a:r>
+              <a:rPr lang="en-US" sz="2000" dirty="0" smtClean="0">
+                <a:latin typeface="Times"/>
+                <a:cs typeface="Times"/>
+              </a:rPr>
+              <a:t>the </a:t>
+            </a:r>
+            <a:r>
+              <a:rPr lang="en-US" sz="2000" dirty="0" smtClean="0">
+                <a:latin typeface="Times"/>
+                <a:cs typeface="Times"/>
+              </a:rPr>
+              <a:t>dark for 22 days and sediment oxygen demand</a:t>
+            </a:r>
+            <a:r>
+              <a:rPr lang="en-US" sz="2000" dirty="0">
+                <a:latin typeface="Times"/>
+                <a:cs typeface="Times"/>
+              </a:rPr>
+              <a:t> </a:t>
+            </a:r>
+            <a:r>
+              <a:rPr lang="en-US" sz="2000" dirty="0" smtClean="0">
+                <a:latin typeface="Times"/>
+                <a:cs typeface="Times"/>
+              </a:rPr>
+              <a:t>and absorbance was measured at 1, 3, </a:t>
+            </a:r>
+            <a:r>
+              <a:rPr lang="en-US" sz="2000" dirty="0">
+                <a:latin typeface="Times"/>
+                <a:cs typeface="Times"/>
+              </a:rPr>
+              <a:t>8</a:t>
+            </a:r>
+            <a:r>
+              <a:rPr lang="en-US" sz="2000" dirty="0" smtClean="0">
+                <a:latin typeface="Times"/>
+                <a:cs typeface="Times"/>
+              </a:rPr>
+              <a:t>, 15, and 22 days</a:t>
+            </a:r>
+            <a:r>
+              <a:rPr lang="en-US" sz="2000" dirty="0" smtClean="0">
+                <a:latin typeface="Times"/>
+                <a:cs typeface="Times"/>
+              </a:rPr>
+              <a:t>. We found </a:t>
+            </a:r>
+            <a:r>
+              <a:rPr lang="en-US" sz="2000" dirty="0">
+                <a:latin typeface="Times"/>
+                <a:cs typeface="Times"/>
+              </a:rPr>
+              <a:t>that </a:t>
+            </a:r>
+            <a:r>
+              <a:rPr lang="en-US" sz="2000" dirty="0" smtClean="0">
+                <a:latin typeface="Times"/>
+                <a:cs typeface="Times"/>
+              </a:rPr>
+              <a:t>both leaf litter </a:t>
+            </a:r>
+            <a:r>
+              <a:rPr lang="en-US" sz="2000" dirty="0">
+                <a:latin typeface="Times"/>
+                <a:cs typeface="Times"/>
+              </a:rPr>
+              <a:t>and </a:t>
+            </a:r>
+            <a:r>
+              <a:rPr lang="en-US" sz="2000" dirty="0" smtClean="0">
+                <a:latin typeface="Times"/>
+                <a:cs typeface="Times"/>
+              </a:rPr>
+              <a:t>nutrient enrichment </a:t>
+            </a:r>
+            <a:r>
+              <a:rPr lang="en-US" sz="2000" dirty="0">
+                <a:latin typeface="Times"/>
+                <a:cs typeface="Times"/>
+              </a:rPr>
+              <a:t>increased </a:t>
+            </a:r>
+            <a:r>
+              <a:rPr lang="en-US" sz="2000" dirty="0" smtClean="0">
+                <a:latin typeface="Times"/>
+                <a:cs typeface="Times"/>
+              </a:rPr>
+              <a:t>sediment </a:t>
+            </a:r>
+            <a:r>
+              <a:rPr lang="en-US" sz="2000" dirty="0">
+                <a:latin typeface="Times"/>
+                <a:cs typeface="Times"/>
+              </a:rPr>
+              <a:t>oxygen </a:t>
+            </a:r>
+            <a:r>
+              <a:rPr lang="en-US" sz="2000" dirty="0" smtClean="0">
+                <a:latin typeface="Times"/>
+                <a:cs typeface="Times"/>
+              </a:rPr>
+              <a:t>demand, normalized to sediment organic matter content, but there was no interactio</a:t>
+            </a:r>
+            <a:r>
+              <a:rPr lang="en-US" sz="2000" dirty="0" smtClean="0">
+                <a:latin typeface="Times"/>
+                <a:cs typeface="Times"/>
+              </a:rPr>
+              <a:t>n between leaf litter and nutrient levels</a:t>
+            </a:r>
+            <a:r>
+              <a:rPr lang="en-US" sz="2000" dirty="0" smtClean="0">
+                <a:latin typeface="Times"/>
+                <a:cs typeface="Times"/>
+              </a:rPr>
+              <a:t>. Spectroscopy </a:t>
+            </a:r>
+            <a:r>
+              <a:rPr lang="en-US" sz="2000" dirty="0">
+                <a:latin typeface="Times"/>
+                <a:cs typeface="Times"/>
+              </a:rPr>
+              <a:t>scans revealed that the labile organic matter </a:t>
+            </a:r>
+            <a:r>
+              <a:rPr lang="en-US" sz="2000" dirty="0" smtClean="0">
+                <a:latin typeface="Times"/>
+                <a:cs typeface="Times"/>
+              </a:rPr>
+              <a:t>initially increased in the leaf </a:t>
+            </a:r>
+            <a:r>
+              <a:rPr lang="en-US" sz="2000" dirty="0" smtClean="0">
+                <a:latin typeface="Times"/>
+                <a:cs typeface="Times"/>
+              </a:rPr>
+              <a:t>litter treatments, </a:t>
+            </a:r>
+            <a:r>
+              <a:rPr lang="en-US" sz="2000" dirty="0" smtClean="0">
+                <a:latin typeface="Times"/>
+                <a:cs typeface="Times"/>
+              </a:rPr>
+              <a:t>but then declined and </a:t>
+            </a:r>
+            <a:r>
+              <a:rPr lang="en-US" sz="2000" dirty="0" smtClean="0">
+                <a:latin typeface="Times"/>
+                <a:cs typeface="Times"/>
+              </a:rPr>
+              <a:t>stabilized on the </a:t>
+            </a:r>
+            <a:r>
+              <a:rPr lang="en-US" sz="2000" dirty="0" smtClean="0">
+                <a:latin typeface="Times"/>
+                <a:cs typeface="Times"/>
+              </a:rPr>
+              <a:t>last two samples </a:t>
+            </a:r>
+            <a:r>
+              <a:rPr lang="en-US" sz="2000" dirty="0" smtClean="0">
+                <a:latin typeface="Times"/>
+                <a:cs typeface="Times"/>
+              </a:rPr>
+              <a:t>dates. The effect of leaf litter on SOD was greatest at 2 and 7 days of incubation and not significant after 21 days. These results indicate that sediment metabolism in this system is limited by organic matter quality and nutrients and that leaf litter can temporarily increase the availability of labile organic substrates.</a:t>
+            </a:r>
+            <a:endParaRPr lang="en-US" sz="2000" dirty="0">
               <a:latin typeface="Times"/>
               <a:cs typeface="Times"/>
             </a:endParaRPr>
@@ -3987,8 +4302,8 @@
         </p:nvSpPr>
         <p:spPr>
           <a:xfrm>
-            <a:off x="29652051" y="21334741"/>
-            <a:ext cx="6483315" cy="3396627"/>
+            <a:off x="29313395" y="20896831"/>
+            <a:ext cx="6483315" cy="7474667"/>
           </a:xfrm>
           <a:prstGeom prst="rect">
             <a:avLst/>
@@ -4006,32 +4321,25 @@
               <a:buChar char="•"/>
             </a:pPr>
             <a:r>
-              <a:rPr lang="en-US" sz="2300" dirty="0" smtClean="0">
-                <a:latin typeface="Helvetica"/>
-                <a:cs typeface="Helvetica"/>
-              </a:rPr>
-              <a:t>What </a:t>
-            </a:r>
-            <a:r>
-              <a:rPr lang="en-US" sz="2300" dirty="0">
-                <a:latin typeface="Helvetica"/>
-                <a:cs typeface="Helvetica"/>
-              </a:rPr>
-              <a:t>is the contribution of leaf litter to </a:t>
-            </a:r>
-            <a:r>
-              <a:rPr lang="en-US" sz="2300" dirty="0" smtClean="0">
-                <a:latin typeface="Helvetica"/>
-                <a:cs typeface="Helvetica"/>
-              </a:rPr>
-              <a:t>sediment oxygen demand in man-made ponds</a:t>
-            </a:r>
-            <a:r>
-              <a:rPr lang="en-US" sz="2300" dirty="0" smtClean="0">
-                <a:latin typeface="Helvetica"/>
-                <a:cs typeface="Helvetica"/>
-              </a:rPr>
-              <a:t>?</a:t>
+              <a:rPr lang="en-US" sz="3200" dirty="0" smtClean="0">
+                <a:latin typeface="Times New Roman"/>
+                <a:cs typeface="Times New Roman"/>
+              </a:rPr>
+              <a:t>Sediment microbial metabolism </a:t>
+            </a:r>
+            <a:r>
+              <a:rPr lang="en-US" sz="3200" dirty="0" smtClean="0">
+                <a:latin typeface="Times New Roman"/>
+                <a:cs typeface="Times New Roman"/>
+              </a:rPr>
+              <a:t>is more limited by o</a:t>
+            </a:r>
+            <a:r>
+              <a:rPr lang="en-US" sz="3200" dirty="0" smtClean="0">
+                <a:latin typeface="Times New Roman"/>
+                <a:cs typeface="Times New Roman"/>
+              </a:rPr>
+              <a:t>rganic matter source (i.e., quality) than by the quantity of organic matter in the sediments.</a:t>
             </a:r>
           </a:p>
           <a:p>
@@ -4039,9 +4347,9 @@
               <a:buFont typeface="Arial"/>
               <a:buChar char="•"/>
             </a:pPr>
-            <a:endParaRPr lang="en-US" sz="2300" dirty="0">
-              <a:latin typeface="Helvetica"/>
-              <a:cs typeface="Helvetica"/>
+            <a:endParaRPr lang="en-US" sz="3200" dirty="0">
+              <a:latin typeface="Times New Roman"/>
+              <a:cs typeface="Times New Roman"/>
             </a:endParaRPr>
           </a:p>
           <a:p>
@@ -4050,168 +4358,150 @@
               <a:buChar char="•"/>
             </a:pPr>
             <a:r>
-              <a:rPr lang="en-US" sz="2300" dirty="0" err="1" smtClean="0">
-                <a:latin typeface="Helvetica"/>
-                <a:cs typeface="Helvetica"/>
-              </a:rPr>
-              <a:t>th</a:t>
-            </a:r>
-            <a:endParaRPr lang="en-US" sz="2300" dirty="0">
-              <a:latin typeface="Helvetica"/>
-              <a:cs typeface="Helvetica"/>
-            </a:endParaRPr>
-          </a:p>
-          <a:p>
-            <a:endParaRPr lang="en-US" sz="2700" dirty="0">
-              <a:latin typeface="Helvetica"/>
-              <a:cs typeface="Helvetica"/>
-            </a:endParaRPr>
-          </a:p>
-          <a:p>
-            <a:pPr marL="435894" indent="-435894">
+              <a:rPr lang="en-US" sz="3200" dirty="0" smtClean="0">
+                <a:latin typeface="Times New Roman"/>
+                <a:cs typeface="Times New Roman"/>
+              </a:rPr>
+              <a:t>Leaf litter contributes a temporary source of higher quality organic matter that stimulates sediment microbial metabolism.</a:t>
+            </a:r>
+          </a:p>
+          <a:p>
+            <a:pPr marL="342900" indent="-342900">
               <a:buFont typeface="Arial"/>
               <a:buChar char="•"/>
             </a:pPr>
-            <a:endParaRPr lang="en-US" sz="2700" dirty="0">
-              <a:latin typeface="Times"/>
-              <a:cs typeface="Times"/>
+            <a:endParaRPr lang="en-US" sz="3200" dirty="0">
+              <a:latin typeface="Times New Roman"/>
+              <a:cs typeface="Times New Roman"/>
             </a:endParaRPr>
           </a:p>
           <a:p>
-            <a:r>
-              <a:rPr lang="en-US" sz="2300" dirty="0" smtClean="0">
-                <a:latin typeface="Helvetica"/>
-                <a:cs typeface="Helvetica"/>
-              </a:rPr>
-              <a:t>Does leaf litter affect sediment oxygen demand by altering the effects of nutrient enrichment?</a:t>
-            </a:r>
-            <a:endParaRPr lang="en-US" sz="2300" dirty="0">
-              <a:latin typeface="Helvetica"/>
-              <a:cs typeface="Helvetica"/>
-            </a:endParaRPr>
-          </a:p>
-        </p:txBody>
-      </p:sp>
-      <p:grpSp>
-        <p:nvGrpSpPr>
-          <p:cNvPr id="3" name="Group 2"/>
-          <p:cNvGrpSpPr/>
+            <a:pPr marL="342900" indent="-342900">
+              <a:buFont typeface="Arial"/>
+              <a:buChar char="•"/>
+            </a:pPr>
+            <a:r>
+              <a:rPr lang="en-US" sz="3200" dirty="0" smtClean="0">
+                <a:latin typeface="Times New Roman"/>
+                <a:cs typeface="Times New Roman"/>
+              </a:rPr>
+              <a:t>Sediment microbial communities are nutrient limited but the nutrient limitation is not increased by the presence of leaf litter.</a:t>
+            </a:r>
+          </a:p>
+        </p:txBody>
+      </p:sp>
+      <p:sp>
+        <p:nvSpPr>
+          <p:cNvPr id="30" name="TextBox 29"/>
+          <p:cNvSpPr txBox="1"/>
           <p:nvPr/>
-        </p:nvGrpSpPr>
-        <p:grpSpPr>
+        </p:nvSpPr>
+        <p:spPr>
           <a:xfrm>
-            <a:off x="512325" y="18050164"/>
-            <a:ext cx="8832055" cy="10587659"/>
-            <a:chOff x="432648" y="18772863"/>
-            <a:chExt cx="11022448" cy="16031431"/>
+            <a:off x="1452326" y="23733687"/>
+            <a:ext cx="7630630" cy="4524315"/>
           </a:xfrm>
-        </p:grpSpPr>
-        <p:sp>
-          <p:nvSpPr>
-            <p:cNvPr id="30" name="TextBox 29"/>
-            <p:cNvSpPr txBox="1"/>
-            <p:nvPr/>
-          </p:nvSpPr>
-          <p:spPr>
-            <a:xfrm>
-              <a:off x="1288791" y="27314540"/>
-              <a:ext cx="9523064" cy="7489754"/>
-            </a:xfrm>
-            <a:prstGeom prst="rect">
-              <a:avLst/>
-            </a:prstGeom>
+          <a:prstGeom prst="rect">
+            <a:avLst/>
+          </a:prstGeom>
+          <a:noFill/>
+        </p:spPr>
+        <p:txBody>
+          <a:bodyPr wrap="square" rtlCol="0">
+            <a:spAutoFit/>
+          </a:bodyPr>
+          <a:lstStyle/>
+          <a:p>
+            <a:pPr algn="just"/>
+            <a:r>
+              <a:rPr lang="en-US" sz="2400" dirty="0" smtClean="0">
+                <a:latin typeface="Times"/>
+                <a:cs typeface="Times"/>
+              </a:rPr>
+              <a:t>Leaf </a:t>
+            </a:r>
+            <a:r>
+              <a:rPr lang="en-US" sz="2400" dirty="0">
+                <a:latin typeface="Times"/>
+                <a:cs typeface="Times"/>
+              </a:rPr>
+              <a:t>litter that falls into ponds becomes coarse particulate organic matter (CPOM) in the sediments. The organic matter in the CPOM can be used as a food resource by shredding </a:t>
+            </a:r>
+            <a:r>
+              <a:rPr lang="en-US" sz="2400" dirty="0" err="1">
+                <a:latin typeface="Times"/>
+                <a:cs typeface="Times"/>
+              </a:rPr>
+              <a:t>macroinvertebrates</a:t>
+            </a:r>
+            <a:r>
+              <a:rPr lang="en-US" sz="2400" dirty="0">
+                <a:latin typeface="Times"/>
+                <a:cs typeface="Times"/>
+              </a:rPr>
+              <a:t>, and microbial (fungi and bacteria) communities (red arrows). The organic matter in the CPOM can also serve as a source of resources for organisms in the pond that do not use the CPOM directly (blue arrows). Soluble organic compounds leach from CPOM and produce dissolved organic matter. The consumption and metabolic activity of organisms using CPOM convert the CPOM mass into inorganic nutrients and CO</a:t>
+            </a:r>
+            <a:r>
+              <a:rPr lang="en-US" sz="2400" baseline="-25000" dirty="0">
+                <a:latin typeface="Times"/>
+                <a:cs typeface="Times"/>
+              </a:rPr>
+              <a:t>2</a:t>
+            </a:r>
+            <a:r>
+              <a:rPr lang="en-US" sz="2400" dirty="0">
+                <a:latin typeface="Times"/>
+                <a:cs typeface="Times"/>
+              </a:rPr>
+              <a:t>, as well as fine particulate organic matter. (figure adapted from </a:t>
+            </a:r>
+            <a:r>
+              <a:rPr lang="en-US" sz="2400" dirty="0" err="1">
+                <a:latin typeface="Times"/>
+                <a:cs typeface="Times"/>
+              </a:rPr>
+              <a:t>Gessner</a:t>
+            </a:r>
+            <a:r>
+              <a:rPr lang="en-US" sz="2400" dirty="0">
+                <a:latin typeface="Times"/>
+                <a:cs typeface="Times"/>
+              </a:rPr>
+              <a:t> et al. 1999).</a:t>
+            </a:r>
+          </a:p>
+        </p:txBody>
+      </p:sp>
+      <p:pic>
+        <p:nvPicPr>
+          <p:cNvPr id="58" name="Picture 57"/>
+          <p:cNvPicPr/>
+          <p:nvPr/>
+        </p:nvPicPr>
+        <p:blipFill>
+          <a:blip r:embed="rId4" cstate="print"/>
+          <a:srcRect/>
+          <a:stretch>
+            <a:fillRect/>
+          </a:stretch>
+        </p:blipFill>
+        <p:spPr bwMode="auto">
+          <a:xfrm>
+            <a:off x="766317" y="18092496"/>
+            <a:ext cx="8832055" cy="5335436"/>
+          </a:xfrm>
+          <a:prstGeom prst="rect">
+            <a:avLst/>
+          </a:prstGeom>
+          <a:noFill/>
+          <a:ln w="9525">
             <a:noFill/>
-          </p:spPr>
-          <p:txBody>
-            <a:bodyPr wrap="square" rtlCol="0">
-              <a:spAutoFit/>
-            </a:bodyPr>
-            <a:lstStyle/>
-            <a:p>
-              <a:pPr algn="just"/>
-              <a:r>
-                <a:rPr lang="en-US" sz="2400" dirty="0">
-                  <a:latin typeface="Times"/>
-                  <a:cs typeface="Times"/>
-                </a:rPr>
-                <a:t>Figure 1. Leaf litter that falls into ponds becomes coarse particulate organic matter (CPOM) in the sediments. The organic matter in the CPOM can be used as a food resource by shredding </a:t>
-              </a:r>
-              <a:r>
-                <a:rPr lang="en-US" sz="2400" dirty="0" err="1">
-                  <a:latin typeface="Times"/>
-                  <a:cs typeface="Times"/>
-                </a:rPr>
-                <a:t>macroinvertebrates</a:t>
-              </a:r>
-              <a:r>
-                <a:rPr lang="en-US" sz="2400" dirty="0">
-                  <a:latin typeface="Times"/>
-                  <a:cs typeface="Times"/>
-                </a:rPr>
-                <a:t>, and microbial (fungi and bacteria) communities (red arrows). The organic matter in the CPOM can also serve as a source of resources for organisms in the pond that do not use the CPOM directly (blue arrows). Soluble organic compounds leach from CPOM and produce dissolved organic matter. The consumption and metabolic activity of organisms using CPOM convert the CPOM mass into inorganic nutrients and CO</a:t>
-              </a:r>
-              <a:r>
-                <a:rPr lang="en-US" sz="2400" baseline="-25000" dirty="0">
-                  <a:latin typeface="Times"/>
-                  <a:cs typeface="Times"/>
-                </a:rPr>
-                <a:t>2</a:t>
-              </a:r>
-              <a:r>
-                <a:rPr lang="en-US" sz="2400" dirty="0">
-                  <a:latin typeface="Times"/>
-                  <a:cs typeface="Times"/>
-                </a:rPr>
-                <a:t>, as well as fine particulate organic matter. (figure adapted from </a:t>
-              </a:r>
-              <a:r>
-                <a:rPr lang="en-US" sz="2400" dirty="0" err="1">
-                  <a:latin typeface="Times"/>
-                  <a:cs typeface="Times"/>
-                </a:rPr>
-                <a:t>Gessner</a:t>
-              </a:r>
-              <a:r>
-                <a:rPr lang="en-US" sz="2400" dirty="0">
-                  <a:latin typeface="Times"/>
-                  <a:cs typeface="Times"/>
-                </a:rPr>
-                <a:t> et al. 1999).</a:t>
-              </a:r>
-            </a:p>
-          </p:txBody>
-        </p:sp>
-        <p:pic>
-          <p:nvPicPr>
-            <p:cNvPr id="58" name="Picture 57"/>
-            <p:cNvPicPr/>
-            <p:nvPr/>
-          </p:nvPicPr>
-          <p:blipFill>
-            <a:blip r:embed="rId4" cstate="print"/>
-            <a:srcRect/>
-            <a:stretch>
-              <a:fillRect/>
-            </a:stretch>
-          </p:blipFill>
-          <p:spPr bwMode="auto">
-            <a:xfrm>
-              <a:off x="432648" y="18772863"/>
-              <a:ext cx="11022448" cy="8078715"/>
-            </a:xfrm>
-            <a:prstGeom prst="rect">
-              <a:avLst/>
-            </a:prstGeom>
-            <a:noFill/>
-            <a:ln w="9525">
-              <a:noFill/>
-              <a:miter lim="800000"/>
-              <a:headEnd/>
-              <a:tailEnd/>
-            </a:ln>
-          </p:spPr>
-        </p:pic>
-      </p:grpSp>
+            <a:miter lim="800000"/>
+            <a:headEnd/>
+            <a:tailEnd/>
+          </a:ln>
+        </p:spPr>
+      </p:pic>
       <p:pic>
         <p:nvPicPr>
           <p:cNvPr id="15" name="Picture 14"/>
@@ -4250,10 +4540,10 @@
         </p:nvGrpSpPr>
         <p:grpSpPr>
           <a:xfrm>
-            <a:off x="9653365" y="29758122"/>
-            <a:ext cx="10033063" cy="7331744"/>
-            <a:chOff x="11014685" y="7146937"/>
-            <a:chExt cx="10890348" cy="7997463"/>
+            <a:off x="10613476" y="29714331"/>
+            <a:ext cx="8376681" cy="7400907"/>
+            <a:chOff x="11236109" y="7146937"/>
+            <a:chExt cx="9092434" cy="8072907"/>
           </a:xfrm>
         </p:grpSpPr>
         <p:grpSp>
@@ -4264,10 +4554,10 @@
           </p:nvGrpSpPr>
           <p:grpSpPr>
             <a:xfrm>
-              <a:off x="11236109" y="11734954"/>
-              <a:ext cx="9808535" cy="3409446"/>
-              <a:chOff x="469453" y="16201696"/>
-              <a:chExt cx="9348238" cy="4017591"/>
+              <a:off x="11236109" y="11514678"/>
+              <a:ext cx="9092430" cy="3705166"/>
+              <a:chOff x="469453" y="15942139"/>
+              <a:chExt cx="8665741" cy="4366061"/>
             </a:xfrm>
           </p:grpSpPr>
           <p:pic>
@@ -4292,8 +4582,8 @@
             </p:blipFill>
             <p:spPr>
               <a:xfrm>
-                <a:off x="924894" y="16201696"/>
-                <a:ext cx="2931291" cy="2320583"/>
+                <a:off x="788988" y="15945148"/>
+                <a:ext cx="3753058" cy="2971142"/>
               </a:xfrm>
               <a:prstGeom prst="rect">
                 <a:avLst/>
@@ -4322,8 +4612,8 @@
             </p:blipFill>
             <p:spPr>
               <a:xfrm>
-                <a:off x="5659040" y="16201696"/>
-                <a:ext cx="2931291" cy="2320583"/>
+                <a:off x="5160716" y="15942139"/>
+                <a:ext cx="3899054" cy="3086726"/>
               </a:xfrm>
               <a:prstGeom prst="rect">
                 <a:avLst/>
@@ -4339,7 +4629,7 @@
             <p:spPr>
               <a:xfrm>
                 <a:off x="469453" y="19240064"/>
-                <a:ext cx="9348238" cy="979223"/>
+                <a:ext cx="8665741" cy="1068136"/>
               </a:xfrm>
               <a:prstGeom prst="rect">
                 <a:avLst/>
@@ -4371,14 +4661,21 @@
                     <a:latin typeface="Times" panose="02020603050405020304" pitchFamily="18" charset="0"/>
                     <a:cs typeface="Times" panose="02020603050405020304" pitchFamily="18" charset="0"/>
                   </a:rPr>
-                  <a:t>: </a:t>
+                  <a:t>: An </a:t>
                 </a:r>
                 <a:r>
                   <a:rPr lang="en-US" sz="2400" dirty="0" smtClean="0">
                     <a:latin typeface="Times" panose="02020603050405020304" pitchFamily="18" charset="0"/>
                     <a:cs typeface="Times" panose="02020603050405020304" pitchFamily="18" charset="0"/>
                   </a:rPr>
-                  <a:t>A. An example of a BOD bottle with CPOM present. B. An example of a BOD bottle without CPOM.</a:t>
+                  <a:t>example of a BOD bottle with CPOM </a:t>
+                </a:r>
+                <a:r>
+                  <a:rPr lang="en-US" sz="2400" dirty="0" smtClean="0">
+                    <a:latin typeface="Times" panose="02020603050405020304" pitchFamily="18" charset="0"/>
+                    <a:cs typeface="Times" panose="02020603050405020304" pitchFamily="18" charset="0"/>
+                  </a:rPr>
+                  <a:t>present (A) and absent (B).</a:t>
                 </a:r>
                 <a:endParaRPr lang="en-US" sz="2400" dirty="0">
                   <a:latin typeface="Times" panose="02020603050405020304" pitchFamily="18" charset="0"/>
@@ -4395,8 +4692,8 @@
             </p:nvSpPr>
             <p:spPr>
               <a:xfrm>
-                <a:off x="3233694" y="17938215"/>
-                <a:ext cx="462529" cy="471478"/>
+                <a:off x="3951240" y="18089949"/>
+                <a:ext cx="462529" cy="751652"/>
               </a:xfrm>
               <a:prstGeom prst="rect">
                 <a:avLst/>
@@ -4410,10 +4707,10 @@
               <a:lstStyle/>
               <a:p>
                 <a:r>
-                  <a:rPr lang="en-US" sz="2000" dirty="0" smtClean="0"/>
+                  <a:rPr lang="en-US" sz="3200" dirty="0" smtClean="0"/>
                   <a:t>A</a:t>
                 </a:r>
-                <a:endParaRPr lang="en-US" sz="2000" dirty="0"/>
+                <a:endParaRPr lang="en-US" sz="3200" dirty="0"/>
               </a:p>
             </p:txBody>
           </p:sp>
@@ -4425,8 +4722,8 @@
             </p:nvSpPr>
             <p:spPr>
               <a:xfrm>
-                <a:off x="8084515" y="17994297"/>
-                <a:ext cx="346469" cy="471478"/>
+                <a:off x="8555524" y="18164639"/>
+                <a:ext cx="341031" cy="751652"/>
               </a:xfrm>
               <a:prstGeom prst="rect">
                 <a:avLst/>
@@ -4440,10 +4737,10 @@
               <a:lstStyle/>
               <a:p>
                 <a:r>
-                  <a:rPr lang="en-US" sz="2000" dirty="0" smtClean="0"/>
+                  <a:rPr lang="en-US" sz="3200" dirty="0" smtClean="0"/>
                   <a:t>B</a:t>
                 </a:r>
-                <a:endParaRPr lang="en-US" sz="2000" dirty="0"/>
+                <a:endParaRPr lang="en-US" sz="3200" dirty="0"/>
               </a:p>
             </p:txBody>
           </p:sp>
@@ -4456,10 +4753,10 @@
           </p:nvGrpSpPr>
           <p:grpSpPr>
             <a:xfrm>
-              <a:off x="11014685" y="7146937"/>
-              <a:ext cx="10890348" cy="3932923"/>
-              <a:chOff x="26248152" y="18090567"/>
-              <a:chExt cx="10890348" cy="3932923"/>
+              <a:off x="11333347" y="7146937"/>
+              <a:ext cx="8995196" cy="4107767"/>
+              <a:chOff x="26566814" y="18090567"/>
+              <a:chExt cx="8995196" cy="4107767"/>
             </a:xfrm>
           </p:grpSpPr>
           <p:pic>
@@ -4532,8 +4829,8 @@
             </p:nvSpPr>
             <p:spPr>
               <a:xfrm>
-                <a:off x="26248152" y="21192493"/>
-                <a:ext cx="10890348" cy="830997"/>
+                <a:off x="26566814" y="20889017"/>
+                <a:ext cx="8995196" cy="1309317"/>
               </a:xfrm>
               <a:prstGeom prst="rect">
                 <a:avLst/>
@@ -4597,30 +4894,6 @@
           </p:sp>
         </p:grpSp>
       </p:grpSp>
-      <p:pic>
-        <p:nvPicPr>
-          <p:cNvPr id="43" name="Picture 42"/>
-          <p:cNvPicPr>
-            <a:picLocks noChangeAspect="1"/>
-          </p:cNvPicPr>
-          <p:nvPr/>
-        </p:nvPicPr>
-        <p:blipFill>
-          <a:blip r:embed="rId10"/>
-          <a:stretch>
-            <a:fillRect/>
-          </a:stretch>
-        </p:blipFill>
-        <p:spPr>
-          <a:xfrm>
-            <a:off x="28729713" y="7648493"/>
-            <a:ext cx="8760687" cy="8760687"/>
-          </a:xfrm>
-          <a:prstGeom prst="rect">
-            <a:avLst/>
-          </a:prstGeom>
-        </p:spPr>
-      </p:pic>
       <p:grpSp>
         <p:nvGrpSpPr>
           <p:cNvPr id="51" name="Group 50"/>
@@ -4629,7 +4902,7 @@
         </p:nvGrpSpPr>
         <p:grpSpPr>
           <a:xfrm>
-            <a:off x="11079918" y="8851355"/>
+            <a:off x="10741262" y="8851355"/>
             <a:ext cx="8153848" cy="9996881"/>
             <a:chOff x="10005674" y="5511185"/>
             <a:chExt cx="8153848" cy="9996881"/>
@@ -4657,6 +4930,7 @@
             </a:bodyPr>
             <a:lstStyle/>
             <a:p>
+              <a:pPr algn="just"/>
               <a:r>
                 <a:rPr lang="en-US" sz="2400" dirty="0" smtClean="0">
                   <a:latin typeface="Times" panose="02020603050405020304" pitchFamily="18" charset="0"/>
@@ -4732,21 +5006,7 @@
                   <a:latin typeface="Times" panose="02020603050405020304" pitchFamily="18" charset="0"/>
                   <a:cs typeface="Times" panose="02020603050405020304" pitchFamily="18" charset="0"/>
                 </a:rPr>
-                <a:t>in </a:t>
-              </a:r>
-              <a:r>
-                <a:rPr lang="en-US" sz="2400" dirty="0" smtClean="0">
-                  <a:latin typeface="Times" panose="02020603050405020304" pitchFamily="18" charset="0"/>
-                  <a:cs typeface="Times" panose="02020603050405020304" pitchFamily="18" charset="0"/>
-                </a:rPr>
-                <a:t>a </a:t>
-              </a:r>
-              <a:r>
-                <a:rPr lang="en-US" sz="2400" dirty="0" smtClean="0">
-                  <a:latin typeface="Times" panose="02020603050405020304" pitchFamily="18" charset="0"/>
-                  <a:cs typeface="Times" panose="02020603050405020304" pitchFamily="18" charset="0"/>
-                </a:rPr>
-                <a:t>the pond sediments. Note that, </a:t>
+                <a:t>in the pond sediments. Note that, </a:t>
               </a:r>
               <a:r>
                 <a:rPr lang="en-US" sz="2400" dirty="0" smtClean="0">
@@ -4799,7 +5059,7 @@
             <p:nvPr/>
           </p:nvPicPr>
           <p:blipFill>
-            <a:blip r:embed="rId11"/>
+            <a:blip r:embed="rId10"/>
             <a:stretch>
               <a:fillRect/>
             </a:stretch>
@@ -4823,7 +5083,7 @@
         </p:nvGrpSpPr>
         <p:grpSpPr>
           <a:xfrm>
-            <a:off x="20430463" y="8669915"/>
+            <a:off x="19653897" y="8669915"/>
             <a:ext cx="8043116" cy="10159285"/>
             <a:chOff x="9962629" y="17775644"/>
             <a:chExt cx="8043116" cy="10159285"/>
@@ -4851,6 +5111,7 @@
             </a:bodyPr>
             <a:lstStyle/>
             <a:p>
+              <a:pPr algn="just"/>
               <a:r>
                 <a:rPr lang="en-US" sz="2400" dirty="0" smtClean="0">
                   <a:latin typeface="Times" panose="02020603050405020304" pitchFamily="18" charset="0"/>
@@ -4891,7 +5152,21 @@
                   <a:latin typeface="Times" panose="02020603050405020304" pitchFamily="18" charset="0"/>
                   <a:cs typeface="Times" panose="02020603050405020304" pitchFamily="18" charset="0"/>
                 </a:rPr>
-                <a:t>increases sediment oxygen demand in a the pond sediments. </a:t>
+                <a:t>increases sediment oxygen demand </a:t>
+              </a:r>
+              <a:r>
+                <a:rPr lang="en-US" sz="2400" dirty="0" smtClean="0">
+                  <a:latin typeface="Times" panose="02020603050405020304" pitchFamily="18" charset="0"/>
+                  <a:cs typeface="Times" panose="02020603050405020304" pitchFamily="18" charset="0"/>
+                </a:rPr>
+                <a:t>in </a:t>
+              </a:r>
+              <a:r>
+                <a:rPr lang="en-US" sz="2400" dirty="0">
+                  <a:latin typeface="Times" panose="02020603050405020304" pitchFamily="18" charset="0"/>
+                  <a:cs typeface="Times" panose="02020603050405020304" pitchFamily="18" charset="0"/>
+                </a:rPr>
+                <a:t>the pond sediments. </a:t>
               </a:r>
               <a:r>
                 <a:rPr lang="en-US" sz="2400" dirty="0" smtClean="0">
@@ -4916,7 +5191,7 @@
             <p:nvPr/>
           </p:nvPicPr>
           <p:blipFill>
-            <a:blip r:embed="rId12"/>
+            <a:blip r:embed="rId11"/>
             <a:stretch>
               <a:fillRect/>
             </a:stretch>
@@ -4940,7 +5215,7 @@
         </p:nvGrpSpPr>
         <p:grpSpPr>
           <a:xfrm>
-            <a:off x="11079917" y="18050164"/>
+            <a:off x="10741261" y="18050164"/>
             <a:ext cx="8153848" cy="10587659"/>
             <a:chOff x="18177764" y="4551075"/>
             <a:chExt cx="8692609" cy="10587659"/>
@@ -4968,6 +5243,7 @@
             </a:bodyPr>
             <a:lstStyle/>
             <a:p>
+              <a:pPr algn="just"/>
               <a:r>
                 <a:rPr lang="en-US" sz="2400" dirty="0" smtClean="0">
                   <a:latin typeface="Times" panose="02020603050405020304" pitchFamily="18" charset="0"/>
@@ -5036,7 +5312,7 @@
                   <a:latin typeface="Times" panose="02020603050405020304" pitchFamily="18" charset="0"/>
                   <a:cs typeface="Times" panose="02020603050405020304" pitchFamily="18" charset="0"/>
                 </a:rPr>
-                <a:t>21 days. </a:t>
+                <a:t>22 days. </a:t>
               </a:r>
               <a:endParaRPr lang="en-US" sz="2400" dirty="0">
                 <a:latin typeface="Times" panose="02020603050405020304" pitchFamily="18" charset="0"/>
@@ -5054,7 +5330,7 @@
             <p:nvPr/>
           </p:nvPicPr>
           <p:blipFill>
-            <a:blip r:embed="rId13"/>
+            <a:blip r:embed="rId12"/>
             <a:stretch>
               <a:fillRect/>
             </a:stretch>
@@ -5078,7 +5354,7 @@
         </p:nvGrpSpPr>
         <p:grpSpPr>
           <a:xfrm>
-            <a:off x="20205673" y="17844776"/>
+            <a:off x="19429107" y="17844776"/>
             <a:ext cx="8970115" cy="10793047"/>
             <a:chOff x="17694231" y="16707254"/>
             <a:chExt cx="8970115" cy="10793047"/>
@@ -5092,8 +5368,8 @@
           </p:nvSpPr>
           <p:spPr>
             <a:xfrm>
-              <a:off x="18745199" y="25561309"/>
-              <a:ext cx="7816319" cy="1938992"/>
+              <a:off x="17984609" y="25561309"/>
+              <a:ext cx="7977528" cy="1938992"/>
             </a:xfrm>
             <a:prstGeom prst="rect">
               <a:avLst/>
@@ -5106,6 +5382,7 @@
             </a:bodyPr>
             <a:lstStyle/>
             <a:p>
+              <a:pPr algn="just"/>
               <a:r>
                 <a:rPr lang="en-US" sz="2400" dirty="0">
                   <a:latin typeface="Times" panose="02020603050405020304" pitchFamily="18" charset="0"/>
@@ -5125,14 +5402,14 @@
                   <a:latin typeface="Times" panose="02020603050405020304" pitchFamily="18" charset="0"/>
                   <a:cs typeface="Times" panose="02020603050405020304" pitchFamily="18" charset="0"/>
                 </a:rPr>
-                <a:t>sediment oxygen demand (SOD) in bottles over time.  The SOD and the </a:t>
+                <a:t>sediment oxygen demand (SOD) in bottles over time.  The </a:t>
               </a:r>
               <a:r>
                 <a:rPr lang="en-US" sz="2400" dirty="0" smtClean="0">
                   <a:latin typeface="Times" panose="02020603050405020304" pitchFamily="18" charset="0"/>
                   <a:cs typeface="Times" panose="02020603050405020304" pitchFamily="18" charset="0"/>
                 </a:rPr>
-                <a:t>was </a:t>
+                <a:t>SOD was </a:t>
               </a:r>
               <a:r>
                 <a:rPr lang="en-US" sz="2400" dirty="0">
@@ -5160,7 +5437,7 @@
                   <a:latin typeface="Times" panose="02020603050405020304" pitchFamily="18" charset="0"/>
                   <a:cs typeface="Times" panose="02020603050405020304" pitchFamily="18" charset="0"/>
                 </a:rPr>
-                <a:t>experiment but the effect of nutrients remains consistent for the 21 days of incubation</a:t>
+                <a:t>experiment but the effect of nutrients remains consistent for the 22 days of incubation</a:t>
               </a:r>
               <a:r>
                 <a:rPr lang="en-US" sz="2400" dirty="0" smtClean="0">
@@ -5185,7 +5462,7 @@
             <p:nvPr/>
           </p:nvPicPr>
           <p:blipFill>
-            <a:blip r:embed="rId14"/>
+            <a:blip r:embed="rId13"/>
             <a:stretch>
               <a:fillRect/>
             </a:stretch>
@@ -5209,7 +5486,7 @@
         </p:nvSpPr>
         <p:spPr>
           <a:xfrm>
-            <a:off x="29360508" y="19788977"/>
+            <a:off x="29021852" y="19351067"/>
             <a:ext cx="7066402" cy="977350"/>
           </a:xfrm>
           <a:prstGeom prst="rect">
@@ -5240,467 +5517,539 @@
           <a:p>
             <a:pPr algn="ctr"/>
             <a:r>
-              <a:rPr lang="en-US" sz="5400" dirty="0" smtClean="0"/>
+              <a:rPr lang="en-US" sz="5400" dirty="0" smtClean="0">
+                <a:latin typeface="Helvetica"/>
+                <a:cs typeface="Helvetica"/>
+              </a:rPr>
               <a:t>Conclusions</a:t>
             </a:r>
-            <a:endParaRPr lang="en-US" sz="5400" dirty="0"/>
-          </a:p>
-        </p:txBody>
-      </p:sp>
-      <p:grpSp>
-        <p:nvGrpSpPr>
-          <p:cNvPr id="65" name="Group 64"/>
-          <p:cNvGrpSpPr/>
+            <a:endParaRPr lang="en-US" sz="5400" dirty="0">
+              <a:latin typeface="Helvetica"/>
+              <a:cs typeface="Helvetica"/>
+            </a:endParaRPr>
+          </a:p>
+        </p:txBody>
+      </p:sp>
+      <p:sp>
+        <p:nvSpPr>
+          <p:cNvPr id="63" name="TextBox 62"/>
+          <p:cNvSpPr txBox="1"/>
           <p:nvPr/>
-        </p:nvGrpSpPr>
-        <p:grpSpPr>
+        </p:nvSpPr>
+        <p:spPr>
           <a:xfrm>
-            <a:off x="577489" y="29759501"/>
-            <a:ext cx="8766891" cy="6729609"/>
-            <a:chOff x="11224346" y="5769877"/>
-            <a:chExt cx="7921137" cy="6049175"/>
+            <a:off x="577489" y="31455882"/>
+            <a:ext cx="8766891" cy="5078314"/>
           </a:xfrm>
-        </p:grpSpPr>
-        <p:sp>
-          <p:nvSpPr>
-            <p:cNvPr id="63" name="TextBox 62"/>
-            <p:cNvSpPr txBox="1"/>
-            <p:nvPr/>
-          </p:nvSpPr>
-          <p:spPr>
-            <a:xfrm>
-              <a:off x="11224346" y="7294736"/>
-              <a:ext cx="7921137" cy="4524316"/>
-            </a:xfrm>
-            <a:prstGeom prst="rect">
-              <a:avLst/>
-            </a:prstGeom>
-            <a:noFill/>
-          </p:spPr>
-          <p:txBody>
-            <a:bodyPr wrap="square" rtlCol="0">
-              <a:spAutoFit/>
-            </a:bodyPr>
-            <a:lstStyle/>
-            <a:p>
-              <a:pPr marL="272434" indent="-272434" algn="just">
-                <a:buFont typeface="Arial"/>
-                <a:buChar char="•"/>
-              </a:pPr>
-              <a:r>
-                <a:rPr lang="en-US" sz="1800" dirty="0" smtClean="0">
-                  <a:latin typeface="Times"/>
-                  <a:cs typeface="Times"/>
-                </a:rPr>
-                <a:t>The </a:t>
-              </a:r>
-              <a:r>
-                <a:rPr lang="en-US" sz="1800" dirty="0" smtClean="0">
-                  <a:latin typeface="Times"/>
-                  <a:cs typeface="Times"/>
-                </a:rPr>
-                <a:t>combined effect of leaf litter and nutrient enrichment on sediment processes was tested with a complete factorial design</a:t>
-              </a:r>
-              <a:r>
-                <a:rPr lang="en-US" sz="1800" dirty="0" smtClean="0">
-                  <a:latin typeface="Times"/>
-                  <a:cs typeface="Times"/>
-                </a:rPr>
-                <a:t> design.</a:t>
-              </a:r>
-              <a:endParaRPr lang="en-US" sz="1800" dirty="0" smtClean="0">
-                <a:latin typeface="Times"/>
-                <a:cs typeface="Times"/>
-              </a:endParaRPr>
-            </a:p>
-            <a:p>
-              <a:pPr marL="272434" indent="-272434" algn="just">
-                <a:buFont typeface="Arial"/>
-                <a:buChar char="•"/>
-              </a:pPr>
-              <a:r>
-                <a:rPr lang="en-US" sz="1800" dirty="0" smtClean="0">
-                  <a:latin typeface="Times"/>
-                  <a:cs typeface="Times"/>
-                </a:rPr>
-                <a:t>Each BOD bottle received 100 ml of sediment collected from </a:t>
-              </a:r>
-              <a:r>
-                <a:rPr lang="en-US" sz="1800" dirty="0" smtClean="0">
-                  <a:latin typeface="Times"/>
-                  <a:cs typeface="Times"/>
-                </a:rPr>
-                <a:t>Lancer Park Pond </a:t>
-              </a:r>
-              <a:r>
-                <a:rPr lang="en-US" sz="1800" dirty="0" smtClean="0">
-                  <a:latin typeface="Times"/>
-                  <a:cs typeface="Times"/>
-                </a:rPr>
-                <a:t>(Fig. 1) on </a:t>
-              </a:r>
-              <a:r>
-                <a:rPr lang="en-US" sz="1800" dirty="0" smtClean="0">
-                  <a:latin typeface="Times"/>
-                  <a:cs typeface="Times"/>
-                </a:rPr>
-                <a:t>29 </a:t>
-              </a:r>
-              <a:r>
-                <a:rPr lang="en-US" sz="1800" dirty="0">
-                  <a:latin typeface="Times"/>
-                  <a:cs typeface="Times"/>
-                </a:rPr>
-                <a:t>May, 2014 using </a:t>
-              </a:r>
-              <a:r>
-                <a:rPr lang="en-US" sz="1800" dirty="0" smtClean="0">
-                  <a:latin typeface="Times"/>
-                  <a:cs typeface="Times"/>
-                </a:rPr>
-                <a:t>an </a:t>
-              </a:r>
-              <a:r>
-                <a:rPr lang="en-US" sz="1800" dirty="0" err="1">
-                  <a:latin typeface="Times"/>
-                  <a:cs typeface="Times"/>
-                </a:rPr>
-                <a:t>E</a:t>
-              </a:r>
-              <a:r>
-                <a:rPr lang="en-US" sz="1800" dirty="0" err="1" smtClean="0">
-                  <a:latin typeface="Times"/>
-                  <a:cs typeface="Times"/>
-                </a:rPr>
-                <a:t>ckman</a:t>
-              </a:r>
-              <a:r>
-                <a:rPr lang="en-US" sz="1800" dirty="0" smtClean="0">
-                  <a:latin typeface="Times"/>
-                  <a:cs typeface="Times"/>
-                </a:rPr>
-                <a:t>-</a:t>
-              </a:r>
-              <a:r>
-                <a:rPr lang="en-US" sz="1800" dirty="0" smtClean="0">
-                  <a:latin typeface="Times"/>
-                  <a:cs typeface="Times"/>
-                </a:rPr>
-                <a:t>dredge and sieved through 250 </a:t>
-              </a:r>
-              <a:r>
-                <a:rPr lang="en-US" sz="1800" dirty="0" err="1" smtClean="0">
-                  <a:latin typeface="Times"/>
-                  <a:cs typeface="Times"/>
-                </a:rPr>
-                <a:t>μm</a:t>
-              </a:r>
-              <a:r>
-                <a:rPr lang="en-US" sz="1800" dirty="0" smtClean="0">
-                  <a:latin typeface="Times"/>
-                  <a:cs typeface="Times"/>
-                </a:rPr>
-                <a:t> mes</a:t>
-              </a:r>
-              <a:r>
-                <a:rPr lang="en-US" sz="1800" dirty="0" smtClean="0">
-                  <a:latin typeface="Times"/>
-                  <a:cs typeface="Times"/>
-                </a:rPr>
-                <a:t>h.</a:t>
-              </a:r>
-              <a:endParaRPr lang="en-US" sz="1800" dirty="0" smtClean="0">
-                <a:latin typeface="Times"/>
-                <a:cs typeface="Times"/>
-              </a:endParaRPr>
-            </a:p>
-            <a:p>
-              <a:pPr marL="272434" indent="-272434" algn="just">
-                <a:buFont typeface="Arial"/>
-                <a:buChar char="•"/>
-              </a:pPr>
-              <a:r>
-                <a:rPr lang="en-US" sz="1800" dirty="0" smtClean="0">
-                  <a:latin typeface="Times"/>
-                  <a:cs typeface="Times"/>
-                </a:rPr>
-                <a:t>The BOD bottles were then filled with Lancer Park Pond water </a:t>
-              </a:r>
-              <a:r>
-                <a:rPr lang="en-US" sz="1800" dirty="0" smtClean="0">
-                  <a:latin typeface="Times"/>
-                  <a:cs typeface="Times"/>
-                </a:rPr>
-                <a:t>collected </a:t>
-              </a:r>
-              <a:r>
-                <a:rPr lang="en-US" sz="1800" dirty="0" smtClean="0">
-                  <a:latin typeface="Times"/>
-                  <a:cs typeface="Times"/>
-                </a:rPr>
-                <a:t>9 June 2014 </a:t>
-              </a:r>
-              <a:r>
-                <a:rPr lang="en-US" sz="1800" dirty="0" smtClean="0">
-                  <a:latin typeface="Times"/>
-                  <a:cs typeface="Times"/>
-                </a:rPr>
-                <a:t>from 0.5 m.</a:t>
-              </a:r>
-            </a:p>
-            <a:p>
-              <a:pPr marL="272434" indent="-272434" algn="just">
-                <a:buFont typeface="Arial"/>
-                <a:buChar char="•"/>
-              </a:pPr>
-              <a:r>
-                <a:rPr lang="en-US" sz="1800" dirty="0" smtClean="0">
-                  <a:latin typeface="Times"/>
-                  <a:cs typeface="Times"/>
-                </a:rPr>
-                <a:t>Nutrient </a:t>
-              </a:r>
-              <a:r>
-                <a:rPr lang="en-US" sz="1800" dirty="0" smtClean="0">
-                  <a:latin typeface="Times"/>
-                  <a:cs typeface="Times"/>
-                </a:rPr>
-                <a:t>enrichment treatments were created by adding 300 </a:t>
-              </a:r>
-              <a:r>
-                <a:rPr lang="en-US" sz="1800" dirty="0" smtClean="0">
-                  <a:latin typeface="Times"/>
-                  <a:cs typeface="Times"/>
-                </a:rPr>
-                <a:t>μg L</a:t>
-              </a:r>
-              <a:r>
-                <a:rPr lang="en-US" sz="1800" baseline="30000" dirty="0" smtClean="0">
-                  <a:latin typeface="Times"/>
-                  <a:cs typeface="Times"/>
-                </a:rPr>
-                <a:t>-1</a:t>
-              </a:r>
-              <a:r>
-                <a:rPr lang="en-US" sz="1800" dirty="0" smtClean="0">
-                  <a:latin typeface="Times"/>
-                  <a:cs typeface="Times"/>
-                </a:rPr>
-                <a:t> </a:t>
-              </a:r>
-              <a:r>
-                <a:rPr lang="en-US" sz="1800" dirty="0" smtClean="0">
-                  <a:latin typeface="Times"/>
-                  <a:cs typeface="Times"/>
-                </a:rPr>
-                <a:t>of DIN and 30 </a:t>
-              </a:r>
-              <a:r>
-                <a:rPr lang="en-US" sz="1800" dirty="0">
-                  <a:latin typeface="Times"/>
-                  <a:cs typeface="Times"/>
-                </a:rPr>
-                <a:t>μg L</a:t>
-              </a:r>
-              <a:r>
-                <a:rPr lang="en-US" sz="1800" baseline="30000" dirty="0">
-                  <a:latin typeface="Times"/>
-                  <a:cs typeface="Times"/>
-                </a:rPr>
-                <a:t>-1</a:t>
-              </a:r>
-              <a:r>
-                <a:rPr lang="en-US" sz="1800" dirty="0">
-                  <a:latin typeface="Times"/>
-                  <a:cs typeface="Times"/>
-                </a:rPr>
-                <a:t> of </a:t>
-              </a:r>
-              <a:r>
-                <a:rPr lang="en-US" sz="1800" dirty="0" smtClean="0">
-                  <a:latin typeface="Times"/>
-                  <a:cs typeface="Times"/>
-                </a:rPr>
-                <a:t>DIP to the </a:t>
-              </a:r>
-              <a:r>
-                <a:rPr lang="en-US" sz="1800" dirty="0" smtClean="0">
-                  <a:latin typeface="Times"/>
-                  <a:cs typeface="Times"/>
-                </a:rPr>
-                <a:t>overlying</a:t>
-              </a:r>
-              <a:r>
-                <a:rPr lang="en-US" sz="1800" dirty="0" smtClean="0">
-                  <a:latin typeface="Times"/>
-                  <a:cs typeface="Times"/>
-                </a:rPr>
-                <a:t> water.</a:t>
-              </a:r>
-              <a:endParaRPr lang="en-US" sz="1800" dirty="0" smtClean="0">
-                <a:latin typeface="Times"/>
-                <a:cs typeface="Times"/>
-              </a:endParaRPr>
-            </a:p>
-            <a:p>
-              <a:pPr marL="272434" indent="-272434" algn="just">
-                <a:buFont typeface="Arial"/>
-                <a:buChar char="•"/>
-              </a:pPr>
-              <a:r>
-                <a:rPr lang="en-US" sz="1800" dirty="0" smtClean="0">
-                  <a:latin typeface="Times"/>
-                  <a:cs typeface="Times"/>
-                </a:rPr>
-                <a:t>The </a:t>
-              </a:r>
-              <a:r>
-                <a:rPr lang="en-US" sz="1800" dirty="0">
-                  <a:latin typeface="Times"/>
-                  <a:cs typeface="Times"/>
-                </a:rPr>
-                <a:t>l</a:t>
-              </a:r>
-              <a:r>
-                <a:rPr lang="en-US" sz="1800" dirty="0" smtClean="0">
-                  <a:latin typeface="Times"/>
-                  <a:cs typeface="Times"/>
-                </a:rPr>
-                <a:t>eaf litter treatments </a:t>
-              </a:r>
-              <a:r>
-                <a:rPr lang="en-US" sz="1800" dirty="0" smtClean="0">
-                  <a:latin typeface="Times"/>
-                  <a:cs typeface="Times"/>
-                </a:rPr>
-                <a:t>were created by adding 20 leaf disks </a:t>
-              </a:r>
-              <a:r>
-                <a:rPr lang="en-US" sz="1800" dirty="0" smtClean="0">
-                  <a:latin typeface="Times"/>
-                  <a:cs typeface="Times"/>
-                </a:rPr>
-                <a:t>(10 </a:t>
-              </a:r>
-              <a:r>
-                <a:rPr lang="en-US" sz="1800" dirty="0" smtClean="0">
-                  <a:latin typeface="Times"/>
-                  <a:cs typeface="Times"/>
-                </a:rPr>
-                <a:t>mm </a:t>
-              </a:r>
-              <a:r>
-                <a:rPr lang="en-US" sz="1800" dirty="0" smtClean="0">
-                  <a:latin typeface="Times"/>
-                  <a:cs typeface="Times"/>
-                </a:rPr>
-                <a:t>diam.) </a:t>
-              </a:r>
-              <a:r>
-                <a:rPr lang="en-US" sz="1800" dirty="0" smtClean="0">
-                  <a:latin typeface="Times"/>
-                  <a:cs typeface="Times"/>
-                </a:rPr>
-                <a:t>to the BOD </a:t>
-              </a:r>
-              <a:r>
-                <a:rPr lang="en-US" sz="1800" dirty="0" smtClean="0">
-                  <a:latin typeface="Times"/>
-                  <a:cs typeface="Times"/>
-                </a:rPr>
-                <a:t>bottles (Fig. 2)</a:t>
-              </a:r>
-              <a:endParaRPr lang="en-US" sz="1800" dirty="0" smtClean="0">
-                <a:latin typeface="Times"/>
-                <a:cs typeface="Times"/>
-              </a:endParaRPr>
-            </a:p>
-            <a:p>
-              <a:pPr marL="272434" indent="-272434" algn="just">
-                <a:buFont typeface="Arial"/>
-                <a:buChar char="•"/>
-              </a:pPr>
-              <a:r>
-                <a:rPr lang="en-US" sz="1800" dirty="0" smtClean="0">
-                  <a:latin typeface="Times"/>
-                  <a:cs typeface="Times"/>
-                </a:rPr>
-                <a:t>Sediment oxygen demand was determined using the Winkler’s Method (Carpenter 1965</a:t>
-              </a:r>
-              <a:r>
-                <a:rPr lang="en-US" sz="1800" dirty="0" smtClean="0">
-                  <a:latin typeface="Times"/>
-                  <a:cs typeface="Times"/>
-                </a:rPr>
-                <a:t>) on 5 dates.</a:t>
-              </a:r>
-            </a:p>
-            <a:p>
-              <a:pPr marL="272434" indent="-272434" algn="just">
-                <a:buFont typeface="Arial"/>
-                <a:buChar char="•"/>
-              </a:pPr>
-              <a:r>
-                <a:rPr lang="en-US" sz="1800" dirty="0" smtClean="0">
-                  <a:latin typeface="Times"/>
-                  <a:cs typeface="Times"/>
-                </a:rPr>
-                <a:t>The amount of labile organic matter in the overlying water was determined using the ratio of absorbance at 254 and 365 nm from a water sample filtered through a GFF on 5 dates.</a:t>
-              </a:r>
-              <a:endParaRPr lang="en-US" sz="1800" dirty="0">
-                <a:latin typeface="Times"/>
-                <a:cs typeface="Times"/>
-              </a:endParaRPr>
-            </a:p>
-          </p:txBody>
-        </p:sp>
-        <p:sp>
-          <p:nvSpPr>
-            <p:cNvPr id="60" name="Rectangle 59"/>
-            <p:cNvSpPr/>
-            <p:nvPr/>
-          </p:nvSpPr>
-          <p:spPr>
-            <a:xfrm>
-              <a:off x="11785297" y="5769877"/>
-              <a:ext cx="7066402" cy="977350"/>
-            </a:xfrm>
-            <a:prstGeom prst="rect">
-              <a:avLst/>
-            </a:prstGeom>
-            <a:solidFill>
-              <a:schemeClr val="tx2"/>
-            </a:solidFill>
-            <a:effectLst/>
-          </p:spPr>
-          <p:style>
-            <a:lnRef idx="1">
-              <a:schemeClr val="accent1"/>
-            </a:lnRef>
-            <a:fillRef idx="3">
-              <a:schemeClr val="accent1"/>
-            </a:fillRef>
-            <a:effectRef idx="2">
-              <a:schemeClr val="accent1"/>
-            </a:effectRef>
-            <a:fontRef idx="minor">
-              <a:schemeClr val="lt1"/>
-            </a:fontRef>
-          </p:style>
-          <p:txBody>
-            <a:bodyPr rtlCol="0" anchor="ctr"/>
-            <a:lstStyle/>
-            <a:p>
-              <a:pPr algn="ctr"/>
-              <a:r>
-                <a:rPr lang="en-US" sz="5400" dirty="0" smtClean="0"/>
-                <a:t>Methods</a:t>
-              </a:r>
-              <a:endParaRPr lang="en-US" sz="5400" dirty="0"/>
-            </a:p>
-          </p:txBody>
-        </p:sp>
-      </p:grpSp>
+          <a:prstGeom prst="rect">
+            <a:avLst/>
+          </a:prstGeom>
+          <a:noFill/>
+        </p:spPr>
+        <p:txBody>
+          <a:bodyPr wrap="square" rtlCol="0">
+            <a:spAutoFit/>
+          </a:bodyPr>
+          <a:lstStyle/>
+          <a:p>
+            <a:pPr marL="272434" indent="-272434" algn="just">
+              <a:buFont typeface="Arial"/>
+              <a:buChar char="•"/>
+            </a:pPr>
+            <a:r>
+              <a:rPr lang="en-US" sz="1800" dirty="0" smtClean="0">
+                <a:latin typeface="Times"/>
+                <a:cs typeface="Times"/>
+              </a:rPr>
+              <a:t>The </a:t>
+            </a:r>
+            <a:r>
+              <a:rPr lang="en-US" sz="1800" dirty="0" smtClean="0">
+                <a:latin typeface="Times"/>
+                <a:cs typeface="Times"/>
+              </a:rPr>
+              <a:t>combined effect of leaf litter and nutrient enrichment on sediment oxygen demand and organic matter </a:t>
+            </a:r>
+            <a:r>
+              <a:rPr lang="en-US" sz="1800" dirty="0" err="1" smtClean="0">
+                <a:latin typeface="Times"/>
+                <a:cs typeface="Times"/>
+              </a:rPr>
+              <a:t>lability</a:t>
+            </a:r>
+            <a:r>
+              <a:rPr lang="en-US" sz="1800" dirty="0" smtClean="0">
+                <a:latin typeface="Times"/>
+                <a:cs typeface="Times"/>
+              </a:rPr>
+              <a:t> was tested with 300 ml </a:t>
+            </a:r>
+            <a:r>
+              <a:rPr lang="en-US" sz="1800" dirty="0" err="1" smtClean="0">
+                <a:latin typeface="Times"/>
+                <a:cs typeface="Times"/>
+              </a:rPr>
+              <a:t>mesocosms</a:t>
+            </a:r>
+            <a:r>
+              <a:rPr lang="en-US" sz="1800" dirty="0" smtClean="0">
+                <a:latin typeface="Times"/>
+                <a:cs typeface="Times"/>
+              </a:rPr>
+              <a:t> (BOD bottles) arranged in a a complete factorial </a:t>
+            </a:r>
+            <a:r>
+              <a:rPr lang="en-US" sz="1800" dirty="0" smtClean="0">
+                <a:latin typeface="Times"/>
+                <a:cs typeface="Times"/>
+              </a:rPr>
+              <a:t>design.</a:t>
+            </a:r>
+            <a:endParaRPr lang="en-US" sz="1800" dirty="0" smtClean="0">
+              <a:latin typeface="Times"/>
+              <a:cs typeface="Times"/>
+            </a:endParaRPr>
+          </a:p>
+          <a:p>
+            <a:pPr marL="272434" indent="-272434" algn="just">
+              <a:buFont typeface="Arial"/>
+              <a:buChar char="•"/>
+            </a:pPr>
+            <a:r>
+              <a:rPr lang="en-US" sz="1800" dirty="0" smtClean="0">
+                <a:latin typeface="Times"/>
+                <a:cs typeface="Times"/>
+              </a:rPr>
+              <a:t>Each BOD bottle received 100 ml of fine sediment collected from </a:t>
+            </a:r>
+            <a:r>
+              <a:rPr lang="en-US" sz="1800" dirty="0" smtClean="0">
+                <a:latin typeface="Times"/>
+                <a:cs typeface="Times"/>
+              </a:rPr>
+              <a:t>Lancer Park Pond </a:t>
+            </a:r>
+            <a:r>
+              <a:rPr lang="en-US" sz="1800" dirty="0" smtClean="0">
+                <a:latin typeface="Times"/>
+                <a:cs typeface="Times"/>
+              </a:rPr>
+              <a:t>(Fig. 1) on </a:t>
+            </a:r>
+            <a:r>
+              <a:rPr lang="en-US" sz="1800" dirty="0" smtClean="0">
+                <a:latin typeface="Times"/>
+                <a:cs typeface="Times"/>
+              </a:rPr>
+              <a:t>29 </a:t>
+            </a:r>
+            <a:r>
+              <a:rPr lang="en-US" sz="1800" dirty="0">
+                <a:latin typeface="Times"/>
+                <a:cs typeface="Times"/>
+              </a:rPr>
+              <a:t>May, 2014 using </a:t>
+            </a:r>
+            <a:r>
+              <a:rPr lang="en-US" sz="1800" dirty="0" smtClean="0">
+                <a:latin typeface="Times"/>
+                <a:cs typeface="Times"/>
+              </a:rPr>
+              <a:t>an </a:t>
+            </a:r>
+            <a:r>
+              <a:rPr lang="en-US" sz="1800" dirty="0" err="1">
+                <a:latin typeface="Times"/>
+                <a:cs typeface="Times"/>
+              </a:rPr>
+              <a:t>E</a:t>
+            </a:r>
+            <a:r>
+              <a:rPr lang="en-US" sz="1800" dirty="0" err="1" smtClean="0">
+                <a:latin typeface="Times"/>
+                <a:cs typeface="Times"/>
+              </a:rPr>
+              <a:t>ckman</a:t>
+            </a:r>
+            <a:r>
+              <a:rPr lang="en-US" sz="1800" dirty="0" smtClean="0">
+                <a:latin typeface="Times"/>
+                <a:cs typeface="Times"/>
+              </a:rPr>
+              <a:t>-</a:t>
+            </a:r>
+            <a:r>
+              <a:rPr lang="en-US" sz="1800" dirty="0" smtClean="0">
+                <a:latin typeface="Times"/>
+                <a:cs typeface="Times"/>
+              </a:rPr>
+              <a:t>dredge and sieved through 250 </a:t>
+            </a:r>
+            <a:r>
+              <a:rPr lang="en-US" sz="1800" dirty="0" err="1" smtClean="0">
+                <a:latin typeface="Times"/>
+                <a:cs typeface="Times"/>
+              </a:rPr>
+              <a:t>μm</a:t>
+            </a:r>
+            <a:r>
+              <a:rPr lang="en-US" sz="1800" dirty="0" smtClean="0">
+                <a:latin typeface="Times"/>
+                <a:cs typeface="Times"/>
+              </a:rPr>
+              <a:t> mes</a:t>
+            </a:r>
+            <a:r>
+              <a:rPr lang="en-US" sz="1800" dirty="0" smtClean="0">
+                <a:latin typeface="Times"/>
+                <a:cs typeface="Times"/>
+              </a:rPr>
+              <a:t>h.</a:t>
+            </a:r>
+            <a:endParaRPr lang="en-US" sz="1800" dirty="0" smtClean="0">
+              <a:latin typeface="Times"/>
+              <a:cs typeface="Times"/>
+            </a:endParaRPr>
+          </a:p>
+          <a:p>
+            <a:pPr marL="272434" indent="-272434" algn="just">
+              <a:buFont typeface="Arial"/>
+              <a:buChar char="•"/>
+            </a:pPr>
+            <a:r>
+              <a:rPr lang="en-US" sz="1800" dirty="0" smtClean="0">
+                <a:latin typeface="Times"/>
+                <a:cs typeface="Times"/>
+              </a:rPr>
+              <a:t>The BOD bottles were then filled with Lancer Park Pond water </a:t>
+            </a:r>
+            <a:r>
+              <a:rPr lang="en-US" sz="1800" dirty="0" smtClean="0">
+                <a:latin typeface="Times"/>
+                <a:cs typeface="Times"/>
+              </a:rPr>
+              <a:t>collected </a:t>
+            </a:r>
+            <a:r>
+              <a:rPr lang="en-US" sz="1800" dirty="0" smtClean="0">
+                <a:latin typeface="Times"/>
+                <a:cs typeface="Times"/>
+              </a:rPr>
+              <a:t>9 June 2014 </a:t>
+            </a:r>
+            <a:r>
+              <a:rPr lang="en-US" sz="1800" dirty="0" smtClean="0">
+                <a:latin typeface="Times"/>
+                <a:cs typeface="Times"/>
+              </a:rPr>
+              <a:t>from 0.5 m.</a:t>
+            </a:r>
+          </a:p>
+          <a:p>
+            <a:pPr marL="272434" indent="-272434" algn="just">
+              <a:buFont typeface="Arial"/>
+              <a:buChar char="•"/>
+            </a:pPr>
+            <a:r>
+              <a:rPr lang="en-US" sz="1800" dirty="0" smtClean="0">
+                <a:latin typeface="Times"/>
+                <a:cs typeface="Times"/>
+              </a:rPr>
+              <a:t>Nutrient </a:t>
+            </a:r>
+            <a:r>
+              <a:rPr lang="en-US" sz="1800" dirty="0" smtClean="0">
+                <a:latin typeface="Times"/>
+                <a:cs typeface="Times"/>
+              </a:rPr>
+              <a:t>enrichment treatments were created by </a:t>
+            </a:r>
+            <a:r>
+              <a:rPr lang="en-US" sz="1800" dirty="0" smtClean="0">
+                <a:latin typeface="Times"/>
+                <a:cs typeface="Times"/>
+              </a:rPr>
+              <a:t>increasing the nutrient concentration of the overlying water by 300 </a:t>
+            </a:r>
+            <a:r>
+              <a:rPr lang="en-US" sz="1800" dirty="0" smtClean="0">
+                <a:latin typeface="Times"/>
+                <a:cs typeface="Times"/>
+              </a:rPr>
+              <a:t>μg L</a:t>
+            </a:r>
+            <a:r>
+              <a:rPr lang="en-US" sz="1800" baseline="30000" dirty="0" smtClean="0">
+                <a:latin typeface="Times"/>
+                <a:cs typeface="Times"/>
+              </a:rPr>
+              <a:t>-1</a:t>
+            </a:r>
+            <a:r>
+              <a:rPr lang="en-US" sz="1800" dirty="0" smtClean="0">
+                <a:latin typeface="Times"/>
+                <a:cs typeface="Times"/>
+              </a:rPr>
+              <a:t> </a:t>
+            </a:r>
+            <a:r>
+              <a:rPr lang="en-US" sz="1800" dirty="0" smtClean="0">
+                <a:latin typeface="Times"/>
+                <a:cs typeface="Times"/>
+              </a:rPr>
+              <a:t>of DIN and 30 </a:t>
+            </a:r>
+            <a:r>
+              <a:rPr lang="en-US" sz="1800" dirty="0">
+                <a:latin typeface="Times"/>
+                <a:cs typeface="Times"/>
+              </a:rPr>
+              <a:t>μg L</a:t>
+            </a:r>
+            <a:r>
+              <a:rPr lang="en-US" sz="1800" baseline="30000" dirty="0">
+                <a:latin typeface="Times"/>
+                <a:cs typeface="Times"/>
+              </a:rPr>
+              <a:t>-1</a:t>
+            </a:r>
+            <a:r>
+              <a:rPr lang="en-US" sz="1800" dirty="0">
+                <a:latin typeface="Times"/>
+                <a:cs typeface="Times"/>
+              </a:rPr>
+              <a:t> of </a:t>
+            </a:r>
+            <a:r>
+              <a:rPr lang="en-US" sz="1800" dirty="0" smtClean="0">
+                <a:latin typeface="Times"/>
+                <a:cs typeface="Times"/>
+              </a:rPr>
+              <a:t>DIP.</a:t>
+            </a:r>
+            <a:endParaRPr lang="en-US" sz="1800" dirty="0" smtClean="0">
+              <a:latin typeface="Times"/>
+              <a:cs typeface="Times"/>
+            </a:endParaRPr>
+          </a:p>
+          <a:p>
+            <a:pPr marL="272434" indent="-272434" algn="just">
+              <a:buFont typeface="Arial"/>
+              <a:buChar char="•"/>
+            </a:pPr>
+            <a:r>
+              <a:rPr lang="en-US" sz="1800" dirty="0" smtClean="0">
+                <a:latin typeface="Times"/>
+                <a:cs typeface="Times"/>
+              </a:rPr>
+              <a:t>The </a:t>
+            </a:r>
+            <a:r>
+              <a:rPr lang="en-US" sz="1800" dirty="0">
+                <a:latin typeface="Times"/>
+                <a:cs typeface="Times"/>
+              </a:rPr>
+              <a:t>l</a:t>
+            </a:r>
+            <a:r>
+              <a:rPr lang="en-US" sz="1800" dirty="0" smtClean="0">
+                <a:latin typeface="Times"/>
+                <a:cs typeface="Times"/>
+              </a:rPr>
+              <a:t>eaf litter treatments </a:t>
+            </a:r>
+            <a:r>
+              <a:rPr lang="en-US" sz="1800" dirty="0" smtClean="0">
+                <a:latin typeface="Times"/>
+                <a:cs typeface="Times"/>
+              </a:rPr>
+              <a:t>were created by adding </a:t>
+            </a:r>
+            <a:r>
+              <a:rPr lang="en-US" sz="1800" dirty="0" smtClean="0">
+                <a:latin typeface="Times"/>
+                <a:cs typeface="Times"/>
+              </a:rPr>
+              <a:t>20, senescent tulip poplar leaf </a:t>
+            </a:r>
+            <a:r>
+              <a:rPr lang="en-US" sz="1800" dirty="0" smtClean="0">
+                <a:latin typeface="Times"/>
+                <a:cs typeface="Times"/>
+              </a:rPr>
+              <a:t>disks </a:t>
+            </a:r>
+            <a:r>
+              <a:rPr lang="en-US" sz="1800" dirty="0" smtClean="0">
+                <a:latin typeface="Times"/>
+                <a:cs typeface="Times"/>
+              </a:rPr>
+              <a:t>(10 </a:t>
+            </a:r>
+            <a:r>
+              <a:rPr lang="en-US" sz="1800" dirty="0" smtClean="0">
+                <a:latin typeface="Times"/>
+                <a:cs typeface="Times"/>
+              </a:rPr>
+              <a:t>mm </a:t>
+            </a:r>
+            <a:r>
+              <a:rPr lang="en-US" sz="1800" dirty="0" smtClean="0">
+                <a:latin typeface="Times"/>
+                <a:cs typeface="Times"/>
+              </a:rPr>
+              <a:t>diam.) </a:t>
+            </a:r>
+            <a:r>
+              <a:rPr lang="en-US" sz="1800" dirty="0" smtClean="0">
+                <a:latin typeface="Times"/>
+                <a:cs typeface="Times"/>
+              </a:rPr>
+              <a:t>to the BOD </a:t>
+            </a:r>
+            <a:r>
+              <a:rPr lang="en-US" sz="1800" dirty="0" smtClean="0">
+                <a:latin typeface="Times"/>
+                <a:cs typeface="Times"/>
+              </a:rPr>
+              <a:t>bottles (Fig. 2)</a:t>
+            </a:r>
+          </a:p>
+          <a:p>
+            <a:pPr marL="272434" indent="-272434" algn="just">
+              <a:buFont typeface="Arial"/>
+              <a:buChar char="•"/>
+            </a:pPr>
+            <a:r>
+              <a:rPr lang="en-US" sz="1800" dirty="0" smtClean="0">
+                <a:latin typeface="Times"/>
+                <a:cs typeface="Times"/>
+              </a:rPr>
+              <a:t>The BOD bottles were incubated in the dark on rocker-shakers and sampled at 1, 3, 8, 15, and 22 days.</a:t>
+            </a:r>
+            <a:endParaRPr lang="en-US" sz="1800" dirty="0" smtClean="0">
+              <a:latin typeface="Times"/>
+              <a:cs typeface="Times"/>
+            </a:endParaRPr>
+          </a:p>
+          <a:p>
+            <a:pPr marL="272434" indent="-272434" algn="just">
+              <a:buFont typeface="Arial"/>
+              <a:buChar char="•"/>
+            </a:pPr>
+            <a:r>
+              <a:rPr lang="en-US" sz="1800" dirty="0" smtClean="0">
+                <a:latin typeface="Times"/>
+                <a:cs typeface="Times"/>
+              </a:rPr>
+              <a:t>Sediment oxygen demand was </a:t>
+            </a:r>
+            <a:r>
+              <a:rPr lang="en-US" sz="1800" dirty="0" smtClean="0">
+                <a:latin typeface="Times"/>
+                <a:cs typeface="Times"/>
+              </a:rPr>
+              <a:t>calculated as the change in dissolved oxygen over a 5 h incubation.</a:t>
+            </a:r>
+          </a:p>
+          <a:p>
+            <a:pPr marL="272434" indent="-272434" algn="just">
+              <a:buFont typeface="Arial"/>
+              <a:buChar char="•"/>
+            </a:pPr>
+            <a:r>
+              <a:rPr lang="en-US" sz="1800" dirty="0" smtClean="0">
+                <a:latin typeface="Times"/>
+                <a:cs typeface="Times"/>
+              </a:rPr>
+              <a:t>Dissolved oxygen was determined </a:t>
+            </a:r>
+            <a:r>
+              <a:rPr lang="en-US" sz="1800" dirty="0" smtClean="0">
+                <a:latin typeface="Times"/>
+                <a:cs typeface="Times"/>
+              </a:rPr>
+              <a:t>using the Winkler’s Method (Carpenter 1965</a:t>
+            </a:r>
+            <a:r>
+              <a:rPr lang="en-US" sz="1800" dirty="0" smtClean="0">
+                <a:latin typeface="Times"/>
+                <a:cs typeface="Times"/>
+              </a:rPr>
+              <a:t>).</a:t>
+            </a:r>
+          </a:p>
+          <a:p>
+            <a:pPr marL="272434" indent="-272434" algn="just">
+              <a:buFont typeface="Arial"/>
+              <a:buChar char="•"/>
+            </a:pPr>
+            <a:r>
+              <a:rPr lang="en-US" sz="1800" dirty="0" smtClean="0">
+                <a:latin typeface="Times"/>
+                <a:cs typeface="Times"/>
+              </a:rPr>
+              <a:t>The amount of labile organic matter in the overlying water was determined using the ratio of absorbance at 254 and 365 nm from a water sample filtered through a GFF.</a:t>
+            </a:r>
+            <a:endParaRPr lang="en-US" sz="1800" dirty="0">
+              <a:latin typeface="Times"/>
+              <a:cs typeface="Times"/>
+            </a:endParaRPr>
+          </a:p>
+        </p:txBody>
+      </p:sp>
+      <p:sp>
+        <p:nvSpPr>
+          <p:cNvPr id="60" name="Rectangle 59"/>
+          <p:cNvSpPr/>
+          <p:nvPr/>
+        </p:nvSpPr>
+        <p:spPr>
+          <a:xfrm>
+            <a:off x="1452326" y="29759501"/>
+            <a:ext cx="7820894" cy="1087286"/>
+          </a:xfrm>
+          <a:prstGeom prst="rect">
+            <a:avLst/>
+          </a:prstGeom>
+          <a:solidFill>
+            <a:schemeClr val="tx2"/>
+          </a:solidFill>
+          <a:effectLst/>
+        </p:spPr>
+        <p:style>
+          <a:lnRef idx="1">
+            <a:schemeClr val="accent1"/>
+          </a:lnRef>
+          <a:fillRef idx="3">
+            <a:schemeClr val="accent1"/>
+          </a:fillRef>
+          <a:effectRef idx="2">
+            <a:schemeClr val="accent1"/>
+          </a:effectRef>
+          <a:fontRef idx="minor">
+            <a:schemeClr val="lt1"/>
+          </a:fontRef>
+        </p:style>
+        <p:txBody>
+          <a:bodyPr rtlCol="0" anchor="ctr"/>
+          <a:lstStyle/>
+          <a:p>
+            <a:pPr algn="ctr"/>
+            <a:r>
+              <a:rPr lang="en-US" sz="5400" dirty="0" smtClean="0">
+                <a:latin typeface="Helvetica"/>
+                <a:cs typeface="Helvetica"/>
+              </a:rPr>
+              <a:t>Methods</a:t>
+            </a:r>
+            <a:endParaRPr lang="en-US" sz="5400" dirty="0">
+              <a:latin typeface="Helvetica"/>
+              <a:cs typeface="Helvetica"/>
+            </a:endParaRPr>
+          </a:p>
+        </p:txBody>
+      </p:sp>
       <p:sp>
         <p:nvSpPr>
           <p:cNvPr id="61" name="Rectangle 60"/>
@@ -5709,7 +6058,7 @@
         </p:nvSpPr>
         <p:spPr>
           <a:xfrm>
-            <a:off x="1198334" y="16702316"/>
+            <a:off x="1452326" y="16744648"/>
             <a:ext cx="7066402" cy="977350"/>
           </a:xfrm>
           <a:prstGeom prst="rect">
@@ -5740,10 +6089,16 @@
           <a:p>
             <a:pPr algn="ctr"/>
             <a:r>
-              <a:rPr lang="en-US" sz="4400" dirty="0" smtClean="0"/>
+              <a:rPr lang="en-US" sz="4400" dirty="0" smtClean="0">
+                <a:latin typeface="Helvetica"/>
+                <a:cs typeface="Helvetica"/>
+              </a:rPr>
               <a:t>Fate of Leaf Litter in Ponds</a:t>
             </a:r>
-            <a:endParaRPr lang="en-US" sz="4400" dirty="0"/>
+            <a:endParaRPr lang="en-US" sz="4400" dirty="0">
+              <a:latin typeface="Helvetica"/>
+              <a:cs typeface="Helvetica"/>
+            </a:endParaRPr>
           </a:p>
         </p:txBody>
       </p:sp>
@@ -5755,7 +6110,7 @@
         </p:nvSpPr>
         <p:spPr>
           <a:xfrm>
-            <a:off x="1364330" y="5769877"/>
+            <a:off x="1618322" y="5812209"/>
             <a:ext cx="7066402" cy="977350"/>
           </a:xfrm>
           <a:prstGeom prst="rect">
@@ -5786,10 +6141,16 @@
           <a:p>
             <a:pPr algn="ctr"/>
             <a:r>
-              <a:rPr lang="en-US" sz="5400" dirty="0" smtClean="0"/>
+              <a:rPr lang="en-US" sz="5400" dirty="0" smtClean="0">
+                <a:latin typeface="Helvetica"/>
+                <a:cs typeface="Helvetica"/>
+              </a:rPr>
               <a:t>Abstract</a:t>
             </a:r>
-            <a:endParaRPr lang="en-US" sz="5400" dirty="0"/>
+            <a:endParaRPr lang="en-US" sz="5400" dirty="0">
+              <a:latin typeface="Helvetica"/>
+              <a:cs typeface="Helvetica"/>
+            </a:endParaRPr>
           </a:p>
         </p:txBody>
       </p:sp>
@@ -5801,7 +6162,7 @@
         </p:nvSpPr>
         <p:spPr>
           <a:xfrm>
-            <a:off x="11576430" y="7408733"/>
+            <a:off x="11237774" y="7408733"/>
             <a:ext cx="7066402" cy="977350"/>
           </a:xfrm>
           <a:prstGeom prst="rect">
@@ -5841,6 +6202,8 @@
                 <a:solidFill>
                   <a:schemeClr val="tx1"/>
                 </a:solidFill>
+                <a:latin typeface="Helvetica"/>
+                <a:cs typeface="Helvetica"/>
               </a:rPr>
               <a:t>Leaf Litter Effects</a:t>
             </a:r>
@@ -5853,6 +6216,8 @@
               <a:solidFill>
                 <a:schemeClr val="tx1"/>
               </a:solidFill>
+              <a:latin typeface="Helvetica"/>
+              <a:cs typeface="Helvetica"/>
             </a:endParaRPr>
           </a:p>
         </p:txBody>
@@ -5865,8 +6230,8 @@
         </p:nvSpPr>
         <p:spPr>
           <a:xfrm>
-            <a:off x="11079918" y="5769876"/>
-            <a:ext cx="25142906" cy="938103"/>
+            <a:off x="11237774" y="5769876"/>
+            <a:ext cx="24900386" cy="938103"/>
           </a:xfrm>
           <a:prstGeom prst="rect">
             <a:avLst/>
@@ -5896,10 +6261,16 @@
           <a:p>
             <a:pPr algn="ctr"/>
             <a:r>
-              <a:rPr lang="en-US" sz="5400" dirty="0" smtClean="0"/>
+              <a:rPr lang="en-US" sz="5400" dirty="0" smtClean="0">
+                <a:latin typeface="Helvetica"/>
+                <a:cs typeface="Helvetica"/>
+              </a:rPr>
               <a:t>Results</a:t>
             </a:r>
-            <a:endParaRPr lang="en-US" sz="5400" dirty="0"/>
+            <a:endParaRPr lang="en-US" sz="5400" dirty="0">
+              <a:latin typeface="Helvetica"/>
+              <a:cs typeface="Helvetica"/>
+            </a:endParaRPr>
           </a:p>
         </p:txBody>
       </p:sp>
@@ -5911,7 +6282,7 @@
         </p:nvSpPr>
         <p:spPr>
           <a:xfrm>
-            <a:off x="21088236" y="7379693"/>
+            <a:off x="20311670" y="7379693"/>
             <a:ext cx="7066402" cy="977350"/>
           </a:xfrm>
           <a:prstGeom prst="rect">
@@ -5951,6 +6322,8 @@
                 <a:solidFill>
                   <a:schemeClr val="tx1"/>
                 </a:solidFill>
+                <a:latin typeface="Helvetica"/>
+                <a:cs typeface="Helvetica"/>
               </a:rPr>
               <a:t>Nutrient Effects</a:t>
             </a:r>
@@ -5963,6 +6336,8 @@
               <a:solidFill>
                 <a:schemeClr val="tx1"/>
               </a:solidFill>
+              <a:latin typeface="Helvetica"/>
+              <a:cs typeface="Helvetica"/>
             </a:endParaRPr>
           </a:p>
         </p:txBody>
@@ -5975,8 +6350,8 @@
         </p:nvSpPr>
         <p:spPr>
           <a:xfrm>
-            <a:off x="29360508" y="7340096"/>
-            <a:ext cx="7066402" cy="977350"/>
+            <a:off x="29021852" y="7340096"/>
+            <a:ext cx="7116308" cy="977350"/>
           </a:xfrm>
           <a:prstGeom prst="rect">
             <a:avLst/>
@@ -6015,6 +6390,8 @@
                 <a:solidFill>
                   <a:schemeClr val="tx1"/>
                 </a:solidFill>
+                <a:latin typeface="Helvetica"/>
+                <a:cs typeface="Helvetica"/>
               </a:rPr>
               <a:t>Effects on OM Quality</a:t>
             </a:r>
@@ -6027,20 +6404,121 @@
               <a:solidFill>
                 <a:schemeClr val="tx1"/>
               </a:solidFill>
+              <a:latin typeface="Helvetica"/>
+              <a:cs typeface="Helvetica"/>
             </a:endParaRPr>
           </a:p>
         </p:txBody>
       </p:sp>
-      <p:sp>
-        <p:nvSpPr>
-          <p:cNvPr id="72" name="TextBox 71"/>
-          <p:cNvSpPr txBox="1"/>
+      <p:grpSp>
+        <p:nvGrpSpPr>
+          <p:cNvPr id="66" name="Group 65"/>
+          <p:cNvGrpSpPr/>
+          <p:nvPr/>
+        </p:nvGrpSpPr>
+        <p:grpSpPr>
+          <a:xfrm>
+            <a:off x="28391057" y="7648493"/>
+            <a:ext cx="8760687" cy="10851719"/>
+            <a:chOff x="28729713" y="7648493"/>
+            <a:chExt cx="8760687" cy="10851719"/>
+          </a:xfrm>
+        </p:grpSpPr>
+        <p:pic>
+          <p:nvPicPr>
+            <p:cNvPr id="43" name="Picture 42"/>
+            <p:cNvPicPr>
+              <a:picLocks noChangeAspect="1"/>
+            </p:cNvPicPr>
+            <p:nvPr/>
+          </p:nvPicPr>
+          <p:blipFill>
+            <a:blip r:embed="rId14"/>
+            <a:stretch>
+              <a:fillRect/>
+            </a:stretch>
+          </p:blipFill>
+          <p:spPr>
+            <a:xfrm>
+              <a:off x="28729713" y="7648493"/>
+              <a:ext cx="8760687" cy="8760687"/>
+            </a:xfrm>
+            <a:prstGeom prst="rect">
+              <a:avLst/>
+            </a:prstGeom>
+          </p:spPr>
+        </p:pic>
+        <p:sp>
+          <p:nvSpPr>
+            <p:cNvPr id="72" name="TextBox 71"/>
+            <p:cNvSpPr txBox="1"/>
+            <p:nvPr/>
+          </p:nvSpPr>
+          <p:spPr>
+            <a:xfrm>
+              <a:off x="28729713" y="16561220"/>
+              <a:ext cx="7983437" cy="1938992"/>
+            </a:xfrm>
+            <a:prstGeom prst="rect">
+              <a:avLst/>
+            </a:prstGeom>
+            <a:noFill/>
+          </p:spPr>
+          <p:txBody>
+            <a:bodyPr wrap="square" rtlCol="0">
+              <a:spAutoFit/>
+            </a:bodyPr>
+            <a:lstStyle/>
+            <a:p>
+              <a:pPr algn="just"/>
+              <a:r>
+                <a:rPr lang="en-US" sz="2400" dirty="0" smtClean="0">
+                  <a:latin typeface="Times" panose="02020603050405020304" pitchFamily="18" charset="0"/>
+                  <a:cs typeface="Times" panose="02020603050405020304" pitchFamily="18" charset="0"/>
+                </a:rPr>
+                <a:t>A </a:t>
+              </a:r>
+              <a:r>
+                <a:rPr lang="en-US" sz="2400" dirty="0" smtClean="0">
+                  <a:latin typeface="Times" panose="02020603050405020304" pitchFamily="18" charset="0"/>
+                  <a:cs typeface="Times" panose="02020603050405020304" pitchFamily="18" charset="0"/>
+                </a:rPr>
+                <a:t>comparison of the </a:t>
+              </a:r>
+              <a:r>
+                <a:rPr lang="en-US" sz="2400" dirty="0" smtClean="0">
+                  <a:latin typeface="Times" panose="02020603050405020304" pitchFamily="18" charset="0"/>
+                  <a:cs typeface="Times" panose="02020603050405020304" pitchFamily="18" charset="0"/>
+                </a:rPr>
+                <a:t>amount of labile dissolved organic matter over time in BOD bottles with and withou</a:t>
+              </a:r>
+              <a:r>
+                <a:rPr lang="en-US" sz="2400" dirty="0" smtClean="0">
+                  <a:latin typeface="Times" panose="02020603050405020304" pitchFamily="18" charset="0"/>
+                  <a:cs typeface="Times" panose="02020603050405020304" pitchFamily="18" charset="0"/>
+                </a:rPr>
+                <a:t>t leaf litter. The leaf litter resulted in an initial increase in the amount of labile dissolved organic matter but this effect did not persist past the first week of incubation.</a:t>
+              </a:r>
+              <a:endParaRPr lang="en-US" sz="2400" dirty="0">
+                <a:latin typeface="Times" panose="02020603050405020304" pitchFamily="18" charset="0"/>
+                <a:cs typeface="Times" panose="02020603050405020304" pitchFamily="18" charset="0"/>
+              </a:endParaRPr>
+            </a:p>
+          </p:txBody>
+        </p:sp>
+      </p:grpSp>
+      <p:sp>
+        <p:nvSpPr>
+          <p:cNvPr id="74" name="TextBox 73"/>
+          <p:cNvSpPr txBox="1">
+            <a:spLocks noChangeAspect="1"/>
+          </p:cNvSpPr>
           <p:nvPr/>
         </p:nvSpPr>
         <p:spPr>
           <a:xfrm>
-            <a:off x="28729713" y="16561220"/>
-            <a:ext cx="7983437" cy="1938992"/>
+            <a:off x="20603213" y="31103689"/>
+            <a:ext cx="6483315" cy="5997338"/>
           </a:xfrm>
           <a:prstGeom prst="rect">
             <a:avLst/>
@@ -6048,79 +6526,20 @@
           <a:noFill/>
         </p:spPr>
         <p:txBody>
-          <a:bodyPr wrap="square" rtlCol="0">
-            <a:spAutoFit/>
-          </a:bodyPr>
-          <a:lstStyle/>
-          <a:p>
-            <a:r>
-              <a:rPr lang="en-US" sz="2400" dirty="0" smtClean="0">
-                <a:latin typeface="Times" panose="02020603050405020304" pitchFamily="18" charset="0"/>
-                <a:cs typeface="Times" panose="02020603050405020304" pitchFamily="18" charset="0"/>
-              </a:rPr>
-              <a:t>A </a:t>
-            </a:r>
-            <a:r>
-              <a:rPr lang="en-US" sz="2400" dirty="0" smtClean="0">
-                <a:latin typeface="Times" panose="02020603050405020304" pitchFamily="18" charset="0"/>
-                <a:cs typeface="Times" panose="02020603050405020304" pitchFamily="18" charset="0"/>
-              </a:rPr>
-              <a:t>comparison of the </a:t>
-            </a:r>
-            <a:r>
-              <a:rPr lang="en-US" sz="2400" dirty="0" smtClean="0">
-                <a:latin typeface="Times" panose="02020603050405020304" pitchFamily="18" charset="0"/>
-                <a:cs typeface="Times" panose="02020603050405020304" pitchFamily="18" charset="0"/>
-              </a:rPr>
-              <a:t>amount of labile dissolved organic matter over time in BOD bottles with and withou</a:t>
-            </a:r>
-            <a:r>
-              <a:rPr lang="en-US" sz="2400" dirty="0" smtClean="0">
-                <a:latin typeface="Times" panose="02020603050405020304" pitchFamily="18" charset="0"/>
-                <a:cs typeface="Times" panose="02020603050405020304" pitchFamily="18" charset="0"/>
-              </a:rPr>
-              <a:t>t leaf litter. The leaf litter resulted in an initial increase in the amount of labile dissolved organic matter but this effect did not persist past the first week of incubation,</a:t>
-            </a:r>
-            <a:endParaRPr lang="en-US" sz="2400" dirty="0">
-              <a:latin typeface="Times" panose="02020603050405020304" pitchFamily="18" charset="0"/>
-              <a:cs typeface="Times" panose="02020603050405020304" pitchFamily="18" charset="0"/>
-            </a:endParaRPr>
-          </a:p>
-        </p:txBody>
-      </p:sp>
-      <p:sp>
-        <p:nvSpPr>
-          <p:cNvPr id="74" name="TextBox 73"/>
-          <p:cNvSpPr txBox="1">
-            <a:spLocks noChangeAspect="1"/>
-          </p:cNvSpPr>
-          <p:nvPr/>
-        </p:nvSpPr>
-        <p:spPr>
-          <a:xfrm>
-            <a:off x="21379779" y="31281489"/>
-            <a:ext cx="6483315" cy="2242465"/>
-          </a:xfrm>
-          <a:prstGeom prst="rect">
-            <a:avLst/>
-          </a:prstGeom>
-          <a:noFill/>
-        </p:spPr>
-        <p:txBody>
           <a:bodyPr wrap="square" lIns="87179" tIns="43589" rIns="87179" bIns="43589" rtlCol="0">
             <a:spAutoFit/>
           </a:bodyPr>
           <a:lstStyle/>
           <a:p>
             <a:r>
-              <a:rPr lang="en-US" sz="2000" dirty="0">
+              <a:rPr lang="en-US" sz="2400" dirty="0">
                 <a:latin typeface="Times New Roman"/>
                 <a:cs typeface="Times New Roman"/>
               </a:rPr>
               <a:t>Carpenter, J. H., 1965. The Chesapeake Bay Institute technique for the Winkler dissolved oxygen method. Limnology and Oceanography 10:144-143</a:t>
             </a:r>
             <a:r>
-              <a:rPr lang="en-US" sz="2000" dirty="0" smtClean="0">
+              <a:rPr lang="en-US" sz="2400" dirty="0" smtClean="0">
                 <a:latin typeface="Times New Roman"/>
                 <a:cs typeface="Times New Roman"/>
               </a:rPr>
@@ -6128,59 +6547,112 @@
             </a:r>
           </a:p>
           <a:p>
-            <a:endParaRPr lang="en-US" sz="2000" dirty="0" smtClean="0">
+            <a:endParaRPr lang="en-US" sz="2400" dirty="0">
               <a:latin typeface="Times New Roman"/>
               <a:cs typeface="Times New Roman"/>
             </a:endParaRPr>
           </a:p>
           <a:p>
             <a:r>
-              <a:rPr lang="en-US" sz="2000" dirty="0" err="1">
-                <a:latin typeface="Times New Roman"/>
-                <a:cs typeface="Times New Roman"/>
-              </a:rPr>
-              <a:t>Gessner</a:t>
-            </a:r>
-            <a:r>
-              <a:rPr lang="en-US" sz="2000" dirty="0">
-                <a:latin typeface="Times New Roman"/>
-                <a:cs typeface="Times New Roman"/>
-              </a:rPr>
-              <a:t>, M. O., </a:t>
-            </a:r>
-            <a:r>
-              <a:rPr lang="en-US" sz="2000" dirty="0" err="1">
-                <a:latin typeface="Times New Roman"/>
-                <a:cs typeface="Times New Roman"/>
-              </a:rPr>
-              <a:t>Chauvet</a:t>
-            </a:r>
-            <a:r>
-              <a:rPr lang="en-US" sz="2000" dirty="0">
-                <a:latin typeface="Times New Roman"/>
-                <a:cs typeface="Times New Roman"/>
-              </a:rPr>
-              <a:t>, E., and Dobson, M. 1999. A perspective on leaf litter breakdown in streams. </a:t>
-            </a:r>
-            <a:r>
-              <a:rPr lang="en-US" sz="2000" dirty="0" err="1">
-                <a:latin typeface="Times New Roman"/>
-                <a:cs typeface="Times New Roman"/>
-              </a:rPr>
-              <a:t>Oikos</a:t>
-            </a:r>
-            <a:r>
-              <a:rPr lang="en-US" sz="2000" dirty="0">
-                <a:latin typeface="Times New Roman"/>
-                <a:cs typeface="Times New Roman"/>
-              </a:rPr>
-              <a:t> 85:377-384. </a:t>
-            </a:r>
-            <a:endParaRPr lang="en-US" sz="2000" dirty="0">
+              <a:rPr lang="en-US" sz="2400" dirty="0"/>
+              <a:t>Downing, J. A., Prairie, Y. T., Cole, J. J., Duarte, C. M., </a:t>
+            </a:r>
+            <a:r>
+              <a:rPr lang="en-US" sz="2400" dirty="0" err="1"/>
+              <a:t>Tranvik</a:t>
+            </a:r>
+            <a:r>
+              <a:rPr lang="en-US" sz="2400" dirty="0"/>
+              <a:t>, L. J., </a:t>
+            </a:r>
+            <a:r>
+              <a:rPr lang="en-US" sz="2400" dirty="0" err="1"/>
+              <a:t>Striegl</a:t>
+            </a:r>
+            <a:r>
+              <a:rPr lang="en-US" sz="2400" dirty="0"/>
+              <a:t>, R. G., McDowell, W. H., </a:t>
+            </a:r>
+            <a:r>
+              <a:rPr lang="en-US" sz="2400" dirty="0" err="1"/>
+              <a:t>Kortelainen</a:t>
+            </a:r>
+            <a:r>
+              <a:rPr lang="en-US" sz="2400" dirty="0"/>
+              <a:t>, P., </a:t>
+            </a:r>
+            <a:r>
+              <a:rPr lang="en-US" sz="2400" dirty="0" err="1"/>
+              <a:t>Caraco</a:t>
+            </a:r>
+            <a:r>
+              <a:rPr lang="en-US" sz="2400" dirty="0"/>
+              <a:t>, N. F., </a:t>
+            </a:r>
+            <a:r>
+              <a:rPr lang="en-US" sz="2400" dirty="0" err="1"/>
+              <a:t>Melack</a:t>
+            </a:r>
+            <a:r>
+              <a:rPr lang="en-US" sz="2400" dirty="0"/>
+              <a:t>, J. M., and Middleburg, J. J. 2006. The global abundance and size distribution of lakes, ponds, and impoundments. Limnology and Oceanography 51:2388-2397. </a:t>
+            </a:r>
+            <a:endParaRPr lang="en-US" sz="2400" dirty="0"/>
+          </a:p>
+          <a:p>
+            <a:endParaRPr lang="en-US" sz="2400" dirty="0" smtClean="0">
               <a:latin typeface="Times New Roman"/>
               <a:cs typeface="Times New Roman"/>
             </a:endParaRPr>
           </a:p>
+          <a:p>
+            <a:r>
+              <a:rPr lang="en-US" sz="2400" dirty="0" err="1">
+                <a:latin typeface="Times New Roman"/>
+                <a:cs typeface="Times New Roman"/>
+              </a:rPr>
+              <a:t>Gessner</a:t>
+            </a:r>
+            <a:r>
+              <a:rPr lang="en-US" sz="2400" dirty="0">
+                <a:latin typeface="Times New Roman"/>
+                <a:cs typeface="Times New Roman"/>
+              </a:rPr>
+              <a:t>, M. O., </a:t>
+            </a:r>
+            <a:r>
+              <a:rPr lang="en-US" sz="2400" dirty="0" err="1">
+                <a:latin typeface="Times New Roman"/>
+                <a:cs typeface="Times New Roman"/>
+              </a:rPr>
+              <a:t>Chauvet</a:t>
+            </a:r>
+            <a:r>
+              <a:rPr lang="en-US" sz="2400" dirty="0">
+                <a:latin typeface="Times New Roman"/>
+                <a:cs typeface="Times New Roman"/>
+              </a:rPr>
+              <a:t>, E., and Dobson, M. 1999. A perspective on leaf litter breakdown in streams. </a:t>
+            </a:r>
+            <a:r>
+              <a:rPr lang="en-US" sz="2400" dirty="0" err="1">
+                <a:latin typeface="Times New Roman"/>
+                <a:cs typeface="Times New Roman"/>
+              </a:rPr>
+              <a:t>Oikos</a:t>
+            </a:r>
+            <a:r>
+              <a:rPr lang="en-US" sz="2400" dirty="0">
+                <a:latin typeface="Times New Roman"/>
+                <a:cs typeface="Times New Roman"/>
+              </a:rPr>
+              <a:t> 85:377-384. </a:t>
+            </a:r>
+            <a:endParaRPr lang="en-US" sz="2400" dirty="0">
+              <a:latin typeface="Times New Roman"/>
+              <a:cs typeface="Times New Roman"/>
+            </a:endParaRPr>
+          </a:p>
         </p:txBody>
       </p:sp>
       <p:sp>
@@ -6191,7 +6663,7 @@
         </p:nvSpPr>
         <p:spPr>
           <a:xfrm>
-            <a:off x="21088236" y="29735725"/>
+            <a:off x="20311670" y="29691934"/>
             <a:ext cx="7066402" cy="977350"/>
           </a:xfrm>
           <a:prstGeom prst="rect">
@@ -6222,10 +6694,16 @@
           <a:p>
             <a:pPr algn="ctr"/>
             <a:r>
-              <a:rPr lang="en-US" sz="5400" dirty="0" smtClean="0"/>
+              <a:rPr lang="en-US" sz="5400" dirty="0" smtClean="0">
+                <a:latin typeface="Helvetica"/>
+                <a:cs typeface="Helvetica"/>
+              </a:rPr>
               <a:t>Literature Cited</a:t>
             </a:r>
-            <a:endParaRPr lang="en-US" sz="5400" dirty="0"/>
+            <a:endParaRPr lang="en-US" sz="5400" dirty="0">
+              <a:latin typeface="Helvetica"/>
+              <a:cs typeface="Helvetica"/>
+            </a:endParaRPr>
           </a:p>
         </p:txBody>
       </p:sp>
@@ -6239,8 +6717,8 @@
         </p:nvSpPr>
         <p:spPr>
           <a:xfrm>
-            <a:off x="29652051" y="31281489"/>
-            <a:ext cx="6483315" cy="2550242"/>
+            <a:off x="29313395" y="31281489"/>
+            <a:ext cx="6483315" cy="3412016"/>
           </a:xfrm>
           <a:prstGeom prst="rect">
             <a:avLst/>
@@ -6253,30 +6731,60 @@
           </a:bodyPr>
           <a:lstStyle/>
           <a:p>
-            <a:r>
-              <a:rPr lang="en-US" sz="2000" dirty="0">
+            <a:pPr algn="just"/>
+            <a:r>
+              <a:rPr lang="en-US" sz="2400" dirty="0">
                 <a:latin typeface="Times New Roman" pitchFamily="18" charset="0"/>
                 <a:cs typeface="Times New Roman" pitchFamily="18" charset="0"/>
               </a:rPr>
-              <a:t>We would like to thank Longwood University, the Longwood Real Estate Foundation, the Town of Farmville, and </a:t>
-            </a:r>
-            <a:r>
-              <a:rPr lang="en-US" sz="2000" dirty="0" err="1">
+              <a:t>We would like to thank Longwood </a:t>
+            </a:r>
+            <a:r>
+              <a:rPr lang="en-US" sz="2400" dirty="0" smtClean="0">
                 <a:latin typeface="Times New Roman" pitchFamily="18" charset="0"/>
                 <a:cs typeface="Times New Roman" pitchFamily="18" charset="0"/>
               </a:rPr>
-              <a:t>Daulton</a:t>
-            </a:r>
-            <a:r>
-              <a:rPr lang="en-US" sz="2000" dirty="0">
+              <a:t>University</a:t>
+            </a:r>
+            <a:r>
+              <a:rPr lang="en-US" sz="2400" dirty="0">
                 <a:latin typeface="Times New Roman" pitchFamily="18" charset="0"/>
                 <a:cs typeface="Times New Roman" pitchFamily="18" charset="0"/>
               </a:rPr>
-              <a:t> Farm for permission to sample the ponds. We would also like to thank the Longwood University PRISM program, the Longwood University Department of Biological and Environmental Sciences and the Cook Cole College of Arts and Sciences for funding. </a:t>
-            </a:r>
-          </a:p>
-          <a:p>
-            <a:endParaRPr lang="en-US" sz="2000" dirty="0">
+              <a:t> </a:t>
+            </a:r>
+            <a:r>
+              <a:rPr lang="en-US" sz="2400" dirty="0" smtClean="0">
+                <a:latin typeface="Times New Roman" pitchFamily="18" charset="0"/>
+                <a:cs typeface="Times New Roman" pitchFamily="18" charset="0"/>
+              </a:rPr>
+              <a:t>and the </a:t>
+            </a:r>
+            <a:r>
+              <a:rPr lang="en-US" sz="2400" dirty="0">
+                <a:latin typeface="Times New Roman" pitchFamily="18" charset="0"/>
+                <a:cs typeface="Times New Roman" pitchFamily="18" charset="0"/>
+              </a:rPr>
+              <a:t>Longwood Real Estate Foundation, </a:t>
+            </a:r>
+            <a:r>
+              <a:rPr lang="en-US" sz="2400" dirty="0" smtClean="0">
+                <a:latin typeface="Times New Roman" pitchFamily="18" charset="0"/>
+                <a:cs typeface="Times New Roman" pitchFamily="18" charset="0"/>
+              </a:rPr>
+              <a:t>for permission </a:t>
+            </a:r>
+            <a:r>
+              <a:rPr lang="en-US" sz="2400" dirty="0">
+                <a:latin typeface="Times New Roman" pitchFamily="18" charset="0"/>
+                <a:cs typeface="Times New Roman" pitchFamily="18" charset="0"/>
+              </a:rPr>
+              <a:t>to sample the ponds. We would also like to thank the Longwood University PRISM program, the Longwood University Department of Biological and Environmental Sciences and the Cook Cole College of Arts and Sciences for funding. </a:t>
+            </a:r>
+          </a:p>
+          <a:p>
+            <a:pPr algn="just"/>
+            <a:endParaRPr lang="en-US" sz="2400" dirty="0">
               <a:latin typeface="Times New Roman"/>
               <a:cs typeface="Times New Roman"/>
             </a:endParaRPr>
@@ -6291,7 +6799,7 @@
         </p:nvSpPr>
         <p:spPr>
           <a:xfrm>
-            <a:off x="29360508" y="29735725"/>
+            <a:off x="29021852" y="29691934"/>
             <a:ext cx="7066402" cy="977350"/>
           </a:xfrm>
           <a:prstGeom prst="rect">
@@ -6322,10 +6830,54 @@
           <a:p>
             <a:pPr algn="ctr"/>
             <a:r>
-              <a:rPr lang="en-US" sz="5400" dirty="0" smtClean="0"/>
+              <a:rPr lang="en-US" sz="5400" dirty="0" smtClean="0">
+                <a:latin typeface="Helvetica"/>
+                <a:cs typeface="Helvetica"/>
+              </a:rPr>
               <a:t>Acknowledgements </a:t>
             </a:r>
-            <a:endParaRPr lang="en-US" sz="5400" dirty="0"/>
+            <a:endParaRPr lang="en-US" sz="5400" dirty="0">
+              <a:latin typeface="Helvetica"/>
+              <a:cs typeface="Helvetica"/>
+            </a:endParaRPr>
+          </a:p>
+        </p:txBody>
+      </p:sp>
+      <p:sp>
+        <p:nvSpPr>
+          <p:cNvPr id="68" name="Left Arrow 67"/>
+          <p:cNvSpPr/>
+          <p:nvPr/>
+        </p:nvSpPr>
+        <p:spPr>
+          <a:xfrm>
+            <a:off x="17135119" y="30391879"/>
+            <a:ext cx="1294700" cy="253998"/>
+          </a:xfrm>
+          <a:prstGeom prst="leftArrow">
+            <a:avLst/>
+          </a:prstGeom>
+        </p:spPr>
+        <p:style>
+          <a:lnRef idx="1">
+            <a:schemeClr val="accent1"/>
+          </a:lnRef>
+          <a:fillRef idx="3">
+            <a:schemeClr val="accent1"/>
+          </a:fillRef>
+          <a:effectRef idx="2">
+            <a:schemeClr val="accent1"/>
+          </a:effectRef>
+          <a:fontRef idx="minor">
+            <a:schemeClr val="lt1"/>
+          </a:fontRef>
+        </p:style>
+        <p:txBody>
+          <a:bodyPr rtlCol="0" anchor="ctr"/>
+          <a:lstStyle/>
+          <a:p>
+            <a:pPr algn="ctr"/>
+            <a:endParaRPr lang="en-US"/>
           </a:p>
         </p:txBody>
       </p:sp>

--- a/lab_docs/PRISM 2014 Poster.pptx
+++ b/lab_docs/PRISM 2014 Poster.pptx
@@ -109,7 +109,7 @@
   </p:defaultTextStyle>
   <p:extLst>
     <p:ext uri="{EFAFB233-063F-42B5-8137-9DF3F51BA10A}">
-      <p15:sldGuideLst xmlns:p15="http://schemas.microsoft.com/office/powerpoint/2012/main" xmlns="">
+      <p15:sldGuideLst xmlns="" xmlns:p15="http://schemas.microsoft.com/office/powerpoint/2012/main">
         <p15:guide id="1" orient="horz" pos="11808">
           <p15:clr>
             <a:srgbClr val="A4A3A4"/>
@@ -3641,21 +3641,7 @@
                   <a:latin typeface="Helvetica"/>
                   <a:cs typeface="Helvetica"/>
                 </a:rPr>
-                <a:t>THE EFFECTS OF </a:t>
-              </a:r>
-              <a:r>
-                <a:rPr lang="en-US" sz="6000" dirty="0" smtClean="0">
-                  <a:latin typeface="Helvetica"/>
-                  <a:cs typeface="Helvetica"/>
-                </a:rPr>
-                <a:t>LEAF LITTER AND NUTRIENTS ON </a:t>
-              </a:r>
-              <a:r>
-                <a:rPr lang="en-US" sz="6000" dirty="0" smtClean="0">
-                  <a:latin typeface="Helvetica"/>
-                  <a:cs typeface="Helvetica"/>
-                </a:rPr>
-                <a:t>SEDIMENT OXYGEN DEMAND IN A MAN-MADE POND IN CENTRAL VIRGINIA</a:t>
+                <a:t>THE EFFECTS OF LEAF LITTER AND NUTRIENTS ON SEDIMENT OXYGEN DEMAND IN A MAN-MADE POND IN CENTRAL VIRGINIA</a:t>
               </a:r>
               <a:endParaRPr lang="en-US" sz="6000" dirty="0">
                 <a:latin typeface="Helvetica"/>
@@ -3711,11 +3697,7 @@
                 </a:r>
                 <a:r>
                   <a:rPr lang="en-US" sz="5400" dirty="0" smtClean="0"/>
-                  <a:t>Peters </a:t>
-                </a:r>
-                <a:r>
-                  <a:rPr lang="en-US" sz="5400" dirty="0" smtClean="0"/>
-                  <a:t>and Kenneth </a:t>
+                  <a:t>Peters and Kenneth </a:t>
                 </a:r>
                 <a:r>
                   <a:rPr lang="en-US" sz="5400" dirty="0"/>
@@ -3800,13 +3782,27 @@
                 <a:latin typeface="Times"/>
                 <a:cs typeface="Times"/>
               </a:rPr>
-              <a:t>a global scale, the abundance and surface area of man-made ponds is nearly equal to that of natural ponds (Downing 2007). Despite this, little is known about the </a:t>
+              <a:t>a global scale, the abundance and surface area of man-made ponds is nearly equal to that of natural ponds (Downing </a:t>
             </a:r>
             <a:r>
               <a:rPr lang="en-US" sz="2000" dirty="0" smtClean="0">
                 <a:latin typeface="Times"/>
                 <a:cs typeface="Times"/>
               </a:rPr>
+              <a:t>2006)</a:t>
+            </a:r>
+            <a:r>
+              <a:rPr lang="en-US" sz="2000" dirty="0">
+                <a:latin typeface="Times"/>
+                <a:cs typeface="Times"/>
+              </a:rPr>
+              <a:t>. Despite this, little is known about the </a:t>
+            </a:r>
+            <a:r>
+              <a:rPr lang="en-US" sz="2000" dirty="0" smtClean="0">
+                <a:latin typeface="Times"/>
+                <a:cs typeface="Times"/>
+              </a:rPr>
               <a:t>biogeochemical nutrient cycling </a:t>
             </a:r>
             <a:r>
@@ -3884,62 +3880,209 @@
                 <a:latin typeface="Times"/>
                 <a:cs typeface="Times"/>
               </a:rPr>
-              <a:t>leaf </a:t>
+              <a:t>leaf litter (20, 1 cm </a:t>
+            </a:r>
+            <a:r>
+              <a:rPr lang="en-US" sz="2000" dirty="0" err="1" smtClean="0">
+                <a:latin typeface="Times"/>
+                <a:cs typeface="Times"/>
+              </a:rPr>
+              <a:t>senecent</a:t>
             </a:r>
             <a:r>
               <a:rPr lang="en-US" sz="2000" dirty="0" smtClean="0">
                 <a:latin typeface="Times"/>
                 <a:cs typeface="Times"/>
               </a:rPr>
-              <a:t>litter (20, 1 cm </a:t>
+              <a:t> tulip poplar leaf disks) and nutrient enrichment (300 μg L</a:t>
+            </a:r>
+            <a:r>
+              <a:rPr lang="en-US" sz="2000" baseline="30000" dirty="0" smtClean="0">
+                <a:latin typeface="Times"/>
+                <a:cs typeface="Times"/>
+              </a:rPr>
+              <a:t>-1</a:t>
+            </a:r>
+            <a:r>
+              <a:rPr lang="en-US" sz="2000" dirty="0" smtClean="0">
+                <a:latin typeface="Times"/>
+                <a:cs typeface="Times"/>
+              </a:rPr>
+              <a:t> DIN </a:t>
+            </a:r>
+            <a:r>
+              <a:rPr lang="en-US" sz="2000" dirty="0">
+                <a:latin typeface="Times"/>
+                <a:cs typeface="Times"/>
+              </a:rPr>
+              <a:t>+ 30μg L</a:t>
+            </a:r>
+            <a:r>
+              <a:rPr lang="en-US" sz="2000" baseline="30000" dirty="0">
+                <a:latin typeface="Times"/>
+                <a:cs typeface="Times"/>
+              </a:rPr>
+              <a:t>-1</a:t>
+            </a:r>
+            <a:r>
+              <a:rPr lang="en-US" sz="2000" dirty="0">
+                <a:latin typeface="Times"/>
+                <a:cs typeface="Times"/>
+              </a:rPr>
+              <a:t> </a:t>
+            </a:r>
+            <a:r>
+              <a:rPr lang="en-US" sz="2000" dirty="0" smtClean="0">
+                <a:latin typeface="Times"/>
+                <a:cs typeface="Times"/>
+              </a:rPr>
+              <a:t>DIP) on sediment oxygen demand (SOD)</a:t>
+            </a:r>
+            <a:r>
+              <a:rPr lang="en-US" sz="2000" dirty="0">
+                <a:latin typeface="Times"/>
+                <a:cs typeface="Times"/>
+              </a:rPr>
+              <a:t>.</a:t>
+            </a:r>
+            <a:r>
+              <a:rPr lang="en-US" sz="2000" dirty="0" smtClean="0">
+                <a:latin typeface="Times"/>
+                <a:cs typeface="Times"/>
+              </a:rPr>
+              <a:t> The </a:t>
+            </a:r>
+            <a:r>
+              <a:rPr lang="en-US" sz="2000" dirty="0">
+                <a:latin typeface="Times"/>
+                <a:cs typeface="Times"/>
+              </a:rPr>
+              <a:t>experiment utilized </a:t>
+            </a:r>
+            <a:r>
+              <a:rPr lang="en-US" sz="2000" dirty="0" smtClean="0">
+                <a:latin typeface="Times"/>
+                <a:cs typeface="Times"/>
+              </a:rPr>
+              <a:t>a complete </a:t>
+            </a:r>
+            <a:r>
+              <a:rPr lang="en-US" sz="2000" dirty="0">
+                <a:latin typeface="Times"/>
+                <a:cs typeface="Times"/>
+              </a:rPr>
+              <a:t>factorial design, with four </a:t>
+            </a:r>
+            <a:r>
+              <a:rPr lang="en-US" sz="2000" dirty="0" smtClean="0">
+                <a:latin typeface="Times"/>
+                <a:cs typeface="Times"/>
+              </a:rPr>
+              <a:t>replicates for </a:t>
+            </a:r>
+            <a:r>
+              <a:rPr lang="en-US" sz="2000" dirty="0">
+                <a:latin typeface="Times"/>
+                <a:cs typeface="Times"/>
+              </a:rPr>
+              <a:t>each treatment </a:t>
+            </a:r>
+            <a:r>
+              <a:rPr lang="en-US" sz="2000" dirty="0" smtClean="0">
+                <a:latin typeface="Times"/>
+                <a:cs typeface="Times"/>
+              </a:rPr>
+              <a:t>combination. The sediment </a:t>
             </a:r>
             <a:r>
               <a:rPr lang="en-US" sz="2000" dirty="0" err="1" smtClean="0">
                 <a:latin typeface="Times"/>
                 <a:cs typeface="Times"/>
               </a:rPr>
-              <a:t>senecent</a:t>
+              <a:t>mesocosms</a:t>
             </a:r>
             <a:r>
               <a:rPr lang="en-US" sz="2000" dirty="0" smtClean="0">
                 <a:latin typeface="Times"/>
                 <a:cs typeface="Times"/>
               </a:rPr>
-              <a:t> tulip poplar leaf disks) and nutrient enrichment (300 μg L</a:t>
-            </a:r>
-            <a:r>
-              <a:rPr lang="en-US" sz="2000" baseline="30000" dirty="0" smtClean="0">
-                <a:latin typeface="Times"/>
-                <a:cs typeface="Times"/>
-              </a:rPr>
-              <a:t>-1</a:t>
+              <a:t> were created in 300 ml BOD bottles using fine (&lt; 250 </a:t>
+            </a:r>
+            <a:r>
+              <a:rPr lang="en-US" sz="2000" dirty="0" err="1" smtClean="0">
+                <a:latin typeface="Times"/>
+                <a:cs typeface="Times"/>
+              </a:rPr>
+              <a:t>μm</a:t>
             </a:r>
             <a:r>
               <a:rPr lang="en-US" sz="2000" dirty="0" smtClean="0">
                 <a:latin typeface="Times"/>
                 <a:cs typeface="Times"/>
               </a:rPr>
-              <a:t> DIN </a:t>
+              <a:t>) sediments and water collected from </a:t>
             </a:r>
             <a:r>
               <a:rPr lang="en-US" sz="2000" dirty="0">
                 <a:latin typeface="Times"/>
                 <a:cs typeface="Times"/>
               </a:rPr>
-              <a:t>+ 30μg L</a:t>
-            </a:r>
-            <a:r>
-              <a:rPr lang="en-US" sz="2000" baseline="30000" dirty="0">
-                <a:latin typeface="Times"/>
-                <a:cs typeface="Times"/>
-              </a:rPr>
-              <a:t>-1</a:t>
+              <a:t>a </a:t>
+            </a:r>
+            <a:r>
+              <a:rPr lang="en-US" sz="2000" dirty="0" smtClean="0">
+                <a:latin typeface="Times"/>
+                <a:cs typeface="Times"/>
+              </a:rPr>
+              <a:t>small man</a:t>
             </a:r>
             <a:r>
               <a:rPr lang="en-US" sz="2000" dirty="0">
                 <a:latin typeface="Times"/>
                 <a:cs typeface="Times"/>
               </a:rPr>
+              <a:t>-made </a:t>
+            </a:r>
+            <a:r>
+              <a:rPr lang="en-US" sz="2000" dirty="0" smtClean="0">
+                <a:latin typeface="Times"/>
+                <a:cs typeface="Times"/>
+              </a:rPr>
+              <a:t>pond in Farmville, Va. The </a:t>
+            </a:r>
+            <a:r>
+              <a:rPr lang="en-US" sz="2000" dirty="0" err="1" smtClean="0">
+                <a:latin typeface="Times"/>
+                <a:cs typeface="Times"/>
+              </a:rPr>
+              <a:t>mesocsoms</a:t>
+            </a:r>
+            <a:r>
+              <a:rPr lang="en-US" sz="2000" dirty="0" smtClean="0">
+                <a:latin typeface="Times"/>
+                <a:cs typeface="Times"/>
+              </a:rPr>
+              <a:t> were incubated </a:t>
+            </a:r>
+            <a:r>
+              <a:rPr lang="en-US" sz="2000" dirty="0">
+                <a:latin typeface="Times"/>
+                <a:cs typeface="Times"/>
+              </a:rPr>
+              <a:t>in </a:t>
+            </a:r>
+            <a:r>
+              <a:rPr lang="en-US" sz="2000" dirty="0" smtClean="0">
+                <a:latin typeface="Times"/>
+                <a:cs typeface="Times"/>
+              </a:rPr>
+              <a:t>the dark for 22 days and sediment oxygen demand</a:t>
+            </a:r>
+            <a:r>
+              <a:rPr lang="en-US" sz="2000" dirty="0">
+                <a:latin typeface="Times"/>
+                <a:cs typeface="Times"/>
+              </a:rPr>
               <a:t> </a:t>
             </a:r>
             <a:r>
@@ -3947,343 +4090,91 @@
                 <a:latin typeface="Times"/>
                 <a:cs typeface="Times"/>
               </a:rPr>
-              <a:t>DIP) on </a:t>
+              <a:t>and absorbance was measured at 1, 3, </a:t>
+            </a:r>
+            <a:r>
+              <a:rPr lang="en-US" sz="2000" dirty="0">
+                <a:latin typeface="Times"/>
+                <a:cs typeface="Times"/>
+              </a:rPr>
+              <a:t>8</a:t>
             </a:r>
             <a:r>
               <a:rPr lang="en-US" sz="2000" dirty="0" smtClean="0">
                 <a:latin typeface="Times"/>
                 <a:cs typeface="Times"/>
               </a:rPr>
-              <a:t>sediment oxygen demand (SOD</a:t>
+              <a:t>, 15, and 22 days. We found </a:t>
+            </a:r>
+            <a:r>
+              <a:rPr lang="en-US" sz="2000" dirty="0">
+                <a:latin typeface="Times"/>
+                <a:cs typeface="Times"/>
+              </a:rPr>
+              <a:t>that </a:t>
             </a:r>
             <a:r>
               <a:rPr lang="en-US" sz="2000" dirty="0" smtClean="0">
                 <a:latin typeface="Times"/>
                 <a:cs typeface="Times"/>
               </a:rPr>
-              <a:t>)</a:t>
+              <a:t>both leaf litter </a:t>
             </a:r>
             <a:r>
               <a:rPr lang="en-US" sz="2000" dirty="0">
                 <a:latin typeface="Times"/>
                 <a:cs typeface="Times"/>
               </a:rPr>
-              <a:t>.</a:t>
+              <a:t>and </a:t>
             </a:r>
             <a:r>
               <a:rPr lang="en-US" sz="2000" dirty="0" smtClean="0">
                 <a:latin typeface="Times"/>
                 <a:cs typeface="Times"/>
               </a:rPr>
-              <a:t> </a:t>
+              <a:t>nutrient enrichment </a:t>
+            </a:r>
+            <a:r>
+              <a:rPr lang="en-US" sz="2000" dirty="0">
+                <a:latin typeface="Times"/>
+                <a:cs typeface="Times"/>
+              </a:rPr>
+              <a:t>increased </a:t>
             </a:r>
             <a:r>
               <a:rPr lang="en-US" sz="2000" dirty="0" smtClean="0">
                 <a:latin typeface="Times"/>
                 <a:cs typeface="Times"/>
               </a:rPr>
-              <a:t>The </a:t>
+              <a:t>sediment </a:t>
             </a:r>
             <a:r>
               <a:rPr lang="en-US" sz="2000" dirty="0">
                 <a:latin typeface="Times"/>
                 <a:cs typeface="Times"/>
               </a:rPr>
-              <a:t>experiment utilized </a:t>
+              <a:t>oxygen </a:t>
             </a:r>
             <a:r>
               <a:rPr lang="en-US" sz="2000" dirty="0" smtClean="0">
                 <a:latin typeface="Times"/>
                 <a:cs typeface="Times"/>
               </a:rPr>
-              <a:t>a complete </a:t>
+              <a:t>demand, normalized to sediment organic matter content, but there was no interaction between leaf litter and nutrient levels. Spectroscopy </a:t>
             </a:r>
             <a:r>
               <a:rPr lang="en-US" sz="2000" dirty="0">
                 <a:latin typeface="Times"/>
                 <a:cs typeface="Times"/>
               </a:rPr>
-              <a:t>factorial design, with four </a:t>
+              <a:t>scans revealed that the labile organic matter </a:t>
             </a:r>
             <a:r>
               <a:rPr lang="en-US" sz="2000" dirty="0" smtClean="0">
                 <a:latin typeface="Times"/>
                 <a:cs typeface="Times"/>
               </a:rPr>
-              <a:t>replicates for </a:t>
-            </a:r>
-            <a:r>
-              <a:rPr lang="en-US" sz="2000" dirty="0">
-                <a:latin typeface="Times"/>
-                <a:cs typeface="Times"/>
-              </a:rPr>
-              <a:t>each treatment </a:t>
-            </a:r>
-            <a:r>
-              <a:rPr lang="en-US" sz="2000" dirty="0" smtClean="0">
-                <a:latin typeface="Times"/>
-                <a:cs typeface="Times"/>
-              </a:rPr>
-              <a:t>combination. The sediment </a:t>
-            </a:r>
-            <a:r>
-              <a:rPr lang="en-US" sz="2000" dirty="0" err="1" smtClean="0">
-                <a:latin typeface="Times"/>
-                <a:cs typeface="Times"/>
-              </a:rPr>
-              <a:t>mesocosms</a:t>
-            </a:r>
-            <a:r>
-              <a:rPr lang="en-US" sz="2000" dirty="0" smtClean="0">
-                <a:latin typeface="Times"/>
-                <a:cs typeface="Times"/>
-              </a:rPr>
-              <a:t> </a:t>
-            </a:r>
-            <a:r>
-              <a:rPr lang="en-US" sz="2000" dirty="0" smtClean="0">
-                <a:latin typeface="Times"/>
-                <a:cs typeface="Times"/>
-              </a:rPr>
-              <a:t>were created in 300 ml BOD bottles using fine (&lt; 250 </a:t>
-            </a:r>
-            <a:r>
-              <a:rPr lang="en-US" sz="2000" dirty="0" err="1" smtClean="0">
-                <a:latin typeface="Times"/>
-                <a:cs typeface="Times"/>
-              </a:rPr>
-              <a:t>μm</a:t>
-            </a:r>
-            <a:r>
-              <a:rPr lang="en-US" sz="2000" dirty="0" smtClean="0">
-                <a:latin typeface="Times"/>
-                <a:cs typeface="Times"/>
-              </a:rPr>
-              <a:t>) </a:t>
-            </a:r>
-            <a:r>
-              <a:rPr lang="en-US" sz="2000" dirty="0" smtClean="0">
-                <a:latin typeface="Times"/>
-                <a:cs typeface="Times"/>
-              </a:rPr>
-              <a:t>sediments and water collected from </a:t>
-            </a:r>
-            <a:r>
-              <a:rPr lang="en-US" sz="2000" dirty="0">
-                <a:latin typeface="Times"/>
-                <a:cs typeface="Times"/>
-              </a:rPr>
-              <a:t>a </a:t>
-            </a:r>
-            <a:r>
-              <a:rPr lang="en-US" sz="2000" dirty="0" smtClean="0">
-                <a:latin typeface="Times"/>
-                <a:cs typeface="Times"/>
-              </a:rPr>
-              <a:t>small man</a:t>
-            </a:r>
-            <a:r>
-              <a:rPr lang="en-US" sz="2000" dirty="0">
-                <a:latin typeface="Times"/>
-                <a:cs typeface="Times"/>
-              </a:rPr>
-              <a:t>-made </a:t>
-            </a:r>
-            <a:r>
-              <a:rPr lang="en-US" sz="2000" dirty="0" smtClean="0">
-                <a:latin typeface="Times"/>
-                <a:cs typeface="Times"/>
-              </a:rPr>
-              <a:t>pond in Farmville, Va. The </a:t>
-            </a:r>
-            <a:r>
-              <a:rPr lang="en-US" sz="2000" dirty="0" err="1" smtClean="0">
-                <a:latin typeface="Times"/>
-                <a:cs typeface="Times"/>
-              </a:rPr>
-              <a:t>mesocsoms</a:t>
-            </a:r>
-            <a:r>
-              <a:rPr lang="en-US" sz="2000" dirty="0" smtClean="0">
-                <a:latin typeface="Times"/>
-                <a:cs typeface="Times"/>
-              </a:rPr>
-              <a:t> were incubated </a:t>
-            </a:r>
-            <a:r>
-              <a:rPr lang="en-US" sz="2000" dirty="0">
-                <a:latin typeface="Times"/>
-                <a:cs typeface="Times"/>
-              </a:rPr>
-              <a:t>in </a:t>
-            </a:r>
-            <a:r>
-              <a:rPr lang="en-US" sz="2000" dirty="0" smtClean="0">
-                <a:latin typeface="Times"/>
-                <a:cs typeface="Times"/>
-              </a:rPr>
-              <a:t>the </a:t>
-            </a:r>
-            <a:r>
-              <a:rPr lang="en-US" sz="2000" dirty="0" smtClean="0">
-                <a:latin typeface="Times"/>
-                <a:cs typeface="Times"/>
-              </a:rPr>
-              <a:t>dark for 22 days and sediment oxygen demand</a:t>
-            </a:r>
-            <a:r>
-              <a:rPr lang="en-US" sz="2000" dirty="0">
-                <a:latin typeface="Times"/>
-                <a:cs typeface="Times"/>
-              </a:rPr>
-              <a:t> </a:t>
-            </a:r>
-            <a:r>
-              <a:rPr lang="en-US" sz="2000" dirty="0" smtClean="0">
-                <a:latin typeface="Times"/>
-                <a:cs typeface="Times"/>
-              </a:rPr>
-              <a:t>and absorbance was measured at 1, 3, </a:t>
-            </a:r>
-            <a:r>
-              <a:rPr lang="en-US" sz="2000" dirty="0">
-                <a:latin typeface="Times"/>
-                <a:cs typeface="Times"/>
-              </a:rPr>
-              <a:t>8</a:t>
-            </a:r>
-            <a:r>
-              <a:rPr lang="en-US" sz="2000" dirty="0" smtClean="0">
-                <a:latin typeface="Times"/>
-                <a:cs typeface="Times"/>
-              </a:rPr>
-              <a:t>, 15, and 22 days</a:t>
-            </a:r>
-            <a:r>
-              <a:rPr lang="en-US" sz="2000" dirty="0" smtClean="0">
-                <a:latin typeface="Times"/>
-                <a:cs typeface="Times"/>
-              </a:rPr>
-              <a:t>. We found </a:t>
-            </a:r>
-            <a:r>
-              <a:rPr lang="en-US" sz="2000" dirty="0">
-                <a:latin typeface="Times"/>
-                <a:cs typeface="Times"/>
-              </a:rPr>
-              <a:t>that </a:t>
-            </a:r>
-            <a:r>
-              <a:rPr lang="en-US" sz="2000" dirty="0" smtClean="0">
-                <a:latin typeface="Times"/>
-                <a:cs typeface="Times"/>
-              </a:rPr>
-              <a:t>both leaf litter </a:t>
-            </a:r>
-            <a:r>
-              <a:rPr lang="en-US" sz="2000" dirty="0">
-                <a:latin typeface="Times"/>
-                <a:cs typeface="Times"/>
-              </a:rPr>
-              <a:t>and </a:t>
-            </a:r>
-            <a:r>
-              <a:rPr lang="en-US" sz="2000" dirty="0" smtClean="0">
-                <a:latin typeface="Times"/>
-                <a:cs typeface="Times"/>
-              </a:rPr>
-              <a:t>nutrient enrichment </a:t>
-            </a:r>
-            <a:r>
-              <a:rPr lang="en-US" sz="2000" dirty="0">
-                <a:latin typeface="Times"/>
-                <a:cs typeface="Times"/>
-              </a:rPr>
-              <a:t>increased </a:t>
-            </a:r>
-            <a:r>
-              <a:rPr lang="en-US" sz="2000" dirty="0" smtClean="0">
-                <a:latin typeface="Times"/>
-                <a:cs typeface="Times"/>
-              </a:rPr>
-              <a:t>sediment </a:t>
-            </a:r>
-            <a:r>
-              <a:rPr lang="en-US" sz="2000" dirty="0">
-                <a:latin typeface="Times"/>
-                <a:cs typeface="Times"/>
-              </a:rPr>
-              <a:t>oxygen </a:t>
-            </a:r>
-            <a:r>
-              <a:rPr lang="en-US" sz="2000" dirty="0" smtClean="0">
-                <a:latin typeface="Times"/>
-                <a:cs typeface="Times"/>
-              </a:rPr>
-              <a:t>demand, normalized to sediment organic matter content, but there was no interactio</a:t>
-            </a:r>
-            <a:r>
-              <a:rPr lang="en-US" sz="2000" dirty="0" smtClean="0">
-                <a:latin typeface="Times"/>
-                <a:cs typeface="Times"/>
-              </a:rPr>
-              <a:t>n between leaf litter and nutrient levels</a:t>
-            </a:r>
-            <a:r>
-              <a:rPr lang="en-US" sz="2000" dirty="0" smtClean="0">
-                <a:latin typeface="Times"/>
-                <a:cs typeface="Times"/>
-              </a:rPr>
-              <a:t>. Spectroscopy </a:t>
-            </a:r>
-            <a:r>
-              <a:rPr lang="en-US" sz="2000" dirty="0">
-                <a:latin typeface="Times"/>
-                <a:cs typeface="Times"/>
-              </a:rPr>
-              <a:t>scans revealed that the labile organic matter </a:t>
-            </a:r>
-            <a:r>
-              <a:rPr lang="en-US" sz="2000" dirty="0" smtClean="0">
-                <a:latin typeface="Times"/>
-                <a:cs typeface="Times"/>
-              </a:rPr>
-              <a:t>initially increased in the leaf </a:t>
-            </a:r>
-            <a:r>
-              <a:rPr lang="en-US" sz="2000" dirty="0" smtClean="0">
-                <a:latin typeface="Times"/>
-                <a:cs typeface="Times"/>
-              </a:rPr>
-              <a:t>litter treatments, </a:t>
-            </a:r>
-            <a:r>
-              <a:rPr lang="en-US" sz="2000" dirty="0" smtClean="0">
-                <a:latin typeface="Times"/>
-                <a:cs typeface="Times"/>
-              </a:rPr>
-              <a:t>but then declined and </a:t>
-            </a:r>
-            <a:r>
-              <a:rPr lang="en-US" sz="2000" dirty="0" smtClean="0">
-                <a:latin typeface="Times"/>
-                <a:cs typeface="Times"/>
-              </a:rPr>
-              <a:t>stabilized on the </a:t>
-            </a:r>
-            <a:r>
-              <a:rPr lang="en-US" sz="2000" dirty="0" smtClean="0">
-                <a:latin typeface="Times"/>
-                <a:cs typeface="Times"/>
-              </a:rPr>
-              <a:t>last two samples </a:t>
-            </a:r>
-            <a:r>
-              <a:rPr lang="en-US" sz="2000" dirty="0" smtClean="0">
-                <a:latin typeface="Times"/>
-                <a:cs typeface="Times"/>
-              </a:rPr>
-              <a:t>dates. The effect of leaf litter on SOD was greatest at 2 and 7 days of incubation and not significant after 21 days. These results indicate that sediment metabolism in this system is limited by organic matter quality and nutrients and that leaf litter can temporarily increase the availability of labile organic substrates.</a:t>
+              <a:t>initially increased in the leaf litter treatments, but then declined and stabilized on the last two samples dates. The effect of leaf litter on SOD was greatest at 2 and 7 days of incubation and not significant after 21 days. These results indicate that sediment metabolism in this system is limited by organic matter quality and nutrients and that leaf litter can temporarily increase the availability of labile organic substrates.</a:t>
             </a:r>
             <a:endParaRPr lang="en-US" sz="2000" dirty="0">
               <a:latin typeface="Times"/>
@@ -4325,21 +4216,7 @@
                 <a:latin typeface="Times New Roman"/>
                 <a:cs typeface="Times New Roman"/>
               </a:rPr>
-              <a:t>Sediment microbial metabolism </a:t>
-            </a:r>
-            <a:r>
-              <a:rPr lang="en-US" sz="3200" dirty="0" smtClean="0">
-                <a:latin typeface="Times New Roman"/>
-                <a:cs typeface="Times New Roman"/>
-              </a:rPr>
-              <a:t>is more limited by o</a:t>
-            </a:r>
-            <a:r>
-              <a:rPr lang="en-US" sz="3200" dirty="0" smtClean="0">
-                <a:latin typeface="Times New Roman"/>
-                <a:cs typeface="Times New Roman"/>
-              </a:rPr>
-              <a:t>rganic matter source (i.e., quality) than by the quantity of organic matter in the sediments.</a:t>
+              <a:t>Sediment microbial metabolism is more limited by organic matter source (i.e., quality) than by the quantity of organic matter in the sediments.</a:t>
             </a:r>
           </a:p>
           <a:p>
@@ -4661,21 +4538,7 @@
                     <a:latin typeface="Times" panose="02020603050405020304" pitchFamily="18" charset="0"/>
                     <a:cs typeface="Times" panose="02020603050405020304" pitchFamily="18" charset="0"/>
                   </a:rPr>
-                  <a:t>: An </a:t>
-                </a:r>
-                <a:r>
-                  <a:rPr lang="en-US" sz="2400" dirty="0" smtClean="0">
-                    <a:latin typeface="Times" panose="02020603050405020304" pitchFamily="18" charset="0"/>
-                    <a:cs typeface="Times" panose="02020603050405020304" pitchFamily="18" charset="0"/>
-                  </a:rPr>
-                  <a:t>example of a BOD bottle with CPOM </a:t>
-                </a:r>
-                <a:r>
-                  <a:rPr lang="en-US" sz="2400" dirty="0" smtClean="0">
-                    <a:latin typeface="Times" panose="02020603050405020304" pitchFamily="18" charset="0"/>
-                    <a:cs typeface="Times" panose="02020603050405020304" pitchFamily="18" charset="0"/>
-                  </a:rPr>
-                  <a:t>present (A) and absent (B).</a:t>
+                  <a:t>: An example of a BOD bottle with CPOM present (A) and absent (B).</a:t>
                 </a:r>
                 <a:endParaRPr lang="en-US" sz="2400" dirty="0">
                   <a:latin typeface="Times" panose="02020603050405020304" pitchFamily="18" charset="0"/>
@@ -4862,14 +4725,7 @@
                     <a:latin typeface="Times" panose="02020603050405020304" pitchFamily="18" charset="0"/>
                     <a:cs typeface="Times" panose="02020603050405020304" pitchFamily="18" charset="0"/>
                   </a:rPr>
-                  <a:t>: </a:t>
-                </a:r>
-                <a:r>
-                  <a:rPr lang="en-US" sz="2400" dirty="0" smtClean="0">
-                    <a:latin typeface="Times" panose="02020603050405020304" pitchFamily="18" charset="0"/>
-                    <a:cs typeface="Times" panose="02020603050405020304" pitchFamily="18" charset="0"/>
-                  </a:rPr>
-                  <a:t>Landscape and aerial views of Lancer Park Pond (LPP). LPP is a </a:t>
+                  <a:t>: Landscape and aerial views of Lancer Park Pond (LPP). LPP is a </a:t>
                 </a:r>
                 <a:r>
                   <a:rPr lang="en-US" sz="2400" dirty="0" err="1" smtClean="0">
@@ -4936,112 +4792,7 @@
                   <a:latin typeface="Times" panose="02020603050405020304" pitchFamily="18" charset="0"/>
                   <a:cs typeface="Times" panose="02020603050405020304" pitchFamily="18" charset="0"/>
                 </a:rPr>
-                <a:t>A </a:t>
-              </a:r>
-              <a:r>
-                <a:rPr lang="en-US" sz="2400" dirty="0" smtClean="0">
-                  <a:latin typeface="Times" panose="02020603050405020304" pitchFamily="18" charset="0"/>
-                  <a:cs typeface="Times" panose="02020603050405020304" pitchFamily="18" charset="0"/>
-                </a:rPr>
-                <a:t>comparison of the </a:t>
-              </a:r>
-              <a:r>
-                <a:rPr lang="en-US" sz="2400" dirty="0" smtClean="0">
-                  <a:latin typeface="Times" panose="02020603050405020304" pitchFamily="18" charset="0"/>
-                  <a:cs typeface="Times" panose="02020603050405020304" pitchFamily="18" charset="0"/>
-                </a:rPr>
-                <a:t>average sediment </a:t>
-              </a:r>
-              <a:r>
-                <a:rPr lang="en-US" sz="2400" dirty="0" smtClean="0">
-                  <a:latin typeface="Times" panose="02020603050405020304" pitchFamily="18" charset="0"/>
-                  <a:cs typeface="Times" panose="02020603050405020304" pitchFamily="18" charset="0"/>
-                </a:rPr>
-                <a:t>oxygen demand </a:t>
-              </a:r>
-              <a:r>
-                <a:rPr lang="en-US" sz="2400" dirty="0" smtClean="0">
-                  <a:latin typeface="Times" panose="02020603050405020304" pitchFamily="18" charset="0"/>
-                  <a:cs typeface="Times" panose="02020603050405020304" pitchFamily="18" charset="0"/>
-                </a:rPr>
-                <a:t>(SOD) in </a:t>
-              </a:r>
-              <a:r>
-                <a:rPr lang="en-US" sz="2400" dirty="0" smtClean="0">
-                  <a:latin typeface="Times" panose="02020603050405020304" pitchFamily="18" charset="0"/>
-                  <a:cs typeface="Times" panose="02020603050405020304" pitchFamily="18" charset="0"/>
-                </a:rPr>
-                <a:t>BOD bottles with </a:t>
-              </a:r>
-              <a:r>
-                <a:rPr lang="en-US" sz="2400" dirty="0" smtClean="0">
-                  <a:latin typeface="Times" panose="02020603050405020304" pitchFamily="18" charset="0"/>
-                  <a:cs typeface="Times" panose="02020603050405020304" pitchFamily="18" charset="0"/>
-                </a:rPr>
-                <a:t> and without leaf litter. Leaf litter </a:t>
-              </a:r>
-              <a:r>
-                <a:rPr lang="en-US" sz="2400" dirty="0" smtClean="0">
-                  <a:latin typeface="Times" panose="02020603050405020304" pitchFamily="18" charset="0"/>
-                  <a:cs typeface="Times" panose="02020603050405020304" pitchFamily="18" charset="0"/>
-                </a:rPr>
-                <a:t>significantly </a:t>
-              </a:r>
-              <a:r>
-                <a:rPr lang="en-US" sz="2400" dirty="0" smtClean="0">
-                  <a:latin typeface="Times" panose="02020603050405020304" pitchFamily="18" charset="0"/>
-                  <a:cs typeface="Times" panose="02020603050405020304" pitchFamily="18" charset="0"/>
-                </a:rPr>
-                <a:t>increases </a:t>
-              </a:r>
-              <a:r>
-                <a:rPr lang="en-US" sz="2400" dirty="0" smtClean="0">
-                  <a:latin typeface="Times" panose="02020603050405020304" pitchFamily="18" charset="0"/>
-                  <a:cs typeface="Times" panose="02020603050405020304" pitchFamily="18" charset="0"/>
-                </a:rPr>
-                <a:t>sediment oxygen demand </a:t>
-              </a:r>
-              <a:r>
-                <a:rPr lang="en-US" sz="2400" dirty="0" smtClean="0">
-                  <a:latin typeface="Times" panose="02020603050405020304" pitchFamily="18" charset="0"/>
-                  <a:cs typeface="Times" panose="02020603050405020304" pitchFamily="18" charset="0"/>
-                </a:rPr>
-                <a:t>in the pond sediments. Note that, </a:t>
-              </a:r>
-              <a:r>
-                <a:rPr lang="en-US" sz="2400" dirty="0" smtClean="0">
-                  <a:latin typeface="Times" panose="02020603050405020304" pitchFamily="18" charset="0"/>
-                  <a:cs typeface="Times" panose="02020603050405020304" pitchFamily="18" charset="0"/>
-                </a:rPr>
-                <a:t>since these results were </a:t>
-              </a:r>
-              <a:r>
-                <a:rPr lang="en-US" sz="2400" dirty="0" smtClean="0">
-                  <a:latin typeface="Times" panose="02020603050405020304" pitchFamily="18" charset="0"/>
-                  <a:cs typeface="Times" panose="02020603050405020304" pitchFamily="18" charset="0"/>
-                </a:rPr>
-                <a:t>normalized by </a:t>
-              </a:r>
-              <a:r>
-                <a:rPr lang="en-US" sz="2400" dirty="0" smtClean="0">
-                  <a:latin typeface="Times" panose="02020603050405020304" pitchFamily="18" charset="0"/>
-                  <a:cs typeface="Times" panose="02020603050405020304" pitchFamily="18" charset="0"/>
-                </a:rPr>
-                <a:t>their organic matter content, </a:t>
-              </a:r>
-              <a:r>
-                <a:rPr lang="en-US" sz="2400" dirty="0" smtClean="0">
-                  <a:latin typeface="Times" panose="02020603050405020304" pitchFamily="18" charset="0"/>
-                  <a:cs typeface="Times" panose="02020603050405020304" pitchFamily="18" charset="0"/>
-                </a:rPr>
-                <a:t>the effect </a:t>
-              </a:r>
-              <a:r>
-                <a:rPr lang="en-US" sz="2400" dirty="0" smtClean="0">
-                  <a:latin typeface="Times" panose="02020603050405020304" pitchFamily="18" charset="0"/>
-                  <a:cs typeface="Times" panose="02020603050405020304" pitchFamily="18" charset="0"/>
-                </a:rPr>
-                <a:t>is not due to the increase in organic matter with the leaf additions.</a:t>
+                <a:t>A comparison of the average sediment oxygen demand (SOD) in BOD bottles with  and without leaf litter. Leaf litter significantly increases sediment oxygen demand in the pond sediments. Note that, since these results were normalized by their organic matter content, the effect is not due to the increase in organic matter with the leaf additions.</a:t>
               </a:r>
               <a:endParaRPr lang="en-US" sz="2400" dirty="0">
                 <a:latin typeface="Times" panose="02020603050405020304" pitchFamily="18" charset="0"/>
@@ -5249,70 +5000,7 @@
                   <a:latin typeface="Times" panose="02020603050405020304" pitchFamily="18" charset="0"/>
                   <a:cs typeface="Times" panose="02020603050405020304" pitchFamily="18" charset="0"/>
                 </a:rPr>
-                <a:t>A </a:t>
-              </a:r>
-              <a:r>
-                <a:rPr lang="en-US" sz="2400" dirty="0" smtClean="0">
-                  <a:latin typeface="Times" panose="02020603050405020304" pitchFamily="18" charset="0"/>
-                  <a:cs typeface="Times" panose="02020603050405020304" pitchFamily="18" charset="0"/>
-                </a:rPr>
-                <a:t>comparison of the </a:t>
-              </a:r>
-              <a:r>
-                <a:rPr lang="en-US" sz="2400" dirty="0" smtClean="0">
-                  <a:latin typeface="Times" panose="02020603050405020304" pitchFamily="18" charset="0"/>
-                  <a:cs typeface="Times" panose="02020603050405020304" pitchFamily="18" charset="0"/>
-                </a:rPr>
-                <a:t>effect of leaf litter on sediment </a:t>
-              </a:r>
-              <a:r>
-                <a:rPr lang="en-US" sz="2400" dirty="0" smtClean="0">
-                  <a:latin typeface="Times" panose="02020603050405020304" pitchFamily="18" charset="0"/>
-                  <a:cs typeface="Times" panose="02020603050405020304" pitchFamily="18" charset="0"/>
-                </a:rPr>
-                <a:t>oxygen demand </a:t>
-              </a:r>
-              <a:r>
-                <a:rPr lang="en-US" sz="2400" dirty="0" smtClean="0">
-                  <a:latin typeface="Times" panose="02020603050405020304" pitchFamily="18" charset="0"/>
-                  <a:cs typeface="Times" panose="02020603050405020304" pitchFamily="18" charset="0"/>
-                </a:rPr>
-                <a:t>(SOD) in </a:t>
-              </a:r>
-              <a:r>
-                <a:rPr lang="en-US" sz="2400" dirty="0" smtClean="0">
-                  <a:latin typeface="Times" panose="02020603050405020304" pitchFamily="18" charset="0"/>
-                  <a:cs typeface="Times" panose="02020603050405020304" pitchFamily="18" charset="0"/>
-                </a:rPr>
-                <a:t>bottles </a:t>
-              </a:r>
-              <a:r>
-                <a:rPr lang="en-US" sz="2400" dirty="0" smtClean="0">
-                  <a:latin typeface="Times" panose="02020603050405020304" pitchFamily="18" charset="0"/>
-                  <a:cs typeface="Times" panose="02020603050405020304" pitchFamily="18" charset="0"/>
-                </a:rPr>
-                <a:t>over time.  The SOD and the effect of leaf litter on SOD was greatest after 2 and 7 days of incubation and declined during the experiment. There was no significant effect of leaf litter </a:t>
-              </a:r>
-              <a:r>
-                <a:rPr lang="en-US" sz="2400" dirty="0" smtClean="0">
-                  <a:latin typeface="Times" panose="02020603050405020304" pitchFamily="18" charset="0"/>
-                  <a:cs typeface="Times" panose="02020603050405020304" pitchFamily="18" charset="0"/>
-                </a:rPr>
-                <a:t>on SOD</a:t>
-              </a:r>
-              <a:r>
-                <a:rPr lang="en-US" sz="2400" dirty="0" smtClean="0">
-                  <a:latin typeface="Times" panose="02020603050405020304" pitchFamily="18" charset="0"/>
-                  <a:cs typeface="Times" panose="02020603050405020304" pitchFamily="18" charset="0"/>
-                </a:rPr>
-                <a:t> after </a:t>
-              </a:r>
-              <a:r>
-                <a:rPr lang="en-US" sz="2400" dirty="0" smtClean="0">
-                  <a:latin typeface="Times" panose="02020603050405020304" pitchFamily="18" charset="0"/>
-                  <a:cs typeface="Times" panose="02020603050405020304" pitchFamily="18" charset="0"/>
-                </a:rPr>
-                <a:t>22 days. </a:t>
+                <a:t>A comparison of the effect of leaf litter on sediment oxygen demand (SOD) in bottles over time.  The SOD and the effect of leaf litter on SOD was greatest after 2 and 7 days of incubation and declined during the experiment. There was no significant effect of leaf litter on SOD after 22 days. </a:t>
               </a:r>
               <a:endParaRPr lang="en-US" sz="2400" dirty="0">
                 <a:latin typeface="Times" panose="02020603050405020304" pitchFamily="18" charset="0"/>
@@ -5437,14 +5125,7 @@
                   <a:latin typeface="Times" panose="02020603050405020304" pitchFamily="18" charset="0"/>
                   <a:cs typeface="Times" panose="02020603050405020304" pitchFamily="18" charset="0"/>
                 </a:rPr>
-                <a:t>experiment but the effect of nutrients remains consistent for the 22 days of incubation</a:t>
-              </a:r>
-              <a:r>
-                <a:rPr lang="en-US" sz="2400" dirty="0" smtClean="0">
-                  <a:latin typeface="Times" panose="02020603050405020304" pitchFamily="18" charset="0"/>
-                  <a:cs typeface="Times" panose="02020603050405020304" pitchFamily="18" charset="0"/>
-                </a:rPr>
-                <a:t>. </a:t>
+                <a:t>experiment but the effect of nutrients remains consistent for the 22 days of incubation. </a:t>
               </a:r>
               <a:endParaRPr lang="en-US" sz="2400" dirty="0">
                 <a:latin typeface="Times" panose="02020603050405020304" pitchFamily="18" charset="0"/>
@@ -5561,54 +5242,36 @@
                 <a:latin typeface="Times"/>
                 <a:cs typeface="Times"/>
               </a:rPr>
-              <a:t>The </a:t>
+              <a:t>The combined effect of leaf litter and nutrient enrichment on sediment oxygen demand and organic matter </a:t>
+            </a:r>
+            <a:r>
+              <a:rPr lang="en-US" sz="1800" dirty="0" err="1" smtClean="0">
+                <a:latin typeface="Times"/>
+                <a:cs typeface="Times"/>
+              </a:rPr>
+              <a:t>lability</a:t>
             </a:r>
             <a:r>
               <a:rPr lang="en-US" sz="1800" dirty="0" smtClean="0">
                 <a:latin typeface="Times"/>
                 <a:cs typeface="Times"/>
               </a:rPr>
-              <a:t>combined effect of leaf litter and nutrient enrichment on sediment oxygen demand and organic matter </a:t>
+              <a:t> was tested with 300 ml </a:t>
             </a:r>
             <a:r>
               <a:rPr lang="en-US" sz="1800" dirty="0" err="1" smtClean="0">
                 <a:latin typeface="Times"/>
                 <a:cs typeface="Times"/>
               </a:rPr>
-              <a:t>lability</a:t>
+              <a:t>mesocosms</a:t>
             </a:r>
             <a:r>
               <a:rPr lang="en-US" sz="1800" dirty="0" smtClean="0">
                 <a:latin typeface="Times"/>
                 <a:cs typeface="Times"/>
               </a:rPr>
-              <a:t> was tested with 300 ml </a:t>
-            </a:r>
-            <a:r>
-              <a:rPr lang="en-US" sz="1800" dirty="0" err="1" smtClean="0">
-                <a:latin typeface="Times"/>
-                <a:cs typeface="Times"/>
-              </a:rPr>
-              <a:t>mesocosms</a:t>
-            </a:r>
-            <a:r>
-              <a:rPr lang="en-US" sz="1800" dirty="0" smtClean="0">
-                <a:latin typeface="Times"/>
-                <a:cs typeface="Times"/>
-              </a:rPr>
-              <a:t> (BOD bottles) arranged in a a complete factorial </a:t>
-            </a:r>
-            <a:r>
-              <a:rPr lang="en-US" sz="1800" dirty="0" smtClean="0">
-                <a:latin typeface="Times"/>
-                <a:cs typeface="Times"/>
-              </a:rPr>
-              <a:t>design.</a:t>
-            </a:r>
-            <a:endParaRPr lang="en-US" sz="1800" dirty="0" smtClean="0">
-              <a:latin typeface="Times"/>
-              <a:cs typeface="Times"/>
-            </a:endParaRPr>
+              <a:t> (BOD bottles) arranged in a a complete factorial design.</a:t>
+            </a:r>
           </a:p>
           <a:p>
             <a:pPr marL="272434" indent="-272434" algn="just">
@@ -5620,96 +5283,57 @@
                 <a:latin typeface="Times"/>
                 <a:cs typeface="Times"/>
               </a:rPr>
-              <a:t>Each BOD bottle received 100 ml of fine sediment collected from </a:t>
+              <a:t>Each BOD bottle received 100 ml of fine sediment collected from Lancer Park Pond (Fig. 1) on 29 </a:t>
+            </a:r>
+            <a:r>
+              <a:rPr lang="en-US" sz="1800" dirty="0">
+                <a:latin typeface="Times"/>
+                <a:cs typeface="Times"/>
+              </a:rPr>
+              <a:t>May, 2014 using </a:t>
             </a:r>
             <a:r>
               <a:rPr lang="en-US" sz="1800" dirty="0" smtClean="0">
                 <a:latin typeface="Times"/>
                 <a:cs typeface="Times"/>
               </a:rPr>
-              <a:t>Lancer Park Pond </a:t>
+              <a:t>an </a:t>
+            </a:r>
+            <a:r>
+              <a:rPr lang="en-US" sz="1800" dirty="0" err="1">
+                <a:latin typeface="Times"/>
+                <a:cs typeface="Times"/>
+              </a:rPr>
+              <a:t>E</a:t>
+            </a:r>
+            <a:r>
+              <a:rPr lang="en-US" sz="1800" dirty="0" err="1" smtClean="0">
+                <a:latin typeface="Times"/>
+                <a:cs typeface="Times"/>
+              </a:rPr>
+              <a:t>ckman</a:t>
             </a:r>
             <a:r>
               <a:rPr lang="en-US" sz="1800" dirty="0" smtClean="0">
                 <a:latin typeface="Times"/>
                 <a:cs typeface="Times"/>
               </a:rPr>
-              <a:t>(Fig. 1) on </a:t>
+              <a:t>-dredge and sieved through 250 </a:t>
+            </a:r>
+            <a:r>
+              <a:rPr lang="en-US" sz="1800" dirty="0" err="1" smtClean="0">
+                <a:latin typeface="Times"/>
+                <a:cs typeface="Times"/>
+              </a:rPr>
+              <a:t>μm</a:t>
             </a:r>
             <a:r>
               <a:rPr lang="en-US" sz="1800" dirty="0" smtClean="0">
                 <a:latin typeface="Times"/>
                 <a:cs typeface="Times"/>
               </a:rPr>
-              <a:t>29 </a:t>
-            </a:r>
-            <a:r>
-              <a:rPr lang="en-US" sz="1800" dirty="0">
-                <a:latin typeface="Times"/>
-                <a:cs typeface="Times"/>
-              </a:rPr>
-              <a:t>May, 2014 using </a:t>
-            </a:r>
-            <a:r>
-              <a:rPr lang="en-US" sz="1800" dirty="0" smtClean="0">
-                <a:latin typeface="Times"/>
-                <a:cs typeface="Times"/>
-              </a:rPr>
-              <a:t>an </a:t>
-            </a:r>
-            <a:r>
-              <a:rPr lang="en-US" sz="1800" dirty="0" err="1">
-                <a:latin typeface="Times"/>
-                <a:cs typeface="Times"/>
-              </a:rPr>
-              <a:t>E</a:t>
-            </a:r>
-            <a:r>
-              <a:rPr lang="en-US" sz="1800" dirty="0" err="1" smtClean="0">
-                <a:latin typeface="Times"/>
-                <a:cs typeface="Times"/>
-              </a:rPr>
-              <a:t>ckman</a:t>
-            </a:r>
-            <a:r>
-              <a:rPr lang="en-US" sz="1800" dirty="0" smtClean="0">
-                <a:latin typeface="Times"/>
-                <a:cs typeface="Times"/>
-              </a:rPr>
-              <a:t>-</a:t>
-            </a:r>
-            <a:r>
-              <a:rPr lang="en-US" sz="1800" dirty="0" smtClean="0">
-                <a:latin typeface="Times"/>
-                <a:cs typeface="Times"/>
-              </a:rPr>
-              <a:t>dredge and sieved through 250 </a:t>
-            </a:r>
-            <a:r>
-              <a:rPr lang="en-US" sz="1800" dirty="0" err="1" smtClean="0">
-                <a:latin typeface="Times"/>
-                <a:cs typeface="Times"/>
-              </a:rPr>
-              <a:t>μm</a:t>
-            </a:r>
-            <a:r>
-              <a:rPr lang="en-US" sz="1800" dirty="0" smtClean="0">
-                <a:latin typeface="Times"/>
-                <a:cs typeface="Times"/>
-              </a:rPr>
-              <a:t> mes</a:t>
-            </a:r>
-            <a:r>
-              <a:rPr lang="en-US" sz="1800" dirty="0" smtClean="0">
-                <a:latin typeface="Times"/>
-                <a:cs typeface="Times"/>
-              </a:rPr>
-              <a:t>h.</a:t>
-            </a:r>
-            <a:endParaRPr lang="en-US" sz="1800" dirty="0" smtClean="0">
-              <a:latin typeface="Times"/>
-              <a:cs typeface="Times"/>
-            </a:endParaRPr>
+              <a:t> mesh.</a:t>
+            </a:r>
           </a:p>
           <a:p>
             <a:pPr marL="272434" indent="-272434" algn="just">
@@ -5721,28 +5345,7 @@
                 <a:latin typeface="Times"/>
                 <a:cs typeface="Times"/>
               </a:rPr>
-              <a:t>The BOD bottles were then filled with Lancer Park Pond water </a:t>
-            </a:r>
-            <a:r>
-              <a:rPr lang="en-US" sz="1800" dirty="0" smtClean="0">
-                <a:latin typeface="Times"/>
-                <a:cs typeface="Times"/>
-              </a:rPr>
-              <a:t>collected </a:t>
-            </a:r>
-            <a:r>
-              <a:rPr lang="en-US" sz="1800" dirty="0" smtClean="0">
-                <a:latin typeface="Times"/>
-                <a:cs typeface="Times"/>
-              </a:rPr>
-              <a:t>9 June 2014 </a:t>
-            </a:r>
-            <a:r>
-              <a:rPr lang="en-US" sz="1800" dirty="0" smtClean="0">
-                <a:latin typeface="Times"/>
-                <a:cs typeface="Times"/>
-              </a:rPr>
-              <a:t>from 0.5 m.</a:t>
+              <a:t>The BOD bottles were then filled with Lancer Park Pond water collected 9 June 2014 from 0.5 m.</a:t>
             </a:r>
           </a:p>
           <a:p>
@@ -5755,82 +5358,50 @@
                 <a:latin typeface="Times"/>
                 <a:cs typeface="Times"/>
               </a:rPr>
-              <a:t>Nutrient </a:t>
+              <a:t>Nutrient enrichment treatments were created by increasing the nutrient concentration of the overlying water by 300 μg L</a:t>
+            </a:r>
+            <a:r>
+              <a:rPr lang="en-US" sz="1800" baseline="30000" dirty="0" smtClean="0">
+                <a:latin typeface="Times"/>
+                <a:cs typeface="Times"/>
+              </a:rPr>
+              <a:t>-1</a:t>
             </a:r>
             <a:r>
               <a:rPr lang="en-US" sz="1800" dirty="0" smtClean="0">
                 <a:latin typeface="Times"/>
                 <a:cs typeface="Times"/>
               </a:rPr>
-              <a:t>enrichment treatments were created by </a:t>
+              <a:t> of DIN and 30 </a:t>
+            </a:r>
+            <a:r>
+              <a:rPr lang="en-US" sz="1800" dirty="0">
+                <a:latin typeface="Times"/>
+                <a:cs typeface="Times"/>
+              </a:rPr>
+              <a:t>μg L</a:t>
+            </a:r>
+            <a:r>
+              <a:rPr lang="en-US" sz="1800" baseline="30000" dirty="0">
+                <a:latin typeface="Times"/>
+                <a:cs typeface="Times"/>
+              </a:rPr>
+              <a:t>-1</a:t>
+            </a:r>
+            <a:r>
+              <a:rPr lang="en-US" sz="1800" dirty="0">
+                <a:latin typeface="Times"/>
+                <a:cs typeface="Times"/>
+              </a:rPr>
+              <a:t> of </a:t>
             </a:r>
             <a:r>
               <a:rPr lang="en-US" sz="1800" dirty="0" smtClean="0">
                 <a:latin typeface="Times"/>
                 <a:cs typeface="Times"/>
               </a:rPr>
-              <a:t>increasing the nutrient concentration of the overlying water by 300 </a:t>
-            </a:r>
-            <a:r>
-              <a:rPr lang="en-US" sz="1800" dirty="0" smtClean="0">
-                <a:latin typeface="Times"/>
-                <a:cs typeface="Times"/>
-              </a:rPr>
-              <a:t>μg L</a:t>
-            </a:r>
-            <a:r>
-              <a:rPr lang="en-US" sz="1800" baseline="30000" dirty="0" smtClean="0">
-                <a:latin typeface="Times"/>
-                <a:cs typeface="Times"/>
-              </a:rPr>
-              <a:t>-1</a:t>
-            </a:r>
-            <a:r>
-              <a:rPr lang="en-US" sz="1800" dirty="0" smtClean="0">
-                <a:latin typeface="Times"/>
-                <a:cs typeface="Times"/>
-              </a:rPr>
-              <a:t> </a:t>
-            </a:r>
-            <a:r>
-              <a:rPr lang="en-US" sz="1800" dirty="0" smtClean="0">
-                <a:latin typeface="Times"/>
-                <a:cs typeface="Times"/>
-              </a:rPr>
-              <a:t>of DIN and 30 </a:t>
-            </a:r>
-            <a:r>
-              <a:rPr lang="en-US" sz="1800" dirty="0">
-                <a:latin typeface="Times"/>
-                <a:cs typeface="Times"/>
-              </a:rPr>
-              <a:t>μg L</a:t>
-            </a:r>
-            <a:r>
-              <a:rPr lang="en-US" sz="1800" baseline="30000" dirty="0">
-                <a:latin typeface="Times"/>
-                <a:cs typeface="Times"/>
-              </a:rPr>
-              <a:t>-1</a:t>
-            </a:r>
-            <a:r>
-              <a:rPr lang="en-US" sz="1800" dirty="0">
-                <a:latin typeface="Times"/>
-                <a:cs typeface="Times"/>
-              </a:rPr>
-              <a:t> of </a:t>
-            </a:r>
-            <a:r>
-              <a:rPr lang="en-US" sz="1800" dirty="0" smtClean="0">
-                <a:latin typeface="Times"/>
-                <a:cs typeface="Times"/>
-              </a:rPr>
               <a:t>DIP.</a:t>
             </a:r>
-            <a:endParaRPr lang="en-US" sz="1800" dirty="0" smtClean="0">
-              <a:latin typeface="Times"/>
-              <a:cs typeface="Times"/>
-            </a:endParaRPr>
           </a:p>
           <a:p>
             <a:pPr marL="272434" indent="-272434" algn="just">
@@ -5856,63 +5427,7 @@
                 <a:latin typeface="Times"/>
                 <a:cs typeface="Times"/>
               </a:rPr>
-              <a:t>eaf litter treatments </a:t>
-            </a:r>
-            <a:r>
-              <a:rPr lang="en-US" sz="1800" dirty="0" smtClean="0">
-                <a:latin typeface="Times"/>
-                <a:cs typeface="Times"/>
-              </a:rPr>
-              <a:t>were created by adding </a:t>
-            </a:r>
-            <a:r>
-              <a:rPr lang="en-US" sz="1800" dirty="0" smtClean="0">
-                <a:latin typeface="Times"/>
-                <a:cs typeface="Times"/>
-              </a:rPr>
-              <a:t>20, senescent tulip poplar leaf </a:t>
-            </a:r>
-            <a:r>
-              <a:rPr lang="en-US" sz="1800" dirty="0" smtClean="0">
-                <a:latin typeface="Times"/>
-                <a:cs typeface="Times"/>
-              </a:rPr>
-              <a:t>disks </a:t>
-            </a:r>
-            <a:r>
-              <a:rPr lang="en-US" sz="1800" dirty="0" smtClean="0">
-                <a:latin typeface="Times"/>
-                <a:cs typeface="Times"/>
-              </a:rPr>
-              <a:t>(10 </a:t>
-            </a:r>
-            <a:r>
-              <a:rPr lang="en-US" sz="1800" dirty="0" smtClean="0">
-                <a:latin typeface="Times"/>
-                <a:cs typeface="Times"/>
-              </a:rPr>
-              <a:t>mm </a:t>
-            </a:r>
-            <a:r>
-              <a:rPr lang="en-US" sz="1800" dirty="0" smtClean="0">
-                <a:latin typeface="Times"/>
-                <a:cs typeface="Times"/>
-              </a:rPr>
-              <a:t>diam.) </a:t>
-            </a:r>
-            <a:r>
-              <a:rPr lang="en-US" sz="1800" dirty="0" smtClean="0">
-                <a:latin typeface="Times"/>
-                <a:cs typeface="Times"/>
-              </a:rPr>
-              <a:t>to the BOD </a:t>
-            </a:r>
-            <a:r>
-              <a:rPr lang="en-US" sz="1800" dirty="0" smtClean="0">
-                <a:latin typeface="Times"/>
-                <a:cs typeface="Times"/>
-              </a:rPr>
-              <a:t>bottles (Fig. 2)</a:t>
+              <a:t>eaf litter treatments were created by adding 20, senescent tulip poplar leaf disks (10 mm diam.) to the BOD bottles (Fig. 2)</a:t>
             </a:r>
           </a:p>
           <a:p>
@@ -5927,10 +5442,6 @@
               </a:rPr>
               <a:t>The BOD bottles were incubated in the dark on rocker-shakers and sampled at 1, 3, 8, 15, and 22 days.</a:t>
             </a:r>
-            <a:endParaRPr lang="en-US" sz="1800" dirty="0" smtClean="0">
-              <a:latin typeface="Times"/>
-              <a:cs typeface="Times"/>
-            </a:endParaRPr>
           </a:p>
           <a:p>
             <a:pPr marL="272434" indent="-272434" algn="just">
@@ -5942,14 +5453,7 @@
                 <a:latin typeface="Times"/>
                 <a:cs typeface="Times"/>
               </a:rPr>
-              <a:t>Sediment oxygen demand was </a:t>
-            </a:r>
-            <a:r>
-              <a:rPr lang="en-US" sz="1800" dirty="0" smtClean="0">
-                <a:latin typeface="Times"/>
-                <a:cs typeface="Times"/>
-              </a:rPr>
-              <a:t>calculated as the change in dissolved oxygen over a 5 h incubation.</a:t>
+              <a:t>Sediment oxygen demand was calculated as the change in dissolved oxygen over a 5 h incubation.</a:t>
             </a:r>
           </a:p>
           <a:p>
@@ -5962,21 +5466,7 @@
                 <a:latin typeface="Times"/>
                 <a:cs typeface="Times"/>
               </a:rPr>
-              <a:t>Dissolved oxygen was determined </a:t>
-            </a:r>
-            <a:r>
-              <a:rPr lang="en-US" sz="1800" dirty="0" smtClean="0">
-                <a:latin typeface="Times"/>
-                <a:cs typeface="Times"/>
-              </a:rPr>
-              <a:t>using the Winkler’s Method (Carpenter 1965</a:t>
-            </a:r>
-            <a:r>
-              <a:rPr lang="en-US" sz="1800" dirty="0" smtClean="0">
-                <a:latin typeface="Times"/>
-                <a:cs typeface="Times"/>
-              </a:rPr>
-              <a:t>).</a:t>
+              <a:t>Dissolved oxygen was determined using the Winkler’s Method (Carpenter 1965).</a:t>
             </a:r>
           </a:p>
           <a:p>
@@ -6476,28 +5966,7 @@
                   <a:latin typeface="Times" panose="02020603050405020304" pitchFamily="18" charset="0"/>
                   <a:cs typeface="Times" panose="02020603050405020304" pitchFamily="18" charset="0"/>
                 </a:rPr>
-                <a:t>A </a:t>
-              </a:r>
-              <a:r>
-                <a:rPr lang="en-US" sz="2400" dirty="0" smtClean="0">
-                  <a:latin typeface="Times" panose="02020603050405020304" pitchFamily="18" charset="0"/>
-                  <a:cs typeface="Times" panose="02020603050405020304" pitchFamily="18" charset="0"/>
-                </a:rPr>
-                <a:t>comparison of the </a:t>
-              </a:r>
-              <a:r>
-                <a:rPr lang="en-US" sz="2400" dirty="0" smtClean="0">
-                  <a:latin typeface="Times" panose="02020603050405020304" pitchFamily="18" charset="0"/>
-                  <a:cs typeface="Times" panose="02020603050405020304" pitchFamily="18" charset="0"/>
-                </a:rPr>
-                <a:t>amount of labile dissolved organic matter over time in BOD bottles with and withou</a:t>
-              </a:r>
-              <a:r>
-                <a:rPr lang="en-US" sz="2400" dirty="0" smtClean="0">
-                  <a:latin typeface="Times" panose="02020603050405020304" pitchFamily="18" charset="0"/>
-                  <a:cs typeface="Times" panose="02020603050405020304" pitchFamily="18" charset="0"/>
-                </a:rPr>
-                <a:t>t leaf litter. The leaf litter resulted in an initial increase in the amount of labile dissolved organic matter but this effect did not persist past the first week of incubation.</a:t>
+                <a:t>A comparison of the amount of labile dissolved organic matter over time in BOD bottles with and without leaf litter. The leaf litter resulted in an initial increase in the amount of labile dissolved organic matter but this effect did not persist past the first week of incubation.</a:t>
               </a:r>
               <a:endParaRPr lang="en-US" sz="2400" dirty="0">
                 <a:latin typeface="Times" panose="02020603050405020304" pitchFamily="18" charset="0"/>
@@ -6554,50 +6023,82 @@
           </a:p>
           <a:p>
             <a:r>
-              <a:rPr lang="en-US" sz="2400" dirty="0"/>
+              <a:rPr lang="en-US" sz="2400" dirty="0">
+                <a:latin typeface="Times New Roman"/>
+                <a:cs typeface="Times New Roman"/>
+              </a:rPr>
               <a:t>Downing, J. A., Prairie, Y. T., Cole, J. J., Duarte, C. M., </a:t>
             </a:r>
             <a:r>
-              <a:rPr lang="en-US" sz="2400" dirty="0" err="1"/>
+              <a:rPr lang="en-US" sz="2400" dirty="0" err="1">
+                <a:latin typeface="Times New Roman"/>
+                <a:cs typeface="Times New Roman"/>
+              </a:rPr>
               <a:t>Tranvik</a:t>
             </a:r>
             <a:r>
-              <a:rPr lang="en-US" sz="2400" dirty="0"/>
+              <a:rPr lang="en-US" sz="2400" dirty="0">
+                <a:latin typeface="Times New Roman"/>
+                <a:cs typeface="Times New Roman"/>
+              </a:rPr>
               <a:t>, L. J., </a:t>
             </a:r>
             <a:r>
-              <a:rPr lang="en-US" sz="2400" dirty="0" err="1"/>
+              <a:rPr lang="en-US" sz="2400" dirty="0" err="1">
+                <a:latin typeface="Times New Roman"/>
+                <a:cs typeface="Times New Roman"/>
+              </a:rPr>
               <a:t>Striegl</a:t>
             </a:r>
             <a:r>
-              <a:rPr lang="en-US" sz="2400" dirty="0"/>
+              <a:rPr lang="en-US" sz="2400" dirty="0">
+                <a:latin typeface="Times New Roman"/>
+                <a:cs typeface="Times New Roman"/>
+              </a:rPr>
               <a:t>, R. G., McDowell, W. H., </a:t>
             </a:r>
             <a:r>
-              <a:rPr lang="en-US" sz="2400" dirty="0" err="1"/>
+              <a:rPr lang="en-US" sz="2400" dirty="0" err="1">
+                <a:latin typeface="Times New Roman"/>
+                <a:cs typeface="Times New Roman"/>
+              </a:rPr>
               <a:t>Kortelainen</a:t>
             </a:r>
             <a:r>
-              <a:rPr lang="en-US" sz="2400" dirty="0"/>
+              <a:rPr lang="en-US" sz="2400" dirty="0">
+                <a:latin typeface="Times New Roman"/>
+                <a:cs typeface="Times New Roman"/>
+              </a:rPr>
               <a:t>, P., </a:t>
             </a:r>
             <a:r>
-              <a:rPr lang="en-US" sz="2400" dirty="0" err="1"/>
+              <a:rPr lang="en-US" sz="2400" dirty="0" err="1">
+                <a:latin typeface="Times New Roman"/>
+                <a:cs typeface="Times New Roman"/>
+              </a:rPr>
               <a:t>Caraco</a:t>
             </a:r>
             <a:r>
-              <a:rPr lang="en-US" sz="2400" dirty="0"/>
+              <a:rPr lang="en-US" sz="2400" dirty="0">
+                <a:latin typeface="Times New Roman"/>
+                <a:cs typeface="Times New Roman"/>
+              </a:rPr>
               <a:t>, N. F., </a:t>
             </a:r>
             <a:r>
-              <a:rPr lang="en-US" sz="2400" dirty="0" err="1"/>
+              <a:rPr lang="en-US" sz="2400" dirty="0" err="1">
+                <a:latin typeface="Times New Roman"/>
+                <a:cs typeface="Times New Roman"/>
+              </a:rPr>
               <a:t>Melack</a:t>
             </a:r>
             <a:r>
-              <a:rPr lang="en-US" sz="2400" dirty="0"/>
+              <a:rPr lang="en-US" sz="2400" dirty="0">
+                <a:latin typeface="Times New Roman"/>
+                <a:cs typeface="Times New Roman"/>
+              </a:rPr>
               <a:t>, J. M., and Middleburg, J. J. 2006. The global abundance and size distribution of lakes, ponds, and impoundments. Limnology and Oceanography 51:2388-2397. </a:t>
             </a:r>
-            <a:endParaRPr lang="en-US" sz="2400" dirty="0"/>
           </a:p>
           <a:p>
             <a:endParaRPr lang="en-US" sz="2400" dirty="0" smtClean="0">
@@ -6648,10 +6149,6 @@
               </a:rPr>
               <a:t> 85:377-384. </a:t>
             </a:r>
-            <a:endParaRPr lang="en-US" sz="2400" dirty="0">
-              <a:latin typeface="Times New Roman"/>
-              <a:cs typeface="Times New Roman"/>
-            </a:endParaRPr>
           </a:p>
         </p:txBody>
       </p:sp>
